--- a/A2.pptx
+++ b/A2.pptx
@@ -7,6 +7,11 @@
   <p:sldIdLst>
     <p:sldId id="256" r:id="rId2"/>
     <p:sldId id="257" r:id="rId3"/>
+    <p:sldId id="258" r:id="rId4"/>
+    <p:sldId id="259" r:id="rId5"/>
+    <p:sldId id="260" r:id="rId6"/>
+    <p:sldId id="261" r:id="rId7"/>
+    <p:sldId id="262" r:id="rId8"/>
   </p:sldIdLst>
   <p:sldSz cx="12192000" cy="6858000"/>
   <p:notesSz cx="6858000" cy="9144000"/>
@@ -106,6 +111,3291 @@
     </a:lvl9pPr>
   </p:defaultTextStyle>
 </p:presentation>
+</file>
+
+<file path=ppt/diagrams/colors1.xml><?xml version="1.0" encoding="utf-8"?>
+<dgm:colorsDef xmlns:dgm="http://schemas.openxmlformats.org/drawingml/2006/diagram" xmlns:a="http://schemas.openxmlformats.org/drawingml/2006/main" uniqueId="urn:microsoft.com/office/officeart/2018/5/colors/Iconchunking_neutralicontext_colorful1">
+  <dgm:title val=""/>
+  <dgm:desc val=""/>
+  <dgm:catLst>
+    <dgm:cat type="colorful" pri="10100"/>
+  </dgm:catLst>
+  <dgm:styleLbl name="node0">
+    <dgm:fillClrLst meth="repeat">
+      <a:schemeClr val="accent1"/>
+    </dgm:fillClrLst>
+    <dgm:linClrLst meth="repeat">
+      <a:schemeClr val="lt1"/>
+    </dgm:linClrLst>
+    <dgm:effectClrLst/>
+    <dgm:txLinClrLst/>
+    <dgm:txFillClrLst/>
+    <dgm:txEffectClrLst/>
+  </dgm:styleLbl>
+  <dgm:styleLbl name="node1">
+    <dgm:fillClrLst meth="repeat">
+      <a:schemeClr val="bg1"/>
+    </dgm:fillClrLst>
+    <dgm:linClrLst meth="repeat">
+      <a:schemeClr val="lt1">
+        <a:alpha val="0"/>
+      </a:schemeClr>
+    </dgm:linClrLst>
+    <dgm:effectClrLst/>
+    <dgm:txLinClrLst/>
+    <dgm:txFillClrLst meth="repeat">
+      <a:schemeClr val="dk1"/>
+    </dgm:txFillClrLst>
+    <dgm:txEffectClrLst/>
+  </dgm:styleLbl>
+  <dgm:styleLbl name="alignNode1">
+    <dgm:fillClrLst meth="repeat">
+      <a:schemeClr val="accent2"/>
+      <a:schemeClr val="accent3"/>
+      <a:schemeClr val="accent4"/>
+      <a:schemeClr val="accent5"/>
+      <a:schemeClr val="accent6"/>
+    </dgm:fillClrLst>
+    <dgm:linClrLst meth="repeat">
+      <a:schemeClr val="accent2"/>
+      <a:schemeClr val="accent3"/>
+      <a:schemeClr val="accent4"/>
+      <a:schemeClr val="accent5"/>
+      <a:schemeClr val="accent6"/>
+    </dgm:linClrLst>
+    <dgm:effectClrLst/>
+    <dgm:txLinClrLst/>
+    <dgm:txFillClrLst/>
+    <dgm:txEffectClrLst/>
+  </dgm:styleLbl>
+  <dgm:styleLbl name="lnNode1">
+    <dgm:fillClrLst meth="repeat">
+      <a:schemeClr val="accent2"/>
+      <a:schemeClr val="accent3"/>
+      <a:schemeClr val="accent4"/>
+      <a:schemeClr val="accent5"/>
+      <a:schemeClr val="accent6"/>
+    </dgm:fillClrLst>
+    <dgm:linClrLst meth="repeat">
+      <a:schemeClr val="lt1"/>
+    </dgm:linClrLst>
+    <dgm:effectClrLst/>
+    <dgm:txLinClrLst/>
+    <dgm:txFillClrLst/>
+    <dgm:txEffectClrLst/>
+  </dgm:styleLbl>
+  <dgm:styleLbl name="vennNode1">
+    <dgm:fillClrLst meth="repeat">
+      <a:schemeClr val="accent2">
+        <a:alpha val="50000"/>
+      </a:schemeClr>
+      <a:schemeClr val="accent3">
+        <a:alpha val="50000"/>
+      </a:schemeClr>
+      <a:schemeClr val="accent4">
+        <a:alpha val="50000"/>
+      </a:schemeClr>
+      <a:schemeClr val="accent5">
+        <a:alpha val="50000"/>
+      </a:schemeClr>
+      <a:schemeClr val="accent6">
+        <a:alpha val="50000"/>
+      </a:schemeClr>
+    </dgm:fillClrLst>
+    <dgm:linClrLst meth="repeat">
+      <a:schemeClr val="lt1"/>
+    </dgm:linClrLst>
+    <dgm:effectClrLst/>
+    <dgm:txLinClrLst/>
+    <dgm:txFillClrLst/>
+    <dgm:txEffectClrLst/>
+  </dgm:styleLbl>
+  <dgm:styleLbl name="node2">
+    <dgm:fillClrLst>
+      <a:schemeClr val="accent2"/>
+    </dgm:fillClrLst>
+    <dgm:linClrLst meth="repeat">
+      <a:schemeClr val="lt1"/>
+    </dgm:linClrLst>
+    <dgm:effectClrLst/>
+    <dgm:txLinClrLst/>
+    <dgm:txFillClrLst/>
+    <dgm:txEffectClrLst/>
+  </dgm:styleLbl>
+  <dgm:styleLbl name="node3">
+    <dgm:fillClrLst>
+      <a:schemeClr val="accent3"/>
+    </dgm:fillClrLst>
+    <dgm:linClrLst meth="repeat">
+      <a:schemeClr val="lt1"/>
+    </dgm:linClrLst>
+    <dgm:effectClrLst/>
+    <dgm:txLinClrLst/>
+    <dgm:txFillClrLst/>
+    <dgm:txEffectClrLst/>
+  </dgm:styleLbl>
+  <dgm:styleLbl name="node4">
+    <dgm:fillClrLst>
+      <a:schemeClr val="accent4"/>
+    </dgm:fillClrLst>
+    <dgm:linClrLst meth="repeat">
+      <a:schemeClr val="lt1"/>
+    </dgm:linClrLst>
+    <dgm:effectClrLst/>
+    <dgm:txLinClrLst/>
+    <dgm:txFillClrLst/>
+    <dgm:txEffectClrLst/>
+  </dgm:styleLbl>
+  <dgm:styleLbl name="fgImgPlace1">
+    <dgm:fillClrLst meth="repeat">
+      <a:schemeClr val="accent2">
+        <a:tint val="50000"/>
+      </a:schemeClr>
+      <a:schemeClr val="accent3">
+        <a:tint val="50000"/>
+      </a:schemeClr>
+      <a:schemeClr val="accent4">
+        <a:tint val="50000"/>
+      </a:schemeClr>
+      <a:schemeClr val="accent5">
+        <a:tint val="50000"/>
+      </a:schemeClr>
+      <a:schemeClr val="accent6">
+        <a:tint val="50000"/>
+      </a:schemeClr>
+    </dgm:fillClrLst>
+    <dgm:linClrLst meth="repeat">
+      <a:schemeClr val="lt1"/>
+    </dgm:linClrLst>
+    <dgm:effectClrLst/>
+    <dgm:txLinClrLst/>
+    <dgm:txFillClrLst meth="repeat">
+      <a:schemeClr val="lt1"/>
+    </dgm:txFillClrLst>
+    <dgm:txEffectClrLst/>
+  </dgm:styleLbl>
+  <dgm:styleLbl name="alignImgPlace1">
+    <dgm:fillClrLst>
+      <a:schemeClr val="accent1">
+        <a:tint val="50000"/>
+      </a:schemeClr>
+      <a:schemeClr val="accent2">
+        <a:tint val="20000"/>
+      </a:schemeClr>
+    </dgm:fillClrLst>
+    <dgm:linClrLst meth="repeat">
+      <a:schemeClr val="lt1"/>
+    </dgm:linClrLst>
+    <dgm:effectClrLst/>
+    <dgm:txLinClrLst/>
+    <dgm:txFillClrLst meth="repeat">
+      <a:schemeClr val="lt1"/>
+    </dgm:txFillClrLst>
+    <dgm:txEffectClrLst/>
+  </dgm:styleLbl>
+  <dgm:styleLbl name="bgImgPlace1">
+    <dgm:fillClrLst>
+      <a:schemeClr val="accent1">
+        <a:tint val="50000"/>
+      </a:schemeClr>
+      <a:schemeClr val="accent2">
+        <a:tint val="20000"/>
+      </a:schemeClr>
+    </dgm:fillClrLst>
+    <dgm:linClrLst meth="repeat">
+      <a:schemeClr val="lt1"/>
+    </dgm:linClrLst>
+    <dgm:effectClrLst/>
+    <dgm:txLinClrLst/>
+    <dgm:txFillClrLst meth="repeat">
+      <a:schemeClr val="lt1"/>
+    </dgm:txFillClrLst>
+    <dgm:txEffectClrLst/>
+  </dgm:styleLbl>
+  <dgm:styleLbl name="sibTrans2D1">
+    <dgm:fillClrLst meth="repeat">
+      <a:schemeClr val="accent2"/>
+      <a:schemeClr val="accent3"/>
+      <a:schemeClr val="accent4"/>
+      <a:schemeClr val="accent5"/>
+      <a:schemeClr val="accent6"/>
+    </dgm:fillClrLst>
+    <dgm:linClrLst meth="cycle">
+      <a:schemeClr val="lt1"/>
+    </dgm:linClrLst>
+    <dgm:effectClrLst/>
+    <dgm:txLinClrLst/>
+    <dgm:txFillClrLst/>
+    <dgm:txEffectClrLst/>
+  </dgm:styleLbl>
+  <dgm:styleLbl name="fgSibTrans2D1">
+    <dgm:fillClrLst meth="repeat">
+      <a:schemeClr val="accent2"/>
+      <a:schemeClr val="accent3"/>
+      <a:schemeClr val="accent4"/>
+      <a:schemeClr val="accent5"/>
+      <a:schemeClr val="accent6"/>
+    </dgm:fillClrLst>
+    <dgm:linClrLst meth="cycle">
+      <a:schemeClr val="lt1"/>
+    </dgm:linClrLst>
+    <dgm:effectClrLst/>
+    <dgm:txLinClrLst/>
+    <dgm:txFillClrLst meth="repeat">
+      <a:schemeClr val="lt1"/>
+    </dgm:txFillClrLst>
+    <dgm:txEffectClrLst/>
+  </dgm:styleLbl>
+  <dgm:styleLbl name="bgSibTrans2D1">
+    <dgm:fillClrLst meth="repeat">
+      <a:schemeClr val="accent2"/>
+      <a:schemeClr val="accent3"/>
+      <a:schemeClr val="accent4"/>
+      <a:schemeClr val="accent5"/>
+      <a:schemeClr val="accent6"/>
+    </dgm:fillClrLst>
+    <dgm:linClrLst meth="cycle">
+      <a:schemeClr val="lt1"/>
+    </dgm:linClrLst>
+    <dgm:effectClrLst/>
+    <dgm:txLinClrLst/>
+    <dgm:txFillClrLst meth="repeat">
+      <a:schemeClr val="lt1"/>
+    </dgm:txFillClrLst>
+    <dgm:txEffectClrLst/>
+  </dgm:styleLbl>
+  <dgm:styleLbl name="sibTrans1D1">
+    <dgm:fillClrLst meth="repeat">
+      <a:schemeClr val="accent2"/>
+      <a:schemeClr val="accent3"/>
+      <a:schemeClr val="accent4"/>
+      <a:schemeClr val="accent5"/>
+      <a:schemeClr val="accent6"/>
+    </dgm:fillClrLst>
+    <dgm:linClrLst meth="repeat">
+      <a:schemeClr val="accent2"/>
+      <a:schemeClr val="accent3"/>
+      <a:schemeClr val="accent4"/>
+      <a:schemeClr val="accent5"/>
+      <a:schemeClr val="accent6"/>
+    </dgm:linClrLst>
+    <dgm:effectClrLst/>
+    <dgm:txLinClrLst/>
+    <dgm:txFillClrLst meth="repeat">
+      <a:schemeClr val="tx1"/>
+    </dgm:txFillClrLst>
+    <dgm:txEffectClrLst/>
+  </dgm:styleLbl>
+  <dgm:styleLbl name="callout">
+    <dgm:fillClrLst meth="repeat">
+      <a:schemeClr val="accent2"/>
+    </dgm:fillClrLst>
+    <dgm:linClrLst meth="repeat">
+      <a:schemeClr val="accent2">
+        <a:tint val="50000"/>
+      </a:schemeClr>
+    </dgm:linClrLst>
+    <dgm:effectClrLst/>
+    <dgm:txLinClrLst/>
+    <dgm:txFillClrLst meth="repeat">
+      <a:schemeClr val="tx1"/>
+    </dgm:txFillClrLst>
+    <dgm:txEffectClrLst/>
+  </dgm:styleLbl>
+  <dgm:styleLbl name="asst0">
+    <dgm:fillClrLst meth="repeat">
+      <a:schemeClr val="accent1"/>
+    </dgm:fillClrLst>
+    <dgm:linClrLst meth="repeat">
+      <a:schemeClr val="lt1"/>
+    </dgm:linClrLst>
+    <dgm:effectClrLst/>
+    <dgm:txLinClrLst/>
+    <dgm:txFillClrLst/>
+    <dgm:txEffectClrLst/>
+  </dgm:styleLbl>
+  <dgm:styleLbl name="asst1">
+    <dgm:fillClrLst meth="repeat">
+      <a:schemeClr val="accent2"/>
+    </dgm:fillClrLst>
+    <dgm:linClrLst meth="repeat">
+      <a:schemeClr val="lt1"/>
+    </dgm:linClrLst>
+    <dgm:effectClrLst/>
+    <dgm:txLinClrLst/>
+    <dgm:txFillClrLst/>
+    <dgm:txEffectClrLst/>
+  </dgm:styleLbl>
+  <dgm:styleLbl name="asst2">
+    <dgm:fillClrLst>
+      <a:schemeClr val="accent3"/>
+    </dgm:fillClrLst>
+    <dgm:linClrLst meth="repeat">
+      <a:schemeClr val="lt1"/>
+    </dgm:linClrLst>
+    <dgm:effectClrLst/>
+    <dgm:txLinClrLst/>
+    <dgm:txFillClrLst/>
+    <dgm:txEffectClrLst/>
+  </dgm:styleLbl>
+  <dgm:styleLbl name="asst3">
+    <dgm:fillClrLst>
+      <a:schemeClr val="accent4"/>
+    </dgm:fillClrLst>
+    <dgm:linClrLst meth="repeat">
+      <a:schemeClr val="lt1"/>
+    </dgm:linClrLst>
+    <dgm:effectClrLst/>
+    <dgm:txLinClrLst/>
+    <dgm:txFillClrLst/>
+    <dgm:txEffectClrLst/>
+  </dgm:styleLbl>
+  <dgm:styleLbl name="asst4">
+    <dgm:fillClrLst>
+      <a:schemeClr val="accent5"/>
+    </dgm:fillClrLst>
+    <dgm:linClrLst meth="repeat">
+      <a:schemeClr val="lt1"/>
+    </dgm:linClrLst>
+    <dgm:effectClrLst/>
+    <dgm:txLinClrLst/>
+    <dgm:txFillClrLst/>
+    <dgm:txEffectClrLst/>
+  </dgm:styleLbl>
+  <dgm:styleLbl name="parChTrans2D1">
+    <dgm:fillClrLst meth="repeat">
+      <a:schemeClr val="accent2"/>
+    </dgm:fillClrLst>
+    <dgm:linClrLst meth="repeat">
+      <a:schemeClr val="lt1"/>
+    </dgm:linClrLst>
+    <dgm:effectClrLst/>
+    <dgm:txLinClrLst/>
+    <dgm:txFillClrLst meth="repeat">
+      <a:schemeClr val="lt1"/>
+    </dgm:txFillClrLst>
+    <dgm:txEffectClrLst/>
+  </dgm:styleLbl>
+  <dgm:styleLbl name="parChTrans2D2">
+    <dgm:fillClrLst meth="repeat">
+      <a:schemeClr val="accent3"/>
+    </dgm:fillClrLst>
+    <dgm:linClrLst meth="repeat">
+      <a:schemeClr val="lt1"/>
+    </dgm:linClrLst>
+    <dgm:effectClrLst/>
+    <dgm:txLinClrLst/>
+    <dgm:txFillClrLst/>
+    <dgm:txEffectClrLst/>
+  </dgm:styleLbl>
+  <dgm:styleLbl name="parChTrans2D3">
+    <dgm:fillClrLst meth="repeat">
+      <a:schemeClr val="accent4"/>
+    </dgm:fillClrLst>
+    <dgm:linClrLst meth="repeat">
+      <a:schemeClr val="lt1"/>
+    </dgm:linClrLst>
+    <dgm:effectClrLst/>
+    <dgm:txLinClrLst/>
+    <dgm:txFillClrLst/>
+    <dgm:txEffectClrLst/>
+  </dgm:styleLbl>
+  <dgm:styleLbl name="parChTrans2D4">
+    <dgm:fillClrLst meth="repeat">
+      <a:schemeClr val="accent5"/>
+    </dgm:fillClrLst>
+    <dgm:linClrLst meth="repeat">
+      <a:schemeClr val="lt1"/>
+    </dgm:linClrLst>
+    <dgm:effectClrLst/>
+    <dgm:txLinClrLst/>
+    <dgm:txFillClrLst meth="repeat">
+      <a:schemeClr val="lt1"/>
+    </dgm:txFillClrLst>
+    <dgm:txEffectClrLst/>
+  </dgm:styleLbl>
+  <dgm:styleLbl name="parChTrans1D1">
+    <dgm:fillClrLst meth="repeat">
+      <a:schemeClr val="accent2"/>
+    </dgm:fillClrLst>
+    <dgm:linClrLst meth="repeat">
+      <a:schemeClr val="accent1"/>
+    </dgm:linClrLst>
+    <dgm:effectClrLst/>
+    <dgm:txLinClrLst/>
+    <dgm:txFillClrLst meth="repeat">
+      <a:schemeClr val="tx1"/>
+    </dgm:txFillClrLst>
+    <dgm:txEffectClrLst/>
+  </dgm:styleLbl>
+  <dgm:styleLbl name="parChTrans1D2">
+    <dgm:fillClrLst meth="repeat">
+      <a:schemeClr val="accent3">
+        <a:tint val="90000"/>
+      </a:schemeClr>
+    </dgm:fillClrLst>
+    <dgm:linClrLst meth="repeat">
+      <a:schemeClr val="accent2"/>
+    </dgm:linClrLst>
+    <dgm:effectClrLst/>
+    <dgm:txLinClrLst/>
+    <dgm:txFillClrLst meth="repeat">
+      <a:schemeClr val="tx1"/>
+    </dgm:txFillClrLst>
+    <dgm:txEffectClrLst/>
+  </dgm:styleLbl>
+  <dgm:styleLbl name="parChTrans1D3">
+    <dgm:fillClrLst meth="repeat">
+      <a:schemeClr val="accent4">
+        <a:tint val="70000"/>
+      </a:schemeClr>
+    </dgm:fillClrLst>
+    <dgm:linClrLst meth="repeat">
+      <a:schemeClr val="accent3"/>
+    </dgm:linClrLst>
+    <dgm:effectClrLst/>
+    <dgm:txLinClrLst/>
+    <dgm:txFillClrLst meth="repeat">
+      <a:schemeClr val="tx1"/>
+    </dgm:txFillClrLst>
+    <dgm:txEffectClrLst/>
+  </dgm:styleLbl>
+  <dgm:styleLbl name="parChTrans1D4">
+    <dgm:fillClrLst meth="repeat">
+      <a:schemeClr val="accent5">
+        <a:tint val="50000"/>
+      </a:schemeClr>
+    </dgm:fillClrLst>
+    <dgm:linClrLst meth="repeat">
+      <a:schemeClr val="accent4"/>
+    </dgm:linClrLst>
+    <dgm:effectClrLst/>
+    <dgm:txLinClrLst/>
+    <dgm:txFillClrLst meth="repeat">
+      <a:schemeClr val="tx1"/>
+    </dgm:txFillClrLst>
+    <dgm:txEffectClrLst/>
+  </dgm:styleLbl>
+  <dgm:styleLbl name="fgAcc1">
+    <dgm:fillClrLst meth="repeat">
+      <a:schemeClr val="lt1">
+        <a:alpha val="90000"/>
+      </a:schemeClr>
+    </dgm:fillClrLst>
+    <dgm:linClrLst meth="repeat">
+      <a:schemeClr val="accent2"/>
+      <a:schemeClr val="accent3"/>
+      <a:schemeClr val="accent4"/>
+      <a:schemeClr val="accent5"/>
+      <a:schemeClr val="accent6"/>
+    </dgm:linClrLst>
+    <dgm:effectClrLst/>
+    <dgm:txLinClrLst/>
+    <dgm:txFillClrLst meth="repeat">
+      <a:schemeClr val="dk1"/>
+    </dgm:txFillClrLst>
+    <dgm:txEffectClrLst/>
+  </dgm:styleLbl>
+  <dgm:styleLbl name="conFgAcc1">
+    <dgm:fillClrLst meth="repeat">
+      <a:schemeClr val="lt1">
+        <a:alpha val="90000"/>
+      </a:schemeClr>
+    </dgm:fillClrLst>
+    <dgm:linClrLst meth="repeat">
+      <a:schemeClr val="accent2"/>
+      <a:schemeClr val="accent3"/>
+      <a:schemeClr val="accent4"/>
+      <a:schemeClr val="accent5"/>
+      <a:schemeClr val="accent6"/>
+    </dgm:linClrLst>
+    <dgm:effectClrLst/>
+    <dgm:txLinClrLst/>
+    <dgm:txFillClrLst meth="repeat">
+      <a:schemeClr val="dk1"/>
+    </dgm:txFillClrLst>
+    <dgm:txEffectClrLst/>
+  </dgm:styleLbl>
+  <dgm:styleLbl name="alignAcc1">
+    <dgm:fillClrLst meth="repeat">
+      <a:schemeClr val="lt1">
+        <a:alpha val="90000"/>
+      </a:schemeClr>
+    </dgm:fillClrLst>
+    <dgm:linClrLst meth="repeat">
+      <a:schemeClr val="accent2"/>
+      <a:schemeClr val="accent3"/>
+      <a:schemeClr val="accent4"/>
+      <a:schemeClr val="accent5"/>
+      <a:schemeClr val="accent6"/>
+    </dgm:linClrLst>
+    <dgm:effectClrLst/>
+    <dgm:txLinClrLst/>
+    <dgm:txFillClrLst meth="repeat">
+      <a:schemeClr val="dk1"/>
+    </dgm:txFillClrLst>
+    <dgm:txEffectClrLst/>
+  </dgm:styleLbl>
+  <dgm:styleLbl name="trAlignAcc1">
+    <dgm:fillClrLst meth="repeat">
+      <a:schemeClr val="lt1">
+        <a:alpha val="40000"/>
+      </a:schemeClr>
+    </dgm:fillClrLst>
+    <dgm:linClrLst meth="repeat">
+      <a:schemeClr val="accent1"/>
+    </dgm:linClrLst>
+    <dgm:effectClrLst/>
+    <dgm:txLinClrLst/>
+    <dgm:txFillClrLst meth="repeat">
+      <a:schemeClr val="dk1"/>
+    </dgm:txFillClrLst>
+    <dgm:txEffectClrLst/>
+  </dgm:styleLbl>
+  <dgm:styleLbl name="bgAcc1">
+    <dgm:fillClrLst meth="repeat">
+      <a:schemeClr val="lt1">
+        <a:alpha val="90000"/>
+      </a:schemeClr>
+    </dgm:fillClrLst>
+    <dgm:linClrLst meth="repeat">
+      <a:schemeClr val="accent2"/>
+      <a:schemeClr val="accent3"/>
+      <a:schemeClr val="accent4"/>
+      <a:schemeClr val="accent5"/>
+      <a:schemeClr val="accent6"/>
+    </dgm:linClrLst>
+    <dgm:effectClrLst/>
+    <dgm:txLinClrLst/>
+    <dgm:txFillClrLst meth="repeat">
+      <a:schemeClr val="dk1"/>
+    </dgm:txFillClrLst>
+    <dgm:txEffectClrLst/>
+  </dgm:styleLbl>
+  <dgm:styleLbl name="solidFgAcc1">
+    <dgm:fillClrLst meth="repeat">
+      <a:schemeClr val="lt1"/>
+    </dgm:fillClrLst>
+    <dgm:linClrLst meth="repeat">
+      <a:schemeClr val="accent2"/>
+      <a:schemeClr val="accent3"/>
+      <a:schemeClr val="accent4"/>
+      <a:schemeClr val="accent5"/>
+      <a:schemeClr val="accent6"/>
+    </dgm:linClrLst>
+    <dgm:effectClrLst/>
+    <dgm:txLinClrLst/>
+    <dgm:txFillClrLst meth="repeat">
+      <a:schemeClr val="dk1"/>
+    </dgm:txFillClrLst>
+    <dgm:txEffectClrLst/>
+  </dgm:styleLbl>
+  <dgm:styleLbl name="solidAlignAcc1">
+    <dgm:fillClrLst meth="repeat">
+      <a:schemeClr val="lt1"/>
+    </dgm:fillClrLst>
+    <dgm:linClrLst meth="repeat">
+      <a:schemeClr val="accent2"/>
+      <a:schemeClr val="accent3"/>
+      <a:schemeClr val="accent4"/>
+      <a:schemeClr val="accent5"/>
+      <a:schemeClr val="accent6"/>
+    </dgm:linClrLst>
+    <dgm:effectClrLst/>
+    <dgm:txLinClrLst/>
+    <dgm:txFillClrLst meth="repeat">
+      <a:schemeClr val="dk1"/>
+    </dgm:txFillClrLst>
+    <dgm:txEffectClrLst/>
+  </dgm:styleLbl>
+  <dgm:styleLbl name="solidBgAcc1">
+    <dgm:fillClrLst meth="repeat">
+      <a:schemeClr val="lt1"/>
+    </dgm:fillClrLst>
+    <dgm:linClrLst meth="repeat">
+      <a:schemeClr val="accent2"/>
+      <a:schemeClr val="accent3"/>
+      <a:schemeClr val="accent4"/>
+      <a:schemeClr val="accent5"/>
+      <a:schemeClr val="accent6"/>
+    </dgm:linClrLst>
+    <dgm:effectClrLst/>
+    <dgm:txLinClrLst/>
+    <dgm:txFillClrLst meth="repeat">
+      <a:schemeClr val="dk1"/>
+    </dgm:txFillClrLst>
+    <dgm:txEffectClrLst/>
+  </dgm:styleLbl>
+  <dgm:styleLbl name="fgAccFollowNode1">
+    <dgm:fillClrLst meth="repeat">
+      <a:schemeClr val="accent2">
+        <a:tint val="40000"/>
+        <a:alpha val="90000"/>
+      </a:schemeClr>
+      <a:schemeClr val="accent3">
+        <a:tint val="40000"/>
+        <a:alpha val="90000"/>
+      </a:schemeClr>
+      <a:schemeClr val="accent4">
+        <a:tint val="40000"/>
+        <a:alpha val="90000"/>
+      </a:schemeClr>
+      <a:schemeClr val="accent5">
+        <a:tint val="40000"/>
+        <a:alpha val="90000"/>
+      </a:schemeClr>
+      <a:schemeClr val="accent6">
+        <a:tint val="40000"/>
+        <a:alpha val="90000"/>
+      </a:schemeClr>
+    </dgm:fillClrLst>
+    <dgm:linClrLst meth="repeat">
+      <a:schemeClr val="accent2">
+        <a:tint val="40000"/>
+        <a:alpha val="90000"/>
+      </a:schemeClr>
+      <a:schemeClr val="accent3">
+        <a:tint val="40000"/>
+        <a:alpha val="90000"/>
+      </a:schemeClr>
+      <a:schemeClr val="accent4">
+        <a:tint val="40000"/>
+        <a:alpha val="90000"/>
+      </a:schemeClr>
+      <a:schemeClr val="accent5">
+        <a:tint val="40000"/>
+        <a:alpha val="90000"/>
+      </a:schemeClr>
+      <a:schemeClr val="accent6">
+        <a:tint val="40000"/>
+        <a:alpha val="90000"/>
+      </a:schemeClr>
+    </dgm:linClrLst>
+    <dgm:effectClrLst/>
+    <dgm:txLinClrLst/>
+    <dgm:txFillClrLst meth="repeat">
+      <a:schemeClr val="dk1"/>
+    </dgm:txFillClrLst>
+    <dgm:txEffectClrLst/>
+  </dgm:styleLbl>
+  <dgm:styleLbl name="alignAccFollowNode1">
+    <dgm:fillClrLst meth="repeat">
+      <a:schemeClr val="accent2">
+        <a:tint val="40000"/>
+        <a:alpha val="90000"/>
+      </a:schemeClr>
+      <a:schemeClr val="accent3">
+        <a:tint val="40000"/>
+        <a:alpha val="90000"/>
+      </a:schemeClr>
+      <a:schemeClr val="accent4">
+        <a:tint val="40000"/>
+        <a:alpha val="90000"/>
+      </a:schemeClr>
+      <a:schemeClr val="accent5">
+        <a:tint val="40000"/>
+        <a:alpha val="90000"/>
+      </a:schemeClr>
+      <a:schemeClr val="accent6">
+        <a:tint val="40000"/>
+        <a:alpha val="90000"/>
+      </a:schemeClr>
+    </dgm:fillClrLst>
+    <dgm:linClrLst meth="repeat">
+      <a:schemeClr val="accent2">
+        <a:tint val="40000"/>
+        <a:alpha val="90000"/>
+      </a:schemeClr>
+      <a:schemeClr val="accent3">
+        <a:tint val="40000"/>
+        <a:alpha val="90000"/>
+      </a:schemeClr>
+      <a:schemeClr val="accent4">
+        <a:tint val="40000"/>
+        <a:alpha val="90000"/>
+      </a:schemeClr>
+      <a:schemeClr val="accent5">
+        <a:tint val="40000"/>
+        <a:alpha val="90000"/>
+      </a:schemeClr>
+      <a:schemeClr val="accent6">
+        <a:tint val="40000"/>
+        <a:alpha val="90000"/>
+      </a:schemeClr>
+    </dgm:linClrLst>
+    <dgm:effectClrLst/>
+    <dgm:txLinClrLst/>
+    <dgm:txFillClrLst meth="repeat">
+      <a:schemeClr val="dk1"/>
+    </dgm:txFillClrLst>
+    <dgm:txEffectClrLst/>
+  </dgm:styleLbl>
+  <dgm:styleLbl name="bgAccFollowNode1">
+    <dgm:fillClrLst meth="repeat">
+      <a:schemeClr val="accent2">
+        <a:tint val="40000"/>
+        <a:alpha val="90000"/>
+      </a:schemeClr>
+      <a:schemeClr val="accent3">
+        <a:tint val="40000"/>
+        <a:alpha val="90000"/>
+      </a:schemeClr>
+      <a:schemeClr val="accent4">
+        <a:tint val="40000"/>
+        <a:alpha val="90000"/>
+      </a:schemeClr>
+      <a:schemeClr val="accent5">
+        <a:tint val="40000"/>
+        <a:alpha val="90000"/>
+      </a:schemeClr>
+      <a:schemeClr val="accent6">
+        <a:tint val="40000"/>
+        <a:alpha val="90000"/>
+      </a:schemeClr>
+    </dgm:fillClrLst>
+    <dgm:linClrLst meth="repeat">
+      <a:schemeClr val="accent2">
+        <a:tint val="40000"/>
+        <a:alpha val="90000"/>
+      </a:schemeClr>
+      <a:schemeClr val="accent3">
+        <a:tint val="40000"/>
+        <a:alpha val="90000"/>
+      </a:schemeClr>
+      <a:schemeClr val="accent4">
+        <a:tint val="40000"/>
+        <a:alpha val="90000"/>
+      </a:schemeClr>
+      <a:schemeClr val="accent5">
+        <a:tint val="40000"/>
+        <a:alpha val="90000"/>
+      </a:schemeClr>
+      <a:schemeClr val="accent6">
+        <a:tint val="40000"/>
+        <a:alpha val="90000"/>
+      </a:schemeClr>
+    </dgm:linClrLst>
+    <dgm:effectClrLst/>
+    <dgm:txLinClrLst/>
+    <dgm:txFillClrLst meth="repeat">
+      <a:schemeClr val="dk1"/>
+    </dgm:txFillClrLst>
+    <dgm:txEffectClrLst/>
+  </dgm:styleLbl>
+  <dgm:styleLbl name="fgAcc0">
+    <dgm:fillClrLst meth="repeat">
+      <a:schemeClr val="lt1">
+        <a:alpha val="90000"/>
+      </a:schemeClr>
+    </dgm:fillClrLst>
+    <dgm:linClrLst>
+      <a:schemeClr val="accent1"/>
+    </dgm:linClrLst>
+    <dgm:effectClrLst/>
+    <dgm:txLinClrLst/>
+    <dgm:txFillClrLst meth="repeat">
+      <a:schemeClr val="dk1"/>
+    </dgm:txFillClrLst>
+    <dgm:txEffectClrLst/>
+  </dgm:styleLbl>
+  <dgm:styleLbl name="fgAcc2">
+    <dgm:fillClrLst meth="repeat">
+      <a:schemeClr val="lt1">
+        <a:alpha val="90000"/>
+      </a:schemeClr>
+    </dgm:fillClrLst>
+    <dgm:linClrLst>
+      <a:schemeClr val="accent2"/>
+    </dgm:linClrLst>
+    <dgm:effectClrLst/>
+    <dgm:txLinClrLst/>
+    <dgm:txFillClrLst meth="repeat">
+      <a:schemeClr val="dk1"/>
+    </dgm:txFillClrLst>
+    <dgm:txEffectClrLst/>
+  </dgm:styleLbl>
+  <dgm:styleLbl name="fgAcc3">
+    <dgm:fillClrLst meth="repeat">
+      <a:schemeClr val="lt1">
+        <a:alpha val="90000"/>
+      </a:schemeClr>
+    </dgm:fillClrLst>
+    <dgm:linClrLst>
+      <a:schemeClr val="accent3"/>
+    </dgm:linClrLst>
+    <dgm:effectClrLst/>
+    <dgm:txLinClrLst/>
+    <dgm:txFillClrLst meth="repeat">
+      <a:schemeClr val="dk1"/>
+    </dgm:txFillClrLst>
+    <dgm:txEffectClrLst/>
+  </dgm:styleLbl>
+  <dgm:styleLbl name="fgAcc4">
+    <dgm:fillClrLst meth="repeat">
+      <a:schemeClr val="lt1">
+        <a:alpha val="90000"/>
+      </a:schemeClr>
+    </dgm:fillClrLst>
+    <dgm:linClrLst>
+      <a:schemeClr val="accent4"/>
+    </dgm:linClrLst>
+    <dgm:effectClrLst/>
+    <dgm:txLinClrLst/>
+    <dgm:txFillClrLst meth="repeat">
+      <a:schemeClr val="dk1"/>
+    </dgm:txFillClrLst>
+    <dgm:txEffectClrLst/>
+  </dgm:styleLbl>
+  <dgm:styleLbl name="bgShp">
+    <dgm:fillClrLst meth="repeat">
+      <a:schemeClr val="accent2"/>
+      <a:schemeClr val="accent3"/>
+      <a:schemeClr val="accent4"/>
+      <a:schemeClr val="accent5"/>
+      <a:schemeClr val="accent6"/>
+    </dgm:fillClrLst>
+    <dgm:linClrLst meth="repeat">
+      <a:schemeClr val="lt1">
+        <a:alpha val="0"/>
+      </a:schemeClr>
+    </dgm:linClrLst>
+    <dgm:effectClrLst/>
+    <dgm:txLinClrLst/>
+    <dgm:txFillClrLst/>
+    <dgm:txEffectClrLst/>
+  </dgm:styleLbl>
+  <dgm:styleLbl name="dkBgShp">
+    <dgm:fillClrLst meth="repeat">
+      <a:schemeClr val="accent2">
+        <a:shade val="90000"/>
+      </a:schemeClr>
+    </dgm:fillClrLst>
+    <dgm:linClrLst meth="repeat">
+      <a:schemeClr val="dk1"/>
+    </dgm:linClrLst>
+    <dgm:effectClrLst/>
+    <dgm:txLinClrLst/>
+    <dgm:txFillClrLst meth="repeat">
+      <a:schemeClr val="lt1"/>
+    </dgm:txFillClrLst>
+    <dgm:txEffectClrLst/>
+  </dgm:styleLbl>
+  <dgm:styleLbl name="trBgShp">
+    <dgm:fillClrLst meth="repeat">
+      <a:schemeClr val="accent1">
+        <a:tint val="50000"/>
+        <a:alpha val="40000"/>
+      </a:schemeClr>
+    </dgm:fillClrLst>
+    <dgm:linClrLst meth="repeat">
+      <a:schemeClr val="accent2"/>
+    </dgm:linClrLst>
+    <dgm:effectClrLst/>
+    <dgm:txLinClrLst/>
+    <dgm:txFillClrLst meth="repeat">
+      <a:schemeClr val="lt1"/>
+    </dgm:txFillClrLst>
+    <dgm:txEffectClrLst/>
+  </dgm:styleLbl>
+  <dgm:styleLbl name="fgShp">
+    <dgm:fillClrLst meth="repeat">
+      <a:schemeClr val="accent2">
+        <a:tint val="40000"/>
+      </a:schemeClr>
+    </dgm:fillClrLst>
+    <dgm:linClrLst meth="repeat">
+      <a:schemeClr val="lt1"/>
+    </dgm:linClrLst>
+    <dgm:effectClrLst/>
+    <dgm:txLinClrLst/>
+    <dgm:txFillClrLst meth="repeat">
+      <a:schemeClr val="dk1"/>
+    </dgm:txFillClrLst>
+    <dgm:txEffectClrLst/>
+  </dgm:styleLbl>
+  <dgm:styleLbl name="revTx">
+    <dgm:fillClrLst meth="repeat">
+      <a:schemeClr val="lt1">
+        <a:alpha val="0"/>
+      </a:schemeClr>
+    </dgm:fillClrLst>
+    <dgm:linClrLst meth="repeat">
+      <a:schemeClr val="dk1">
+        <a:alpha val="0"/>
+      </a:schemeClr>
+    </dgm:linClrLst>
+    <dgm:effectClrLst/>
+    <dgm:txLinClrLst/>
+    <dgm:txFillClrLst meth="repeat">
+      <a:schemeClr val="bg1"/>
+    </dgm:txFillClrLst>
+    <dgm:txEffectClrLst/>
+  </dgm:styleLbl>
+</dgm:colorsDef>
+</file>
+
+<file path=ppt/diagrams/data1.xml><?xml version="1.0" encoding="utf-8"?>
+<dgm:dataModel xmlns:dgm="http://schemas.openxmlformats.org/drawingml/2006/diagram" xmlns:a="http://schemas.openxmlformats.org/drawingml/2006/main">
+  <dgm:ptLst>
+    <dgm:pt modelId="{2B48258F-9E58-4049-B134-3CD88365AEA3}" type="doc">
+      <dgm:prSet loTypeId="urn:microsoft.com/office/officeart/2018/2/layout/IconVerticalSolidList" loCatId="icon" qsTypeId="urn:microsoft.com/office/officeart/2005/8/quickstyle/simple1" qsCatId="simple" csTypeId="urn:microsoft.com/office/officeart/2018/5/colors/Iconchunking_neutralicontext_colorful1" csCatId="colorful" phldr="1"/>
+      <dgm:spPr/>
+      <dgm:t>
+        <a:bodyPr/>
+        <a:lstStyle/>
+        <a:p>
+          <a:endParaRPr lang="en-US"/>
+        </a:p>
+      </dgm:t>
+    </dgm:pt>
+    <dgm:pt modelId="{BDDC756A-7C9B-4F34-A6FB-3C6D8666064D}">
+      <dgm:prSet/>
+      <dgm:spPr/>
+      <dgm:t>
+        <a:bodyPr/>
+        <a:lstStyle/>
+        <a:p>
+          <a:r>
+            <a:rPr lang="en-US"/>
+            <a:t>I wanted to do some sort of a Tamagotchi type feature</a:t>
+          </a:r>
+        </a:p>
+      </dgm:t>
+    </dgm:pt>
+    <dgm:pt modelId="{268CF846-361A-4A5E-9C3A-05AC856E8624}" type="parTrans" cxnId="{BA34B47C-D00B-4B1B-94F6-77C57C8417EF}">
+      <dgm:prSet/>
+      <dgm:spPr/>
+      <dgm:t>
+        <a:bodyPr/>
+        <a:lstStyle/>
+        <a:p>
+          <a:endParaRPr lang="en-US"/>
+        </a:p>
+      </dgm:t>
+    </dgm:pt>
+    <dgm:pt modelId="{DC385225-D305-4F7C-894A-75FE4CA9D970}" type="sibTrans" cxnId="{BA34B47C-D00B-4B1B-94F6-77C57C8417EF}">
+      <dgm:prSet/>
+      <dgm:spPr/>
+      <dgm:t>
+        <a:bodyPr/>
+        <a:lstStyle/>
+        <a:p>
+          <a:endParaRPr lang="en-US"/>
+        </a:p>
+      </dgm:t>
+    </dgm:pt>
+    <dgm:pt modelId="{77A83FAC-28D9-468C-A411-AC0A223495DD}">
+      <dgm:prSet/>
+      <dgm:spPr/>
+      <dgm:t>
+        <a:bodyPr/>
+        <a:lstStyle/>
+        <a:p>
+          <a:r>
+            <a:rPr lang="en-US"/>
+            <a:t>But this Tamagotchi would be angry and vengeful</a:t>
+          </a:r>
+        </a:p>
+      </dgm:t>
+    </dgm:pt>
+    <dgm:pt modelId="{C651C4E1-F025-4665-8A18-DF4776ED43CD}" type="parTrans" cxnId="{A0607EBA-1D85-4DC8-BF4A-2CB42448C869}">
+      <dgm:prSet/>
+      <dgm:spPr/>
+      <dgm:t>
+        <a:bodyPr/>
+        <a:lstStyle/>
+        <a:p>
+          <a:endParaRPr lang="en-US"/>
+        </a:p>
+      </dgm:t>
+    </dgm:pt>
+    <dgm:pt modelId="{5C6A3909-3982-461B-AB6A-4B18E895C5D0}" type="sibTrans" cxnId="{A0607EBA-1D85-4DC8-BF4A-2CB42448C869}">
+      <dgm:prSet/>
+      <dgm:spPr/>
+      <dgm:t>
+        <a:bodyPr/>
+        <a:lstStyle/>
+        <a:p>
+          <a:endParaRPr lang="en-US"/>
+        </a:p>
+      </dgm:t>
+    </dgm:pt>
+    <dgm:pt modelId="{795799B4-7294-4E16-A77F-904F27EB41F6}">
+      <dgm:prSet/>
+      <dgm:spPr/>
+      <dgm:t>
+        <a:bodyPr/>
+        <a:lstStyle/>
+        <a:p>
+          <a:r>
+            <a:rPr lang="en-US" dirty="0"/>
+            <a:t>So it needed some way to get angry</a:t>
+          </a:r>
+        </a:p>
+      </dgm:t>
+    </dgm:pt>
+    <dgm:pt modelId="{D1ACA120-3543-49AF-9485-62AF016C581B}" type="parTrans" cxnId="{D6E47BEC-5F12-49BC-9D3F-DA27A2B2558F}">
+      <dgm:prSet/>
+      <dgm:spPr/>
+      <dgm:t>
+        <a:bodyPr/>
+        <a:lstStyle/>
+        <a:p>
+          <a:endParaRPr lang="en-US"/>
+        </a:p>
+      </dgm:t>
+    </dgm:pt>
+    <dgm:pt modelId="{E016E987-28E7-4F00-98FD-D2DE5D4CE0F2}" type="sibTrans" cxnId="{D6E47BEC-5F12-49BC-9D3F-DA27A2B2558F}">
+      <dgm:prSet/>
+      <dgm:spPr/>
+      <dgm:t>
+        <a:bodyPr/>
+        <a:lstStyle/>
+        <a:p>
+          <a:endParaRPr lang="en-US"/>
+        </a:p>
+      </dgm:t>
+    </dgm:pt>
+    <dgm:pt modelId="{5431736B-595E-4D24-9AC0-09971149806B}">
+      <dgm:prSet/>
+      <dgm:spPr/>
+      <dgm:t>
+        <a:bodyPr/>
+        <a:lstStyle/>
+        <a:p>
+          <a:r>
+            <a:rPr lang="en-US"/>
+            <a:t>I think the best way would be to control your access to the fun parts of the internet, perhaps by turning off access?</a:t>
+          </a:r>
+        </a:p>
+      </dgm:t>
+    </dgm:pt>
+    <dgm:pt modelId="{DF401E65-66EC-4AB9-B4D2-DFCC3BC3B4B9}" type="parTrans" cxnId="{811E68B6-D6F1-4E74-886A-61E07E80B037}">
+      <dgm:prSet/>
+      <dgm:spPr/>
+      <dgm:t>
+        <a:bodyPr/>
+        <a:lstStyle/>
+        <a:p>
+          <a:endParaRPr lang="en-US"/>
+        </a:p>
+      </dgm:t>
+    </dgm:pt>
+    <dgm:pt modelId="{3123908F-42B9-45A5-B073-98F3E6B49070}" type="sibTrans" cxnId="{811E68B6-D6F1-4E74-886A-61E07E80B037}">
+      <dgm:prSet/>
+      <dgm:spPr/>
+      <dgm:t>
+        <a:bodyPr/>
+        <a:lstStyle/>
+        <a:p>
+          <a:endParaRPr lang="en-US"/>
+        </a:p>
+      </dgm:t>
+    </dgm:pt>
+    <dgm:pt modelId="{E6A38BD0-8BD4-48E7-AADC-0A32E9795DCF}" type="pres">
+      <dgm:prSet presAssocID="{2B48258F-9E58-4049-B134-3CD88365AEA3}" presName="root" presStyleCnt="0">
+        <dgm:presLayoutVars>
+          <dgm:dir/>
+          <dgm:resizeHandles val="exact"/>
+        </dgm:presLayoutVars>
+      </dgm:prSet>
+      <dgm:spPr/>
+    </dgm:pt>
+    <dgm:pt modelId="{D9456605-3FB2-4103-B6C9-68078B480CCC}" type="pres">
+      <dgm:prSet presAssocID="{BDDC756A-7C9B-4F34-A6FB-3C6D8666064D}" presName="compNode" presStyleCnt="0"/>
+      <dgm:spPr/>
+    </dgm:pt>
+    <dgm:pt modelId="{C8BFBE7F-6155-4867-98F0-3188046670E9}" type="pres">
+      <dgm:prSet presAssocID="{BDDC756A-7C9B-4F34-A6FB-3C6D8666064D}" presName="bgRect" presStyleLbl="bgShp" presStyleIdx="0" presStyleCnt="4"/>
+      <dgm:spPr/>
+    </dgm:pt>
+    <dgm:pt modelId="{A1F45897-906E-42E2-A25F-DF4C4DA5DA78}" type="pres">
+      <dgm:prSet presAssocID="{BDDC756A-7C9B-4F34-A6FB-3C6D8666064D}" presName="iconRect" presStyleLbl="node1" presStyleIdx="0" presStyleCnt="4"/>
+      <dgm:spPr>
+        <a:blipFill>
+          <a:blip xmlns:r="http://schemas.openxmlformats.org/officeDocument/2006/relationships" r:embed="rId1">
+            <a:extLst>
+              <a:ext uri="{28A0092B-C50C-407E-A947-70E740481C1C}">
+                <a14:useLocalDpi xmlns:a14="http://schemas.microsoft.com/office/drawing/2010/main" val="0"/>
+              </a:ext>
+              <a:ext uri="{96DAC541-7B7A-43D3-8B79-37D633B846F1}">
+                <asvg:svgBlip xmlns:asvg="http://schemas.microsoft.com/office/drawing/2016/SVG/main" r:embed="rId2"/>
+              </a:ext>
+            </a:extLst>
+          </a:blip>
+          <a:stretch>
+            <a:fillRect/>
+          </a:stretch>
+        </a:blipFill>
+        <a:ln>
+          <a:noFill/>
+        </a:ln>
+      </dgm:spPr>
+      <dgm:extLst>
+        <a:ext uri="{E40237B7-FDA0-4F09-8148-C483321AD2D9}">
+          <dgm14:cNvPr xmlns:dgm14="http://schemas.microsoft.com/office/drawing/2010/diagram" id="0" name="" descr="Joker Hat"/>
+        </a:ext>
+      </dgm:extLst>
+    </dgm:pt>
+    <dgm:pt modelId="{CC88EC4E-7821-45B3-B26A-1FF38FCF7DEA}" type="pres">
+      <dgm:prSet presAssocID="{BDDC756A-7C9B-4F34-A6FB-3C6D8666064D}" presName="spaceRect" presStyleCnt="0"/>
+      <dgm:spPr/>
+    </dgm:pt>
+    <dgm:pt modelId="{63374D0A-52A3-40D4-A6F5-6239E4F6C384}" type="pres">
+      <dgm:prSet presAssocID="{BDDC756A-7C9B-4F34-A6FB-3C6D8666064D}" presName="parTx" presStyleLbl="revTx" presStyleIdx="0" presStyleCnt="4">
+        <dgm:presLayoutVars>
+          <dgm:chMax val="0"/>
+          <dgm:chPref val="0"/>
+        </dgm:presLayoutVars>
+      </dgm:prSet>
+      <dgm:spPr/>
+    </dgm:pt>
+    <dgm:pt modelId="{5F8E15AA-D330-47A2-A86F-0587B5AEFF4D}" type="pres">
+      <dgm:prSet presAssocID="{DC385225-D305-4F7C-894A-75FE4CA9D970}" presName="sibTrans" presStyleCnt="0"/>
+      <dgm:spPr/>
+    </dgm:pt>
+    <dgm:pt modelId="{21613685-F345-4B32-833F-AF4AA79D4429}" type="pres">
+      <dgm:prSet presAssocID="{77A83FAC-28D9-468C-A411-AC0A223495DD}" presName="compNode" presStyleCnt="0"/>
+      <dgm:spPr/>
+    </dgm:pt>
+    <dgm:pt modelId="{E698867E-0BB8-4286-9C70-75D8E0C0038B}" type="pres">
+      <dgm:prSet presAssocID="{77A83FAC-28D9-468C-A411-AC0A223495DD}" presName="bgRect" presStyleLbl="bgShp" presStyleIdx="1" presStyleCnt="4"/>
+      <dgm:spPr/>
+    </dgm:pt>
+    <dgm:pt modelId="{010DA4BC-398E-44D4-8C66-FC76C2624913}" type="pres">
+      <dgm:prSet presAssocID="{77A83FAC-28D9-468C-A411-AC0A223495DD}" presName="iconRect" presStyleLbl="node1" presStyleIdx="1" presStyleCnt="4"/>
+      <dgm:spPr>
+        <a:blipFill>
+          <a:blip xmlns:r="http://schemas.openxmlformats.org/officeDocument/2006/relationships" r:embed="rId3">
+            <a:extLst>
+              <a:ext uri="{28A0092B-C50C-407E-A947-70E740481C1C}">
+                <a14:useLocalDpi xmlns:a14="http://schemas.microsoft.com/office/drawing/2010/main" val="0"/>
+              </a:ext>
+              <a:ext uri="{96DAC541-7B7A-43D3-8B79-37D633B846F1}">
+                <asvg:svgBlip xmlns:asvg="http://schemas.microsoft.com/office/drawing/2016/SVG/main" r:embed="rId4"/>
+              </a:ext>
+            </a:extLst>
+          </a:blip>
+          <a:stretch>
+            <a:fillRect/>
+          </a:stretch>
+        </a:blipFill>
+        <a:ln>
+          <a:noFill/>
+        </a:ln>
+      </dgm:spPr>
+      <dgm:extLst>
+        <a:ext uri="{E40237B7-FDA0-4F09-8148-C483321AD2D9}">
+          <dgm14:cNvPr xmlns:dgm14="http://schemas.microsoft.com/office/drawing/2010/diagram" id="0" name="" descr="Angry Face with Solid Fill"/>
+        </a:ext>
+      </dgm:extLst>
+    </dgm:pt>
+    <dgm:pt modelId="{67D1B2C7-EEBE-4B36-9D9A-F7A949489981}" type="pres">
+      <dgm:prSet presAssocID="{77A83FAC-28D9-468C-A411-AC0A223495DD}" presName="spaceRect" presStyleCnt="0"/>
+      <dgm:spPr/>
+    </dgm:pt>
+    <dgm:pt modelId="{8697CB25-2740-4CCF-8F53-49A23EF0A9DC}" type="pres">
+      <dgm:prSet presAssocID="{77A83FAC-28D9-468C-A411-AC0A223495DD}" presName="parTx" presStyleLbl="revTx" presStyleIdx="1" presStyleCnt="4">
+        <dgm:presLayoutVars>
+          <dgm:chMax val="0"/>
+          <dgm:chPref val="0"/>
+        </dgm:presLayoutVars>
+      </dgm:prSet>
+      <dgm:spPr/>
+    </dgm:pt>
+    <dgm:pt modelId="{9313D899-DBBB-431F-A068-21B435437F35}" type="pres">
+      <dgm:prSet presAssocID="{5C6A3909-3982-461B-AB6A-4B18E895C5D0}" presName="sibTrans" presStyleCnt="0"/>
+      <dgm:spPr/>
+    </dgm:pt>
+    <dgm:pt modelId="{C2D10CC7-53B2-47F2-8966-6BC9B120F5B9}" type="pres">
+      <dgm:prSet presAssocID="{795799B4-7294-4E16-A77F-904F27EB41F6}" presName="compNode" presStyleCnt="0"/>
+      <dgm:spPr/>
+    </dgm:pt>
+    <dgm:pt modelId="{6507E976-69C9-47CB-A2F3-953CB88469DD}" type="pres">
+      <dgm:prSet presAssocID="{795799B4-7294-4E16-A77F-904F27EB41F6}" presName="bgRect" presStyleLbl="bgShp" presStyleIdx="2" presStyleCnt="4"/>
+      <dgm:spPr/>
+    </dgm:pt>
+    <dgm:pt modelId="{230EE540-2420-425A-B6F5-0BB7F4A305B7}" type="pres">
+      <dgm:prSet presAssocID="{795799B4-7294-4E16-A77F-904F27EB41F6}" presName="iconRect" presStyleLbl="node1" presStyleIdx="2" presStyleCnt="4"/>
+      <dgm:spPr>
+        <a:blipFill>
+          <a:blip xmlns:r="http://schemas.openxmlformats.org/officeDocument/2006/relationships" r:embed="rId5">
+            <a:extLst>
+              <a:ext uri="{28A0092B-C50C-407E-A947-70E740481C1C}">
+                <a14:useLocalDpi xmlns:a14="http://schemas.microsoft.com/office/drawing/2010/main" val="0"/>
+              </a:ext>
+              <a:ext uri="{96DAC541-7B7A-43D3-8B79-37D633B846F1}">
+                <asvg:svgBlip xmlns:asvg="http://schemas.microsoft.com/office/drawing/2016/SVG/main" r:embed="rId6"/>
+              </a:ext>
+            </a:extLst>
+          </a:blip>
+          <a:stretch>
+            <a:fillRect/>
+          </a:stretch>
+        </a:blipFill>
+        <a:ln>
+          <a:noFill/>
+        </a:ln>
+      </dgm:spPr>
+      <dgm:extLst>
+        <a:ext uri="{E40237B7-FDA0-4F09-8148-C483321AD2D9}">
+          <dgm14:cNvPr xmlns:dgm14="http://schemas.microsoft.com/office/drawing/2010/diagram" id="0" name="" descr="Angry Face with No Fill"/>
+        </a:ext>
+      </dgm:extLst>
+    </dgm:pt>
+    <dgm:pt modelId="{8145A1D1-AD36-4F6D-A2B5-FC3B1088E67B}" type="pres">
+      <dgm:prSet presAssocID="{795799B4-7294-4E16-A77F-904F27EB41F6}" presName="spaceRect" presStyleCnt="0"/>
+      <dgm:spPr/>
+    </dgm:pt>
+    <dgm:pt modelId="{A452CE7B-DD3A-450C-8018-03C891E2E6BD}" type="pres">
+      <dgm:prSet presAssocID="{795799B4-7294-4E16-A77F-904F27EB41F6}" presName="parTx" presStyleLbl="revTx" presStyleIdx="2" presStyleCnt="4">
+        <dgm:presLayoutVars>
+          <dgm:chMax val="0"/>
+          <dgm:chPref val="0"/>
+        </dgm:presLayoutVars>
+      </dgm:prSet>
+      <dgm:spPr/>
+    </dgm:pt>
+    <dgm:pt modelId="{AD399DE8-F475-445B-99F2-6BB8AC0F5F9E}" type="pres">
+      <dgm:prSet presAssocID="{E016E987-28E7-4F00-98FD-D2DE5D4CE0F2}" presName="sibTrans" presStyleCnt="0"/>
+      <dgm:spPr/>
+    </dgm:pt>
+    <dgm:pt modelId="{0A8887BA-75A1-4BAF-AAC4-D5E63856EB05}" type="pres">
+      <dgm:prSet presAssocID="{5431736B-595E-4D24-9AC0-09971149806B}" presName="compNode" presStyleCnt="0"/>
+      <dgm:spPr/>
+    </dgm:pt>
+    <dgm:pt modelId="{672E3E90-4BFD-4D02-9199-C918A3C632B9}" type="pres">
+      <dgm:prSet presAssocID="{5431736B-595E-4D24-9AC0-09971149806B}" presName="bgRect" presStyleLbl="bgShp" presStyleIdx="3" presStyleCnt="4"/>
+      <dgm:spPr/>
+    </dgm:pt>
+    <dgm:pt modelId="{0397C31A-85CF-41CB-AD23-992C92B864BD}" type="pres">
+      <dgm:prSet presAssocID="{5431736B-595E-4D24-9AC0-09971149806B}" presName="iconRect" presStyleLbl="node1" presStyleIdx="3" presStyleCnt="4"/>
+      <dgm:spPr>
+        <a:blipFill>
+          <a:blip xmlns:r="http://schemas.openxmlformats.org/officeDocument/2006/relationships" r:embed="rId7">
+            <a:extLst>
+              <a:ext uri="{28A0092B-C50C-407E-A947-70E740481C1C}">
+                <a14:useLocalDpi xmlns:a14="http://schemas.microsoft.com/office/drawing/2010/main" val="0"/>
+              </a:ext>
+              <a:ext uri="{96DAC541-7B7A-43D3-8B79-37D633B846F1}">
+                <asvg:svgBlip xmlns:asvg="http://schemas.microsoft.com/office/drawing/2016/SVG/main" r:embed="rId8"/>
+              </a:ext>
+            </a:extLst>
+          </a:blip>
+          <a:stretch>
+            <a:fillRect/>
+          </a:stretch>
+        </a:blipFill>
+        <a:ln>
+          <a:noFill/>
+        </a:ln>
+      </dgm:spPr>
+      <dgm:extLst>
+        <a:ext uri="{E40237B7-FDA0-4F09-8148-C483321AD2D9}">
+          <dgm14:cNvPr xmlns:dgm14="http://schemas.microsoft.com/office/drawing/2010/diagram" id="0" name="" descr="Processor"/>
+        </a:ext>
+      </dgm:extLst>
+    </dgm:pt>
+    <dgm:pt modelId="{8ABE606F-26C7-4F73-B3A6-1222CE2734D3}" type="pres">
+      <dgm:prSet presAssocID="{5431736B-595E-4D24-9AC0-09971149806B}" presName="spaceRect" presStyleCnt="0"/>
+      <dgm:spPr/>
+    </dgm:pt>
+    <dgm:pt modelId="{41D7BE91-26D6-46F9-A5C7-C1F1F15A8956}" type="pres">
+      <dgm:prSet presAssocID="{5431736B-595E-4D24-9AC0-09971149806B}" presName="parTx" presStyleLbl="revTx" presStyleIdx="3" presStyleCnt="4">
+        <dgm:presLayoutVars>
+          <dgm:chMax val="0"/>
+          <dgm:chPref val="0"/>
+        </dgm:presLayoutVars>
+      </dgm:prSet>
+      <dgm:spPr/>
+    </dgm:pt>
+  </dgm:ptLst>
+  <dgm:cxnLst>
+    <dgm:cxn modelId="{FC3BB244-C020-4781-8FA8-6A535DC01B05}" type="presOf" srcId="{2B48258F-9E58-4049-B134-3CD88365AEA3}" destId="{E6A38BD0-8BD4-48E7-AADC-0A32E9795DCF}" srcOrd="0" destOrd="0" presId="urn:microsoft.com/office/officeart/2018/2/layout/IconVerticalSolidList"/>
+    <dgm:cxn modelId="{66EF1C45-4D41-4FCB-8817-2968EDA927CA}" type="presOf" srcId="{77A83FAC-28D9-468C-A411-AC0A223495DD}" destId="{8697CB25-2740-4CCF-8F53-49A23EF0A9DC}" srcOrd="0" destOrd="0" presId="urn:microsoft.com/office/officeart/2018/2/layout/IconVerticalSolidList"/>
+    <dgm:cxn modelId="{B3EC226B-705C-488A-BFCE-9697384A2966}" type="presOf" srcId="{5431736B-595E-4D24-9AC0-09971149806B}" destId="{41D7BE91-26D6-46F9-A5C7-C1F1F15A8956}" srcOrd="0" destOrd="0" presId="urn:microsoft.com/office/officeart/2018/2/layout/IconVerticalSolidList"/>
+    <dgm:cxn modelId="{BA34B47C-D00B-4B1B-94F6-77C57C8417EF}" srcId="{2B48258F-9E58-4049-B134-3CD88365AEA3}" destId="{BDDC756A-7C9B-4F34-A6FB-3C6D8666064D}" srcOrd="0" destOrd="0" parTransId="{268CF846-361A-4A5E-9C3A-05AC856E8624}" sibTransId="{DC385225-D305-4F7C-894A-75FE4CA9D970}"/>
+    <dgm:cxn modelId="{811E68B6-D6F1-4E74-886A-61E07E80B037}" srcId="{2B48258F-9E58-4049-B134-3CD88365AEA3}" destId="{5431736B-595E-4D24-9AC0-09971149806B}" srcOrd="3" destOrd="0" parTransId="{DF401E65-66EC-4AB9-B4D2-DFCC3BC3B4B9}" sibTransId="{3123908F-42B9-45A5-B073-98F3E6B49070}"/>
+    <dgm:cxn modelId="{A0607EBA-1D85-4DC8-BF4A-2CB42448C869}" srcId="{2B48258F-9E58-4049-B134-3CD88365AEA3}" destId="{77A83FAC-28D9-468C-A411-AC0A223495DD}" srcOrd="1" destOrd="0" parTransId="{C651C4E1-F025-4665-8A18-DF4776ED43CD}" sibTransId="{5C6A3909-3982-461B-AB6A-4B18E895C5D0}"/>
+    <dgm:cxn modelId="{2D5CF7E3-CB00-42D9-A05F-B19613540839}" type="presOf" srcId="{BDDC756A-7C9B-4F34-A6FB-3C6D8666064D}" destId="{63374D0A-52A3-40D4-A6F5-6239E4F6C384}" srcOrd="0" destOrd="0" presId="urn:microsoft.com/office/officeart/2018/2/layout/IconVerticalSolidList"/>
+    <dgm:cxn modelId="{5FCECBEA-D475-4074-B12F-A7798DF84ED5}" type="presOf" srcId="{795799B4-7294-4E16-A77F-904F27EB41F6}" destId="{A452CE7B-DD3A-450C-8018-03C891E2E6BD}" srcOrd="0" destOrd="0" presId="urn:microsoft.com/office/officeart/2018/2/layout/IconVerticalSolidList"/>
+    <dgm:cxn modelId="{D6E47BEC-5F12-49BC-9D3F-DA27A2B2558F}" srcId="{2B48258F-9E58-4049-B134-3CD88365AEA3}" destId="{795799B4-7294-4E16-A77F-904F27EB41F6}" srcOrd="2" destOrd="0" parTransId="{D1ACA120-3543-49AF-9485-62AF016C581B}" sibTransId="{E016E987-28E7-4F00-98FD-D2DE5D4CE0F2}"/>
+    <dgm:cxn modelId="{87473A5E-AB42-474C-93E7-B4D2978D49DF}" type="presParOf" srcId="{E6A38BD0-8BD4-48E7-AADC-0A32E9795DCF}" destId="{D9456605-3FB2-4103-B6C9-68078B480CCC}" srcOrd="0" destOrd="0" presId="urn:microsoft.com/office/officeart/2018/2/layout/IconVerticalSolidList"/>
+    <dgm:cxn modelId="{427177D6-6341-4D49-85AD-04406C7640E7}" type="presParOf" srcId="{D9456605-3FB2-4103-B6C9-68078B480CCC}" destId="{C8BFBE7F-6155-4867-98F0-3188046670E9}" srcOrd="0" destOrd="0" presId="urn:microsoft.com/office/officeart/2018/2/layout/IconVerticalSolidList"/>
+    <dgm:cxn modelId="{3B2BB958-2F54-4ADA-A972-28B8F711348F}" type="presParOf" srcId="{D9456605-3FB2-4103-B6C9-68078B480CCC}" destId="{A1F45897-906E-42E2-A25F-DF4C4DA5DA78}" srcOrd="1" destOrd="0" presId="urn:microsoft.com/office/officeart/2018/2/layout/IconVerticalSolidList"/>
+    <dgm:cxn modelId="{2DF83F30-2284-458C-A075-C2EDF0AB77D7}" type="presParOf" srcId="{D9456605-3FB2-4103-B6C9-68078B480CCC}" destId="{CC88EC4E-7821-45B3-B26A-1FF38FCF7DEA}" srcOrd="2" destOrd="0" presId="urn:microsoft.com/office/officeart/2018/2/layout/IconVerticalSolidList"/>
+    <dgm:cxn modelId="{7A46594E-EB44-4088-BF5E-89D1BCD5E5EF}" type="presParOf" srcId="{D9456605-3FB2-4103-B6C9-68078B480CCC}" destId="{63374D0A-52A3-40D4-A6F5-6239E4F6C384}" srcOrd="3" destOrd="0" presId="urn:microsoft.com/office/officeart/2018/2/layout/IconVerticalSolidList"/>
+    <dgm:cxn modelId="{16B71753-7DB3-4B4B-BC25-1AC826149815}" type="presParOf" srcId="{E6A38BD0-8BD4-48E7-AADC-0A32E9795DCF}" destId="{5F8E15AA-D330-47A2-A86F-0587B5AEFF4D}" srcOrd="1" destOrd="0" presId="urn:microsoft.com/office/officeart/2018/2/layout/IconVerticalSolidList"/>
+    <dgm:cxn modelId="{761C4630-D15D-40BB-9DF7-6ED95BE1499D}" type="presParOf" srcId="{E6A38BD0-8BD4-48E7-AADC-0A32E9795DCF}" destId="{21613685-F345-4B32-833F-AF4AA79D4429}" srcOrd="2" destOrd="0" presId="urn:microsoft.com/office/officeart/2018/2/layout/IconVerticalSolidList"/>
+    <dgm:cxn modelId="{28048582-09C7-4EA5-A87A-2D31CB47F436}" type="presParOf" srcId="{21613685-F345-4B32-833F-AF4AA79D4429}" destId="{E698867E-0BB8-4286-9C70-75D8E0C0038B}" srcOrd="0" destOrd="0" presId="urn:microsoft.com/office/officeart/2018/2/layout/IconVerticalSolidList"/>
+    <dgm:cxn modelId="{D154965B-9868-44D8-94A8-0C3C65699591}" type="presParOf" srcId="{21613685-F345-4B32-833F-AF4AA79D4429}" destId="{010DA4BC-398E-44D4-8C66-FC76C2624913}" srcOrd="1" destOrd="0" presId="urn:microsoft.com/office/officeart/2018/2/layout/IconVerticalSolidList"/>
+    <dgm:cxn modelId="{5D504206-A2A4-42AD-A3C1-95654DDD7CBE}" type="presParOf" srcId="{21613685-F345-4B32-833F-AF4AA79D4429}" destId="{67D1B2C7-EEBE-4B36-9D9A-F7A949489981}" srcOrd="2" destOrd="0" presId="urn:microsoft.com/office/officeart/2018/2/layout/IconVerticalSolidList"/>
+    <dgm:cxn modelId="{0D909105-C7BE-459C-830B-EB9D8F059815}" type="presParOf" srcId="{21613685-F345-4B32-833F-AF4AA79D4429}" destId="{8697CB25-2740-4CCF-8F53-49A23EF0A9DC}" srcOrd="3" destOrd="0" presId="urn:microsoft.com/office/officeart/2018/2/layout/IconVerticalSolidList"/>
+    <dgm:cxn modelId="{9CC4368A-7BB5-4A1E-9BE2-4AD3DA6102A5}" type="presParOf" srcId="{E6A38BD0-8BD4-48E7-AADC-0A32E9795DCF}" destId="{9313D899-DBBB-431F-A068-21B435437F35}" srcOrd="3" destOrd="0" presId="urn:microsoft.com/office/officeart/2018/2/layout/IconVerticalSolidList"/>
+    <dgm:cxn modelId="{5CDEF5D9-6DF4-4AAA-8AA0-2FE6893AB907}" type="presParOf" srcId="{E6A38BD0-8BD4-48E7-AADC-0A32E9795DCF}" destId="{C2D10CC7-53B2-47F2-8966-6BC9B120F5B9}" srcOrd="4" destOrd="0" presId="urn:microsoft.com/office/officeart/2018/2/layout/IconVerticalSolidList"/>
+    <dgm:cxn modelId="{782B63DE-F663-463B-B5BE-3F8EAECA3E25}" type="presParOf" srcId="{C2D10CC7-53B2-47F2-8966-6BC9B120F5B9}" destId="{6507E976-69C9-47CB-A2F3-953CB88469DD}" srcOrd="0" destOrd="0" presId="urn:microsoft.com/office/officeart/2018/2/layout/IconVerticalSolidList"/>
+    <dgm:cxn modelId="{5D3282F5-A1D1-4E61-87B2-A74F4610ACD9}" type="presParOf" srcId="{C2D10CC7-53B2-47F2-8966-6BC9B120F5B9}" destId="{230EE540-2420-425A-B6F5-0BB7F4A305B7}" srcOrd="1" destOrd="0" presId="urn:microsoft.com/office/officeart/2018/2/layout/IconVerticalSolidList"/>
+    <dgm:cxn modelId="{ED56AC2E-82E2-4722-8BB0-2DF7B6EBC845}" type="presParOf" srcId="{C2D10CC7-53B2-47F2-8966-6BC9B120F5B9}" destId="{8145A1D1-AD36-4F6D-A2B5-FC3B1088E67B}" srcOrd="2" destOrd="0" presId="urn:microsoft.com/office/officeart/2018/2/layout/IconVerticalSolidList"/>
+    <dgm:cxn modelId="{ADFC7D4D-A8BC-47A0-8249-B11395EC82C0}" type="presParOf" srcId="{C2D10CC7-53B2-47F2-8966-6BC9B120F5B9}" destId="{A452CE7B-DD3A-450C-8018-03C891E2E6BD}" srcOrd="3" destOrd="0" presId="urn:microsoft.com/office/officeart/2018/2/layout/IconVerticalSolidList"/>
+    <dgm:cxn modelId="{4310A108-F253-48CD-8B8A-AB78488F3035}" type="presParOf" srcId="{E6A38BD0-8BD4-48E7-AADC-0A32E9795DCF}" destId="{AD399DE8-F475-445B-99F2-6BB8AC0F5F9E}" srcOrd="5" destOrd="0" presId="urn:microsoft.com/office/officeart/2018/2/layout/IconVerticalSolidList"/>
+    <dgm:cxn modelId="{DA766F37-BA20-4093-87F0-852BB46BB89D}" type="presParOf" srcId="{E6A38BD0-8BD4-48E7-AADC-0A32E9795DCF}" destId="{0A8887BA-75A1-4BAF-AAC4-D5E63856EB05}" srcOrd="6" destOrd="0" presId="urn:microsoft.com/office/officeart/2018/2/layout/IconVerticalSolidList"/>
+    <dgm:cxn modelId="{193BC304-E254-4AED-A469-AADEBB74A94A}" type="presParOf" srcId="{0A8887BA-75A1-4BAF-AAC4-D5E63856EB05}" destId="{672E3E90-4BFD-4D02-9199-C918A3C632B9}" srcOrd="0" destOrd="0" presId="urn:microsoft.com/office/officeart/2018/2/layout/IconVerticalSolidList"/>
+    <dgm:cxn modelId="{1F92A9E5-D44A-4C23-B907-3A1BEC8BC585}" type="presParOf" srcId="{0A8887BA-75A1-4BAF-AAC4-D5E63856EB05}" destId="{0397C31A-85CF-41CB-AD23-992C92B864BD}" srcOrd="1" destOrd="0" presId="urn:microsoft.com/office/officeart/2018/2/layout/IconVerticalSolidList"/>
+    <dgm:cxn modelId="{F9B5D321-C947-45F5-AD88-5FFEE6CF96A4}" type="presParOf" srcId="{0A8887BA-75A1-4BAF-AAC4-D5E63856EB05}" destId="{8ABE606F-26C7-4F73-B3A6-1222CE2734D3}" srcOrd="2" destOrd="0" presId="urn:microsoft.com/office/officeart/2018/2/layout/IconVerticalSolidList"/>
+    <dgm:cxn modelId="{873AF05A-D079-4CFD-8E5D-475BEFC33828}" type="presParOf" srcId="{0A8887BA-75A1-4BAF-AAC4-D5E63856EB05}" destId="{41D7BE91-26D6-46F9-A5C7-C1F1F15A8956}" srcOrd="3" destOrd="0" presId="urn:microsoft.com/office/officeart/2018/2/layout/IconVerticalSolidList"/>
+  </dgm:cxnLst>
+  <dgm:bg/>
+  <dgm:whole/>
+  <dgm:extLst>
+    <a:ext uri="http://schemas.microsoft.com/office/drawing/2008/diagram">
+      <dsp:dataModelExt xmlns:dsp="http://schemas.microsoft.com/office/drawing/2008/diagram" relId="rId6" minVer="http://schemas.openxmlformats.org/drawingml/2006/diagram"/>
+    </a:ext>
+  </dgm:extLst>
+</dgm:dataModel>
+</file>
+
+<file path=ppt/diagrams/drawing1.xml><?xml version="1.0" encoding="utf-8"?>
+<dsp:drawing xmlns:dgm="http://schemas.openxmlformats.org/drawingml/2006/diagram" xmlns:dsp="http://schemas.microsoft.com/office/drawing/2008/diagram" xmlns:a="http://schemas.openxmlformats.org/drawingml/2006/main">
+  <dsp:spTree>
+    <dsp:nvGrpSpPr>
+      <dsp:cNvPr id="0" name=""/>
+      <dsp:cNvGrpSpPr/>
+    </dsp:nvGrpSpPr>
+    <dsp:grpSpPr/>
+    <dsp:sp modelId="{C8BFBE7F-6155-4867-98F0-3188046670E9}">
+      <dsp:nvSpPr>
+        <dsp:cNvPr id="0" name=""/>
+        <dsp:cNvSpPr/>
+      </dsp:nvSpPr>
+      <dsp:spPr>
+        <a:xfrm>
+          <a:off x="0" y="2347"/>
+          <a:ext cx="6248400" cy="1189803"/>
+        </a:xfrm>
+        <a:prstGeom prst="roundRect">
+          <a:avLst>
+            <a:gd name="adj" fmla="val 10000"/>
+          </a:avLst>
+        </a:prstGeom>
+        <a:solidFill>
+          <a:schemeClr val="accent2">
+            <a:hueOff val="0"/>
+            <a:satOff val="0"/>
+            <a:lumOff val="0"/>
+            <a:alphaOff val="0"/>
+          </a:schemeClr>
+        </a:solidFill>
+        <a:ln>
+          <a:noFill/>
+        </a:ln>
+        <a:effectLst/>
+      </dsp:spPr>
+      <dsp:style>
+        <a:lnRef idx="0">
+          <a:scrgbClr r="0" g="0" b="0"/>
+        </a:lnRef>
+        <a:fillRef idx="1">
+          <a:scrgbClr r="0" g="0" b="0"/>
+        </a:fillRef>
+        <a:effectRef idx="0">
+          <a:scrgbClr r="0" g="0" b="0"/>
+        </a:effectRef>
+        <a:fontRef idx="minor"/>
+      </dsp:style>
+    </dsp:sp>
+    <dsp:sp modelId="{A1F45897-906E-42E2-A25F-DF4C4DA5DA78}">
+      <dsp:nvSpPr>
+        <dsp:cNvPr id="0" name=""/>
+        <dsp:cNvSpPr/>
+      </dsp:nvSpPr>
+      <dsp:spPr>
+        <a:xfrm>
+          <a:off x="359915" y="270053"/>
+          <a:ext cx="654392" cy="654392"/>
+        </a:xfrm>
+        <a:prstGeom prst="rect">
+          <a:avLst/>
+        </a:prstGeom>
+        <a:blipFill>
+          <a:blip xmlns:r="http://schemas.openxmlformats.org/officeDocument/2006/relationships" r:embed="rId1">
+            <a:extLst>
+              <a:ext uri="{28A0092B-C50C-407E-A947-70E740481C1C}">
+                <a14:useLocalDpi xmlns:a14="http://schemas.microsoft.com/office/drawing/2010/main" val="0"/>
+              </a:ext>
+              <a:ext uri="{96DAC541-7B7A-43D3-8B79-37D633B846F1}">
+                <asvg:svgBlip xmlns:asvg="http://schemas.microsoft.com/office/drawing/2016/SVG/main" r:embed="rId2"/>
+              </a:ext>
+            </a:extLst>
+          </a:blip>
+          <a:stretch>
+            <a:fillRect/>
+          </a:stretch>
+        </a:blipFill>
+        <a:ln w="12700" cap="flat" cmpd="sng" algn="ctr">
+          <a:noFill/>
+          <a:prstDash val="solid"/>
+          <a:miter lim="800000"/>
+        </a:ln>
+        <a:effectLst/>
+      </dsp:spPr>
+      <dsp:style>
+        <a:lnRef idx="2">
+          <a:scrgbClr r="0" g="0" b="0"/>
+        </a:lnRef>
+        <a:fillRef idx="1">
+          <a:scrgbClr r="0" g="0" b="0"/>
+        </a:fillRef>
+        <a:effectRef idx="0">
+          <a:scrgbClr r="0" g="0" b="0"/>
+        </a:effectRef>
+        <a:fontRef idx="minor">
+          <a:schemeClr val="lt1"/>
+        </a:fontRef>
+      </dsp:style>
+    </dsp:sp>
+    <dsp:sp modelId="{63374D0A-52A3-40D4-A6F5-6239E4F6C384}">
+      <dsp:nvSpPr>
+        <dsp:cNvPr id="0" name=""/>
+        <dsp:cNvSpPr/>
+      </dsp:nvSpPr>
+      <dsp:spPr>
+        <a:xfrm>
+          <a:off x="1374223" y="2347"/>
+          <a:ext cx="4874176" cy="1189803"/>
+        </a:xfrm>
+        <a:prstGeom prst="rect">
+          <a:avLst/>
+        </a:prstGeom>
+        <a:noFill/>
+        <a:ln>
+          <a:noFill/>
+        </a:ln>
+        <a:effectLst/>
+      </dsp:spPr>
+      <dsp:style>
+        <a:lnRef idx="0">
+          <a:scrgbClr r="0" g="0" b="0"/>
+        </a:lnRef>
+        <a:fillRef idx="0">
+          <a:scrgbClr r="0" g="0" b="0"/>
+        </a:fillRef>
+        <a:effectRef idx="0">
+          <a:scrgbClr r="0" g="0" b="0"/>
+        </a:effectRef>
+        <a:fontRef idx="minor"/>
+      </dsp:style>
+      <dsp:txBody>
+        <a:bodyPr spcFirstLastPara="0" vert="horz" wrap="square" lIns="125921" tIns="125921" rIns="125921" bIns="125921" numCol="1" spcCol="1270" anchor="ctr" anchorCtr="0">
+          <a:noAutofit/>
+        </a:bodyPr>
+        <a:lstStyle/>
+        <a:p>
+          <a:pPr marL="0" lvl="0" indent="0" algn="l" defTabSz="977900">
+            <a:lnSpc>
+              <a:spcPct val="90000"/>
+            </a:lnSpc>
+            <a:spcBef>
+              <a:spcPct val="0"/>
+            </a:spcBef>
+            <a:spcAft>
+              <a:spcPct val="35000"/>
+            </a:spcAft>
+            <a:buNone/>
+          </a:pPr>
+          <a:r>
+            <a:rPr lang="en-US" sz="2200" kern="1200"/>
+            <a:t>I wanted to do some sort of a Tamagotchi type feature</a:t>
+          </a:r>
+        </a:p>
+      </dsp:txBody>
+      <dsp:txXfrm>
+        <a:off x="1374223" y="2347"/>
+        <a:ext cx="4874176" cy="1189803"/>
+      </dsp:txXfrm>
+    </dsp:sp>
+    <dsp:sp modelId="{E698867E-0BB8-4286-9C70-75D8E0C0038B}">
+      <dsp:nvSpPr>
+        <dsp:cNvPr id="0" name=""/>
+        <dsp:cNvSpPr/>
+      </dsp:nvSpPr>
+      <dsp:spPr>
+        <a:xfrm>
+          <a:off x="0" y="1489602"/>
+          <a:ext cx="6248400" cy="1189803"/>
+        </a:xfrm>
+        <a:prstGeom prst="roundRect">
+          <a:avLst>
+            <a:gd name="adj" fmla="val 10000"/>
+          </a:avLst>
+        </a:prstGeom>
+        <a:solidFill>
+          <a:schemeClr val="accent3">
+            <a:hueOff val="0"/>
+            <a:satOff val="0"/>
+            <a:lumOff val="0"/>
+            <a:alphaOff val="0"/>
+          </a:schemeClr>
+        </a:solidFill>
+        <a:ln>
+          <a:noFill/>
+        </a:ln>
+        <a:effectLst/>
+      </dsp:spPr>
+      <dsp:style>
+        <a:lnRef idx="0">
+          <a:scrgbClr r="0" g="0" b="0"/>
+        </a:lnRef>
+        <a:fillRef idx="1">
+          <a:scrgbClr r="0" g="0" b="0"/>
+        </a:fillRef>
+        <a:effectRef idx="0">
+          <a:scrgbClr r="0" g="0" b="0"/>
+        </a:effectRef>
+        <a:fontRef idx="minor"/>
+      </dsp:style>
+    </dsp:sp>
+    <dsp:sp modelId="{010DA4BC-398E-44D4-8C66-FC76C2624913}">
+      <dsp:nvSpPr>
+        <dsp:cNvPr id="0" name=""/>
+        <dsp:cNvSpPr/>
+      </dsp:nvSpPr>
+      <dsp:spPr>
+        <a:xfrm>
+          <a:off x="359915" y="1757308"/>
+          <a:ext cx="654392" cy="654392"/>
+        </a:xfrm>
+        <a:prstGeom prst="rect">
+          <a:avLst/>
+        </a:prstGeom>
+        <a:blipFill>
+          <a:blip xmlns:r="http://schemas.openxmlformats.org/officeDocument/2006/relationships" r:embed="rId3">
+            <a:extLst>
+              <a:ext uri="{28A0092B-C50C-407E-A947-70E740481C1C}">
+                <a14:useLocalDpi xmlns:a14="http://schemas.microsoft.com/office/drawing/2010/main" val="0"/>
+              </a:ext>
+              <a:ext uri="{96DAC541-7B7A-43D3-8B79-37D633B846F1}">
+                <asvg:svgBlip xmlns:asvg="http://schemas.microsoft.com/office/drawing/2016/SVG/main" r:embed="rId4"/>
+              </a:ext>
+            </a:extLst>
+          </a:blip>
+          <a:stretch>
+            <a:fillRect/>
+          </a:stretch>
+        </a:blipFill>
+        <a:ln w="12700" cap="flat" cmpd="sng" algn="ctr">
+          <a:noFill/>
+          <a:prstDash val="solid"/>
+          <a:miter lim="800000"/>
+        </a:ln>
+        <a:effectLst/>
+      </dsp:spPr>
+      <dsp:style>
+        <a:lnRef idx="2">
+          <a:scrgbClr r="0" g="0" b="0"/>
+        </a:lnRef>
+        <a:fillRef idx="1">
+          <a:scrgbClr r="0" g="0" b="0"/>
+        </a:fillRef>
+        <a:effectRef idx="0">
+          <a:scrgbClr r="0" g="0" b="0"/>
+        </a:effectRef>
+        <a:fontRef idx="minor">
+          <a:schemeClr val="lt1"/>
+        </a:fontRef>
+      </dsp:style>
+    </dsp:sp>
+    <dsp:sp modelId="{8697CB25-2740-4CCF-8F53-49A23EF0A9DC}">
+      <dsp:nvSpPr>
+        <dsp:cNvPr id="0" name=""/>
+        <dsp:cNvSpPr/>
+      </dsp:nvSpPr>
+      <dsp:spPr>
+        <a:xfrm>
+          <a:off x="1374223" y="1489602"/>
+          <a:ext cx="4874176" cy="1189803"/>
+        </a:xfrm>
+        <a:prstGeom prst="rect">
+          <a:avLst/>
+        </a:prstGeom>
+        <a:noFill/>
+        <a:ln>
+          <a:noFill/>
+        </a:ln>
+        <a:effectLst/>
+      </dsp:spPr>
+      <dsp:style>
+        <a:lnRef idx="0">
+          <a:scrgbClr r="0" g="0" b="0"/>
+        </a:lnRef>
+        <a:fillRef idx="0">
+          <a:scrgbClr r="0" g="0" b="0"/>
+        </a:fillRef>
+        <a:effectRef idx="0">
+          <a:scrgbClr r="0" g="0" b="0"/>
+        </a:effectRef>
+        <a:fontRef idx="minor"/>
+      </dsp:style>
+      <dsp:txBody>
+        <a:bodyPr spcFirstLastPara="0" vert="horz" wrap="square" lIns="125921" tIns="125921" rIns="125921" bIns="125921" numCol="1" spcCol="1270" anchor="ctr" anchorCtr="0">
+          <a:noAutofit/>
+        </a:bodyPr>
+        <a:lstStyle/>
+        <a:p>
+          <a:pPr marL="0" lvl="0" indent="0" algn="l" defTabSz="977900">
+            <a:lnSpc>
+              <a:spcPct val="90000"/>
+            </a:lnSpc>
+            <a:spcBef>
+              <a:spcPct val="0"/>
+            </a:spcBef>
+            <a:spcAft>
+              <a:spcPct val="35000"/>
+            </a:spcAft>
+            <a:buNone/>
+          </a:pPr>
+          <a:r>
+            <a:rPr lang="en-US" sz="2200" kern="1200"/>
+            <a:t>But this Tamagotchi would be angry and vengeful</a:t>
+          </a:r>
+        </a:p>
+      </dsp:txBody>
+      <dsp:txXfrm>
+        <a:off x="1374223" y="1489602"/>
+        <a:ext cx="4874176" cy="1189803"/>
+      </dsp:txXfrm>
+    </dsp:sp>
+    <dsp:sp modelId="{6507E976-69C9-47CB-A2F3-953CB88469DD}">
+      <dsp:nvSpPr>
+        <dsp:cNvPr id="0" name=""/>
+        <dsp:cNvSpPr/>
+      </dsp:nvSpPr>
+      <dsp:spPr>
+        <a:xfrm>
+          <a:off x="0" y="2976856"/>
+          <a:ext cx="6248400" cy="1189803"/>
+        </a:xfrm>
+        <a:prstGeom prst="roundRect">
+          <a:avLst>
+            <a:gd name="adj" fmla="val 10000"/>
+          </a:avLst>
+        </a:prstGeom>
+        <a:solidFill>
+          <a:schemeClr val="accent4">
+            <a:hueOff val="0"/>
+            <a:satOff val="0"/>
+            <a:lumOff val="0"/>
+            <a:alphaOff val="0"/>
+          </a:schemeClr>
+        </a:solidFill>
+        <a:ln>
+          <a:noFill/>
+        </a:ln>
+        <a:effectLst/>
+      </dsp:spPr>
+      <dsp:style>
+        <a:lnRef idx="0">
+          <a:scrgbClr r="0" g="0" b="0"/>
+        </a:lnRef>
+        <a:fillRef idx="1">
+          <a:scrgbClr r="0" g="0" b="0"/>
+        </a:fillRef>
+        <a:effectRef idx="0">
+          <a:scrgbClr r="0" g="0" b="0"/>
+        </a:effectRef>
+        <a:fontRef idx="minor"/>
+      </dsp:style>
+    </dsp:sp>
+    <dsp:sp modelId="{230EE540-2420-425A-B6F5-0BB7F4A305B7}">
+      <dsp:nvSpPr>
+        <dsp:cNvPr id="0" name=""/>
+        <dsp:cNvSpPr/>
+      </dsp:nvSpPr>
+      <dsp:spPr>
+        <a:xfrm>
+          <a:off x="359915" y="3244562"/>
+          <a:ext cx="654392" cy="654392"/>
+        </a:xfrm>
+        <a:prstGeom prst="rect">
+          <a:avLst/>
+        </a:prstGeom>
+        <a:blipFill>
+          <a:blip xmlns:r="http://schemas.openxmlformats.org/officeDocument/2006/relationships" r:embed="rId5">
+            <a:extLst>
+              <a:ext uri="{28A0092B-C50C-407E-A947-70E740481C1C}">
+                <a14:useLocalDpi xmlns:a14="http://schemas.microsoft.com/office/drawing/2010/main" val="0"/>
+              </a:ext>
+              <a:ext uri="{96DAC541-7B7A-43D3-8B79-37D633B846F1}">
+                <asvg:svgBlip xmlns:asvg="http://schemas.microsoft.com/office/drawing/2016/SVG/main" r:embed="rId6"/>
+              </a:ext>
+            </a:extLst>
+          </a:blip>
+          <a:stretch>
+            <a:fillRect/>
+          </a:stretch>
+        </a:blipFill>
+        <a:ln w="12700" cap="flat" cmpd="sng" algn="ctr">
+          <a:noFill/>
+          <a:prstDash val="solid"/>
+          <a:miter lim="800000"/>
+        </a:ln>
+        <a:effectLst/>
+      </dsp:spPr>
+      <dsp:style>
+        <a:lnRef idx="2">
+          <a:scrgbClr r="0" g="0" b="0"/>
+        </a:lnRef>
+        <a:fillRef idx="1">
+          <a:scrgbClr r="0" g="0" b="0"/>
+        </a:fillRef>
+        <a:effectRef idx="0">
+          <a:scrgbClr r="0" g="0" b="0"/>
+        </a:effectRef>
+        <a:fontRef idx="minor">
+          <a:schemeClr val="lt1"/>
+        </a:fontRef>
+      </dsp:style>
+    </dsp:sp>
+    <dsp:sp modelId="{A452CE7B-DD3A-450C-8018-03C891E2E6BD}">
+      <dsp:nvSpPr>
+        <dsp:cNvPr id="0" name=""/>
+        <dsp:cNvSpPr/>
+      </dsp:nvSpPr>
+      <dsp:spPr>
+        <a:xfrm>
+          <a:off x="1374223" y="2976856"/>
+          <a:ext cx="4874176" cy="1189803"/>
+        </a:xfrm>
+        <a:prstGeom prst="rect">
+          <a:avLst/>
+        </a:prstGeom>
+        <a:noFill/>
+        <a:ln>
+          <a:noFill/>
+        </a:ln>
+        <a:effectLst/>
+      </dsp:spPr>
+      <dsp:style>
+        <a:lnRef idx="0">
+          <a:scrgbClr r="0" g="0" b="0"/>
+        </a:lnRef>
+        <a:fillRef idx="0">
+          <a:scrgbClr r="0" g="0" b="0"/>
+        </a:fillRef>
+        <a:effectRef idx="0">
+          <a:scrgbClr r="0" g="0" b="0"/>
+        </a:effectRef>
+        <a:fontRef idx="minor"/>
+      </dsp:style>
+      <dsp:txBody>
+        <a:bodyPr spcFirstLastPara="0" vert="horz" wrap="square" lIns="125921" tIns="125921" rIns="125921" bIns="125921" numCol="1" spcCol="1270" anchor="ctr" anchorCtr="0">
+          <a:noAutofit/>
+        </a:bodyPr>
+        <a:lstStyle/>
+        <a:p>
+          <a:pPr marL="0" lvl="0" indent="0" algn="l" defTabSz="977900">
+            <a:lnSpc>
+              <a:spcPct val="90000"/>
+            </a:lnSpc>
+            <a:spcBef>
+              <a:spcPct val="0"/>
+            </a:spcBef>
+            <a:spcAft>
+              <a:spcPct val="35000"/>
+            </a:spcAft>
+            <a:buNone/>
+          </a:pPr>
+          <a:r>
+            <a:rPr lang="en-US" sz="2200" kern="1200" dirty="0"/>
+            <a:t>So it needed some way to get angry</a:t>
+          </a:r>
+        </a:p>
+      </dsp:txBody>
+      <dsp:txXfrm>
+        <a:off x="1374223" y="2976856"/>
+        <a:ext cx="4874176" cy="1189803"/>
+      </dsp:txXfrm>
+    </dsp:sp>
+    <dsp:sp modelId="{672E3E90-4BFD-4D02-9199-C918A3C632B9}">
+      <dsp:nvSpPr>
+        <dsp:cNvPr id="0" name=""/>
+        <dsp:cNvSpPr/>
+      </dsp:nvSpPr>
+      <dsp:spPr>
+        <a:xfrm>
+          <a:off x="0" y="4464111"/>
+          <a:ext cx="6248400" cy="1189803"/>
+        </a:xfrm>
+        <a:prstGeom prst="roundRect">
+          <a:avLst>
+            <a:gd name="adj" fmla="val 10000"/>
+          </a:avLst>
+        </a:prstGeom>
+        <a:solidFill>
+          <a:schemeClr val="accent5">
+            <a:hueOff val="0"/>
+            <a:satOff val="0"/>
+            <a:lumOff val="0"/>
+            <a:alphaOff val="0"/>
+          </a:schemeClr>
+        </a:solidFill>
+        <a:ln>
+          <a:noFill/>
+        </a:ln>
+        <a:effectLst/>
+      </dsp:spPr>
+      <dsp:style>
+        <a:lnRef idx="0">
+          <a:scrgbClr r="0" g="0" b="0"/>
+        </a:lnRef>
+        <a:fillRef idx="1">
+          <a:scrgbClr r="0" g="0" b="0"/>
+        </a:fillRef>
+        <a:effectRef idx="0">
+          <a:scrgbClr r="0" g="0" b="0"/>
+        </a:effectRef>
+        <a:fontRef idx="minor"/>
+      </dsp:style>
+    </dsp:sp>
+    <dsp:sp modelId="{0397C31A-85CF-41CB-AD23-992C92B864BD}">
+      <dsp:nvSpPr>
+        <dsp:cNvPr id="0" name=""/>
+        <dsp:cNvSpPr/>
+      </dsp:nvSpPr>
+      <dsp:spPr>
+        <a:xfrm>
+          <a:off x="359915" y="4731817"/>
+          <a:ext cx="654392" cy="654392"/>
+        </a:xfrm>
+        <a:prstGeom prst="rect">
+          <a:avLst/>
+        </a:prstGeom>
+        <a:blipFill>
+          <a:blip xmlns:r="http://schemas.openxmlformats.org/officeDocument/2006/relationships" r:embed="rId7">
+            <a:extLst>
+              <a:ext uri="{28A0092B-C50C-407E-A947-70E740481C1C}">
+                <a14:useLocalDpi xmlns:a14="http://schemas.microsoft.com/office/drawing/2010/main" val="0"/>
+              </a:ext>
+              <a:ext uri="{96DAC541-7B7A-43D3-8B79-37D633B846F1}">
+                <asvg:svgBlip xmlns:asvg="http://schemas.microsoft.com/office/drawing/2016/SVG/main" r:embed="rId8"/>
+              </a:ext>
+            </a:extLst>
+          </a:blip>
+          <a:stretch>
+            <a:fillRect/>
+          </a:stretch>
+        </a:blipFill>
+        <a:ln w="12700" cap="flat" cmpd="sng" algn="ctr">
+          <a:noFill/>
+          <a:prstDash val="solid"/>
+          <a:miter lim="800000"/>
+        </a:ln>
+        <a:effectLst/>
+      </dsp:spPr>
+      <dsp:style>
+        <a:lnRef idx="2">
+          <a:scrgbClr r="0" g="0" b="0"/>
+        </a:lnRef>
+        <a:fillRef idx="1">
+          <a:scrgbClr r="0" g="0" b="0"/>
+        </a:fillRef>
+        <a:effectRef idx="0">
+          <a:scrgbClr r="0" g="0" b="0"/>
+        </a:effectRef>
+        <a:fontRef idx="minor">
+          <a:schemeClr val="lt1"/>
+        </a:fontRef>
+      </dsp:style>
+    </dsp:sp>
+    <dsp:sp modelId="{41D7BE91-26D6-46F9-A5C7-C1F1F15A8956}">
+      <dsp:nvSpPr>
+        <dsp:cNvPr id="0" name=""/>
+        <dsp:cNvSpPr/>
+      </dsp:nvSpPr>
+      <dsp:spPr>
+        <a:xfrm>
+          <a:off x="1374223" y="4464111"/>
+          <a:ext cx="4874176" cy="1189803"/>
+        </a:xfrm>
+        <a:prstGeom prst="rect">
+          <a:avLst/>
+        </a:prstGeom>
+        <a:noFill/>
+        <a:ln>
+          <a:noFill/>
+        </a:ln>
+        <a:effectLst/>
+      </dsp:spPr>
+      <dsp:style>
+        <a:lnRef idx="0">
+          <a:scrgbClr r="0" g="0" b="0"/>
+        </a:lnRef>
+        <a:fillRef idx="0">
+          <a:scrgbClr r="0" g="0" b="0"/>
+        </a:fillRef>
+        <a:effectRef idx="0">
+          <a:scrgbClr r="0" g="0" b="0"/>
+        </a:effectRef>
+        <a:fontRef idx="minor"/>
+      </dsp:style>
+      <dsp:txBody>
+        <a:bodyPr spcFirstLastPara="0" vert="horz" wrap="square" lIns="125921" tIns="125921" rIns="125921" bIns="125921" numCol="1" spcCol="1270" anchor="ctr" anchorCtr="0">
+          <a:noAutofit/>
+        </a:bodyPr>
+        <a:lstStyle/>
+        <a:p>
+          <a:pPr marL="0" lvl="0" indent="0" algn="l" defTabSz="977900">
+            <a:lnSpc>
+              <a:spcPct val="90000"/>
+            </a:lnSpc>
+            <a:spcBef>
+              <a:spcPct val="0"/>
+            </a:spcBef>
+            <a:spcAft>
+              <a:spcPct val="35000"/>
+            </a:spcAft>
+            <a:buNone/>
+          </a:pPr>
+          <a:r>
+            <a:rPr lang="en-US" sz="2200" kern="1200"/>
+            <a:t>I think the best way would be to control your access to the fun parts of the internet, perhaps by turning off access?</a:t>
+          </a:r>
+        </a:p>
+      </dsp:txBody>
+      <dsp:txXfrm>
+        <a:off x="1374223" y="4464111"/>
+        <a:ext cx="4874176" cy="1189803"/>
+      </dsp:txXfrm>
+    </dsp:sp>
+  </dsp:spTree>
+</dsp:drawing>
+</file>
+
+<file path=ppt/diagrams/layout1.xml><?xml version="1.0" encoding="utf-8"?>
+<dgm:layoutDef xmlns:dgm="http://schemas.openxmlformats.org/drawingml/2006/diagram" xmlns:a="http://schemas.openxmlformats.org/drawingml/2006/main" uniqueId="urn:microsoft.com/office/officeart/2018/2/layout/IconVerticalSolidList">
+  <dgm:title val="Icon Vertical Solid List"/>
+  <dgm:desc val="Use to show a series of visuals from top to bottom with Level 1 or Level 1 and Level 2 text grouped in a shape. Works best with icons or small pictures with lengthier descriptions."/>
+  <dgm:catLst>
+    <dgm:cat type="icon" pri="500"/>
+  </dgm:catLst>
+  <dgm:sampData useDef="1">
+    <dgm:dataModel>
+      <dgm:ptLst/>
+      <dgm:bg/>
+      <dgm:whole/>
+    </dgm:dataModel>
+  </dgm:sampData>
+  <dgm:styleData useDef="1">
+    <dgm:dataModel>
+      <dgm:ptLst/>
+      <dgm:bg/>
+      <dgm:whole/>
+    </dgm:dataModel>
+  </dgm:styleData>
+  <dgm:clrData useDef="1">
+    <dgm:dataModel>
+      <dgm:ptLst/>
+      <dgm:bg/>
+      <dgm:whole/>
+    </dgm:dataModel>
+  </dgm:clrData>
+  <dgm:layoutNode name="root">
+    <dgm:varLst>
+      <dgm:dir/>
+      <dgm:resizeHandles val="exact"/>
+    </dgm:varLst>
+    <dgm:choose name="Name0">
+      <dgm:if name="Name1" axis="self" func="var" arg="dir" op="equ" val="norm">
+        <dgm:alg type="lin">
+          <dgm:param type="linDir" val="fromT"/>
+          <dgm:param type="nodeHorzAlign" val="l"/>
+        </dgm:alg>
+      </dgm:if>
+      <dgm:else name="Name2">
+        <dgm:alg type="lin">
+          <dgm:param type="linDir" val="fromT"/>
+          <dgm:param type="nodeHorzAlign" val="r"/>
+        </dgm:alg>
+      </dgm:else>
+    </dgm:choose>
+    <dgm:shape xmlns:r="http://schemas.openxmlformats.org/officeDocument/2006/relationships" r:blip="">
+      <dgm:adjLst/>
+    </dgm:shape>
+    <dgm:presOf/>
+    <dgm:choose name="Name3">
+      <dgm:if name="Name4" axis="ch" ptType="node" func="cnt" op="lte" val="3">
+        <dgm:constrLst>
+          <dgm:constr type="h" for="ch" forName="compNode" refType="h" fact="0.3"/>
+          <dgm:constr type="w" for="ch" forName="compNode" refType="w"/>
+          <dgm:constr type="h" for="ch" forName="sibTrans" refType="h" refFor="ch" refForName="compNode" fact="0.25"/>
+          <dgm:constr type="primFontSz" for="des" forName="parTx" val="25"/>
+          <dgm:constr type="primFontSz" for="des" forName="desTx" refType="primFontSz" refFor="des" refForName="parTx" op="lte" fact="0.75"/>
+          <dgm:constr type="h" for="des" forName="compNode" op="equ"/>
+          <dgm:constr type="h" for="des" forName="bgRect" op="equ"/>
+          <dgm:constr type="h" for="des" forName="iconRect" op="equ"/>
+          <dgm:constr type="w" for="des" forName="iconRect" op="equ"/>
+          <dgm:constr type="h" for="des" forName="spaceRect" op="equ"/>
+          <dgm:constr type="h" for="des" forName="parTx" op="equ"/>
+          <dgm:constr type="h" for="des" forName="desTx" op="equ"/>
+        </dgm:constrLst>
+      </dgm:if>
+      <dgm:if name="Name5" axis="ch" ptType="node" func="cnt" op="lte" val="4">
+        <dgm:constrLst>
+          <dgm:constr type="h" for="ch" forName="compNode" refType="h" fact="0.3"/>
+          <dgm:constr type="w" for="ch" forName="compNode" refType="w"/>
+          <dgm:constr type="h" for="ch" forName="sibTrans" refType="h" refFor="ch" refForName="compNode" fact="0.25"/>
+          <dgm:constr type="primFontSz" for="des" forName="parTx" val="22"/>
+          <dgm:constr type="primFontSz" for="des" forName="desTx" refType="primFontSz" refFor="des" refForName="parTx" op="lte" fact="0.75"/>
+          <dgm:constr type="h" for="des" forName="compNode" op="equ"/>
+          <dgm:constr type="h" for="des" forName="bgRect" op="equ"/>
+          <dgm:constr type="h" for="des" forName="iconRect" op="equ"/>
+          <dgm:constr type="w" for="des" forName="iconRect" op="equ"/>
+          <dgm:constr type="h" for="des" forName="spaceRect" op="equ"/>
+          <dgm:constr type="h" for="des" forName="parTx" op="equ"/>
+          <dgm:constr type="h" for="des" forName="desTx" op="equ"/>
+        </dgm:constrLst>
+      </dgm:if>
+      <dgm:if name="Name6" axis="ch" ptType="node" func="cnt" op="lte" val="6">
+        <dgm:constrLst>
+          <dgm:constr type="h" for="ch" forName="compNode" refType="h" fact="0.3"/>
+          <dgm:constr type="w" for="ch" forName="compNode" refType="w"/>
+          <dgm:constr type="h" for="ch" forName="sibTrans" refType="h" refFor="ch" refForName="compNode" fact="0.25"/>
+          <dgm:constr type="primFontSz" for="des" forName="parTx" val="19"/>
+          <dgm:constr type="primFontSz" for="des" forName="desTx" refType="primFontSz" refFor="des" refForName="parTx" op="lte" fact="0.75"/>
+          <dgm:constr type="h" for="des" forName="compNode" op="equ"/>
+          <dgm:constr type="h" for="des" forName="bgRect" op="equ"/>
+          <dgm:constr type="h" for="des" forName="iconRect" op="equ"/>
+          <dgm:constr type="w" for="des" forName="iconRect" op="equ"/>
+          <dgm:constr type="h" for="des" forName="spaceRect" op="equ"/>
+          <dgm:constr type="h" for="des" forName="parTx" op="equ"/>
+          <dgm:constr type="h" for="des" forName="desTx" op="equ"/>
+        </dgm:constrLst>
+      </dgm:if>
+      <dgm:else name="Name7">
+        <dgm:constrLst>
+          <dgm:constr type="h" for="ch" forName="compNode" refType="h" fact="0.3"/>
+          <dgm:constr type="w" for="ch" forName="compNode" refType="w"/>
+          <dgm:constr type="h" for="ch" forName="sibTrans" refType="h" refFor="ch" refForName="compNode" fact="0.25"/>
+          <dgm:constr type="primFontSz" for="des" forName="parTx" val="16"/>
+          <dgm:constr type="primFontSz" for="des" forName="desTx" refType="primFontSz" refFor="des" refForName="parTx" op="lte" fact="0.75"/>
+          <dgm:constr type="h" for="des" forName="compNode" op="equ"/>
+          <dgm:constr type="h" for="des" forName="bgRect" op="equ"/>
+          <dgm:constr type="h" for="des" forName="iconRect" op="equ"/>
+          <dgm:constr type="w" for="des" forName="iconRect" op="equ"/>
+          <dgm:constr type="h" for="des" forName="spaceRect" op="equ"/>
+          <dgm:constr type="h" for="des" forName="parTx" op="equ"/>
+          <dgm:constr type="h" for="des" forName="desTx" op="equ"/>
+        </dgm:constrLst>
+      </dgm:else>
+    </dgm:choose>
+    <dgm:ruleLst>
+      <dgm:rule type="h" for="ch" forName="compNode" val="0" fact="NaN" max="NaN"/>
+    </dgm:ruleLst>
+    <dgm:forEach name="Name8" axis="ch" ptType="node">
+      <dgm:layoutNode name="compNode">
+        <dgm:alg type="composite"/>
+        <dgm:shape xmlns:r="http://schemas.openxmlformats.org/officeDocument/2006/relationships" r:blip="">
+          <dgm:adjLst/>
+        </dgm:shape>
+        <dgm:presOf axis="self"/>
+        <dgm:choose name="Name9">
+          <dgm:if name="Name10" axis="ch" ptType="node" func="cnt" op="gte" val="1">
+            <dgm:constrLst>
+              <dgm:constr type="w" for="ch" forName="bgRect" refType="w"/>
+              <dgm:constr type="h" for="ch" forName="bgRect" refType="h"/>
+              <dgm:constr type="l" for="ch" forName="bgRect"/>
+              <dgm:constr type="t" for="ch" forName="bgRect"/>
+              <dgm:constr type="h" for="ch" forName="iconRect" refType="h" fact="0.55"/>
+              <dgm:constr type="w" for="ch" forName="iconRect" refType="h" refFor="ch" refForName="iconRect"/>
+              <dgm:constr type="l" for="ch" forName="iconRect" refType="h" refFor="ch" refForName="iconRect" fact="0.55"/>
+              <dgm:constr type="ctrY" for="ch" forName="iconRect" refType="ctrY" refFor="ch" refForName="bgRect"/>
+              <dgm:constr type="w" for="ch" forName="spaceRect" refType="l" refFor="ch" refForName="iconRect"/>
+              <dgm:constr type="h" for="ch" forName="spaceRect" refType="h"/>
+              <dgm:constr type="l" for="ch" forName="spaceRect" refType="r" refFor="ch" refForName="iconRect"/>
+              <dgm:constr type="t" for="ch" forName="spaceRect"/>
+              <dgm:constr type="w" for="ch" forName="parTx" refType="w" fact="0.45"/>
+              <dgm:constr type="h" for="ch" forName="parTx" refType="h"/>
+              <dgm:constr type="l" for="ch" forName="parTx" refType="r" refFor="ch" refForName="spaceRect"/>
+              <dgm:constr type="t" for="ch" forName="parTx"/>
+              <dgm:constr type="h" for="ch" forName="desTx" refType="h"/>
+              <dgm:constr type="l" for="ch" forName="desTx" refType="r" refFor="ch" refForName="parTx"/>
+              <dgm:constr type="t" for="ch" forName="desTx"/>
+            </dgm:constrLst>
+          </dgm:if>
+          <dgm:else name="Name11">
+            <dgm:constrLst>
+              <dgm:constr type="w" for="ch" forName="bgRect" refType="w"/>
+              <dgm:constr type="h" for="ch" forName="bgRect" refType="h"/>
+              <dgm:constr type="l" for="ch" forName="bgRect"/>
+              <dgm:constr type="t" for="ch" forName="bgRect"/>
+              <dgm:constr type="h" for="ch" forName="iconRect" refType="h" fact="0.55"/>
+              <dgm:constr type="w" for="ch" forName="iconRect" refType="h" refFor="ch" refForName="iconRect"/>
+              <dgm:constr type="l" for="ch" forName="iconRect" refType="h" refFor="ch" refForName="iconRect" fact="0.55"/>
+              <dgm:constr type="ctrY" for="ch" forName="iconRect" refType="ctrY" refFor="ch" refForName="bgRect"/>
+              <dgm:constr type="w" for="ch" forName="spaceRect" refType="l" refFor="ch" refForName="iconRect"/>
+              <dgm:constr type="h" for="ch" forName="spaceRect" refType="h"/>
+              <dgm:constr type="l" for="ch" forName="spaceRect" refType="r" refFor="ch" refForName="iconRect"/>
+              <dgm:constr type="t" for="ch" forName="spaceRect"/>
+              <dgm:constr type="h" for="ch" forName="parTx" refType="h"/>
+              <dgm:constr type="l" for="ch" forName="parTx" refType="r" refFor="ch" refForName="spaceRect"/>
+              <dgm:constr type="t" for="ch" forName="parTx"/>
+            </dgm:constrLst>
+          </dgm:else>
+        </dgm:choose>
+        <dgm:ruleLst>
+          <dgm:rule type="h" val="INF" fact="NaN" max="NaN"/>
+        </dgm:ruleLst>
+        <dgm:layoutNode name="bgRect" styleLbl="bgShp">
+          <dgm:alg type="sp"/>
+          <dgm:shape xmlns:r="http://schemas.openxmlformats.org/officeDocument/2006/relationships" type="roundRect" r:blip="">
+            <dgm:adjLst>
+              <dgm:adj idx="1" val="0.1"/>
+            </dgm:adjLst>
+          </dgm:shape>
+          <dgm:presOf/>
+          <dgm:constrLst/>
+          <dgm:ruleLst/>
+        </dgm:layoutNode>
+        <dgm:layoutNode name="iconRect" styleLbl="node1">
+          <dgm:alg type="sp"/>
+          <dgm:shape xmlns:r="http://schemas.openxmlformats.org/officeDocument/2006/relationships" type="rect" r:blip="" blipPhldr="1">
+            <dgm:adjLst/>
+          </dgm:shape>
+          <dgm:presOf/>
+          <dgm:constrLst/>
+          <dgm:ruleLst/>
+        </dgm:layoutNode>
+        <dgm:layoutNode name="spaceRect">
+          <dgm:alg type="sp"/>
+          <dgm:shape xmlns:r="http://schemas.openxmlformats.org/officeDocument/2006/relationships" r:blip="">
+            <dgm:adjLst/>
+          </dgm:shape>
+          <dgm:presOf/>
+          <dgm:constrLst/>
+          <dgm:ruleLst/>
+        </dgm:layoutNode>
+        <dgm:layoutNode name="parTx" styleLbl="revTx">
+          <dgm:varLst>
+            <dgm:chMax val="0"/>
+            <dgm:chPref val="0"/>
+          </dgm:varLst>
+          <dgm:alg type="tx">
+            <dgm:param type="txAnchorVert" val="mid"/>
+            <dgm:param type="parTxLTRAlign" val="l"/>
+            <dgm:param type="shpTxLTRAlignCh" val="l"/>
+            <dgm:param type="parTxRTLAlign" val="r"/>
+            <dgm:param type="shpTxRTLAlignCh" val="r"/>
+          </dgm:alg>
+          <dgm:shape xmlns:r="http://schemas.openxmlformats.org/officeDocument/2006/relationships" type="rect" r:blip="">
+            <dgm:adjLst/>
+          </dgm:shape>
+          <dgm:presOf axis="self" ptType="node"/>
+          <dgm:constrLst>
+            <dgm:constr type="lMarg" refType="h" fact="0.3"/>
+            <dgm:constr type="rMarg" refType="h" fact="0.3"/>
+            <dgm:constr type="tMarg" refType="h" fact="0.3"/>
+            <dgm:constr type="bMarg" refType="h" fact="0.3"/>
+          </dgm:constrLst>
+          <dgm:ruleLst>
+            <dgm:rule type="primFontSz" val="14" fact="NaN" max="NaN"/>
+            <dgm:rule type="h" val="INF" fact="NaN" max="NaN"/>
+          </dgm:ruleLst>
+        </dgm:layoutNode>
+        <dgm:choose name="Name12">
+          <dgm:if name="Name13" axis="ch" ptType="node" func="cnt" op="gte" val="1">
+            <dgm:layoutNode name="desTx" styleLbl="revTx">
+              <dgm:varLst/>
+              <dgm:alg type="tx">
+                <dgm:param type="txAnchorVertCh" val="mid"/>
+                <dgm:param type="parTxLTRAlign" val="l"/>
+                <dgm:param type="shpTxLTRAlignCh" val="l"/>
+                <dgm:param type="parTxRTLAlign" val="r"/>
+                <dgm:param type="shpTxRTLAlignCh" val="r"/>
+                <dgm:param type="stBulletLvl" val="0"/>
+              </dgm:alg>
+              <dgm:shape xmlns:r="http://schemas.openxmlformats.org/officeDocument/2006/relationships" type="rect" r:blip="">
+                <dgm:adjLst/>
+              </dgm:shape>
+              <dgm:presOf axis="des" ptType="node"/>
+              <dgm:constrLst>
+                <dgm:constr type="primFontSz" val="18"/>
+                <dgm:constr type="secFontSz" refType="primFontSz"/>
+                <dgm:constr type="lMarg" refType="h" fact="0.3"/>
+                <dgm:constr type="rMarg" refType="h" fact="0.3"/>
+                <dgm:constr type="tMarg" refType="h" fact="0.3"/>
+                <dgm:constr type="bMarg" refType="h" fact="0.3"/>
+              </dgm:constrLst>
+              <dgm:ruleLst>
+                <dgm:rule type="primFontSz" val="11" fact="NaN" max="NaN"/>
+              </dgm:ruleLst>
+            </dgm:layoutNode>
+          </dgm:if>
+          <dgm:else name="Name14"/>
+        </dgm:choose>
+      </dgm:layoutNode>
+      <dgm:forEach name="Name15" axis="followSib" ptType="sibTrans" cnt="1">
+        <dgm:layoutNode name="sibTrans">
+          <dgm:alg type="sp"/>
+          <dgm:shape xmlns:r="http://schemas.openxmlformats.org/officeDocument/2006/relationships" r:blip="">
+            <dgm:adjLst/>
+          </dgm:shape>
+          <dgm:presOf axis="self"/>
+          <dgm:constrLst/>
+          <dgm:ruleLst/>
+        </dgm:layoutNode>
+      </dgm:forEach>
+    </dgm:forEach>
+  </dgm:layoutNode>
+  <dgm:extLst>
+    <a:ext uri="{68A01E43-0DF5-4B5B-8FA6-DAF915123BFB}">
+      <dgm1612:lstStyle xmlns:dgm1612="http://schemas.microsoft.com/office/drawing/2016/12/diagram">
+        <a:lvl1pPr>
+          <a:lnSpc>
+            <a:spcPct val="100000"/>
+          </a:lnSpc>
+        </a:lvl1pPr>
+        <a:lvl2pPr>
+          <a:lnSpc>
+            <a:spcPct val="100000"/>
+          </a:lnSpc>
+        </a:lvl2pPr>
+      </dgm1612:lstStyle>
+    </a:ext>
+  </dgm:extLst>
+</dgm:layoutDef>
+</file>
+
+<file path=ppt/diagrams/quickStyle1.xml><?xml version="1.0" encoding="utf-8"?>
+<dgm:styleDef xmlns:dgm="http://schemas.openxmlformats.org/drawingml/2006/diagram" xmlns:a="http://schemas.openxmlformats.org/drawingml/2006/main" uniqueId="urn:microsoft.com/office/officeart/2005/8/quickstyle/simple1">
+  <dgm:title val=""/>
+  <dgm:desc val=""/>
+  <dgm:catLst>
+    <dgm:cat type="simple" pri="10100"/>
+  </dgm:catLst>
+  <dgm:scene3d>
+    <a:camera prst="orthographicFront"/>
+    <a:lightRig rig="threePt" dir="t"/>
+  </dgm:scene3d>
+  <dgm:styleLbl name="node0">
+    <dgm:scene3d>
+      <a:camera prst="orthographicFront"/>
+      <a:lightRig rig="threePt" dir="t"/>
+    </dgm:scene3d>
+    <dgm:sp3d/>
+    <dgm:txPr/>
+    <dgm:style>
+      <a:lnRef idx="2">
+        <a:scrgbClr r="0" g="0" b="0"/>
+      </a:lnRef>
+      <a:fillRef idx="1">
+        <a:scrgbClr r="0" g="0" b="0"/>
+      </a:fillRef>
+      <a:effectRef idx="0">
+        <a:scrgbClr r="0" g="0" b="0"/>
+      </a:effectRef>
+      <a:fontRef idx="minor">
+        <a:schemeClr val="lt1"/>
+      </a:fontRef>
+    </dgm:style>
+  </dgm:styleLbl>
+  <dgm:styleLbl name="lnNode1">
+    <dgm:scene3d>
+      <a:camera prst="orthographicFront"/>
+      <a:lightRig rig="threePt" dir="t"/>
+    </dgm:scene3d>
+    <dgm:sp3d/>
+    <dgm:txPr/>
+    <dgm:style>
+      <a:lnRef idx="2">
+        <a:scrgbClr r="0" g="0" b="0"/>
+      </a:lnRef>
+      <a:fillRef idx="1">
+        <a:scrgbClr r="0" g="0" b="0"/>
+      </a:fillRef>
+      <a:effectRef idx="0">
+        <a:scrgbClr r="0" g="0" b="0"/>
+      </a:effectRef>
+      <a:fontRef idx="minor">
+        <a:schemeClr val="lt1"/>
+      </a:fontRef>
+    </dgm:style>
+  </dgm:styleLbl>
+  <dgm:styleLbl name="vennNode1">
+    <dgm:scene3d>
+      <a:camera prst="orthographicFront"/>
+      <a:lightRig rig="threePt" dir="t"/>
+    </dgm:scene3d>
+    <dgm:sp3d/>
+    <dgm:txPr/>
+    <dgm:style>
+      <a:lnRef idx="2">
+        <a:scrgbClr r="0" g="0" b="0"/>
+      </a:lnRef>
+      <a:fillRef idx="1">
+        <a:scrgbClr r="0" g="0" b="0"/>
+      </a:fillRef>
+      <a:effectRef idx="0">
+        <a:scrgbClr r="0" g="0" b="0"/>
+      </a:effectRef>
+      <a:fontRef idx="minor">
+        <a:schemeClr val="tx1"/>
+      </a:fontRef>
+    </dgm:style>
+  </dgm:styleLbl>
+  <dgm:styleLbl name="alignNode1">
+    <dgm:scene3d>
+      <a:camera prst="orthographicFront"/>
+      <a:lightRig rig="threePt" dir="t"/>
+    </dgm:scene3d>
+    <dgm:sp3d/>
+    <dgm:txPr/>
+    <dgm:style>
+      <a:lnRef idx="2">
+        <a:scrgbClr r="0" g="0" b="0"/>
+      </a:lnRef>
+      <a:fillRef idx="1">
+        <a:scrgbClr r="0" g="0" b="0"/>
+      </a:fillRef>
+      <a:effectRef idx="0">
+        <a:scrgbClr r="0" g="0" b="0"/>
+      </a:effectRef>
+      <a:fontRef idx="minor">
+        <a:schemeClr val="lt1"/>
+      </a:fontRef>
+    </dgm:style>
+  </dgm:styleLbl>
+  <dgm:styleLbl name="node1">
+    <dgm:scene3d>
+      <a:camera prst="orthographicFront"/>
+      <a:lightRig rig="threePt" dir="t"/>
+    </dgm:scene3d>
+    <dgm:sp3d/>
+    <dgm:txPr/>
+    <dgm:style>
+      <a:lnRef idx="2">
+        <a:scrgbClr r="0" g="0" b="0"/>
+      </a:lnRef>
+      <a:fillRef idx="1">
+        <a:scrgbClr r="0" g="0" b="0"/>
+      </a:fillRef>
+      <a:effectRef idx="0">
+        <a:scrgbClr r="0" g="0" b="0"/>
+      </a:effectRef>
+      <a:fontRef idx="minor">
+        <a:schemeClr val="lt1"/>
+      </a:fontRef>
+    </dgm:style>
+  </dgm:styleLbl>
+  <dgm:styleLbl name="node2">
+    <dgm:scene3d>
+      <a:camera prst="orthographicFront"/>
+      <a:lightRig rig="threePt" dir="t"/>
+    </dgm:scene3d>
+    <dgm:sp3d/>
+    <dgm:txPr/>
+    <dgm:style>
+      <a:lnRef idx="2">
+        <a:scrgbClr r="0" g="0" b="0"/>
+      </a:lnRef>
+      <a:fillRef idx="1">
+        <a:scrgbClr r="0" g="0" b="0"/>
+      </a:fillRef>
+      <a:effectRef idx="0">
+        <a:scrgbClr r="0" g="0" b="0"/>
+      </a:effectRef>
+      <a:fontRef idx="minor">
+        <a:schemeClr val="lt1"/>
+      </a:fontRef>
+    </dgm:style>
+  </dgm:styleLbl>
+  <dgm:styleLbl name="node3">
+    <dgm:scene3d>
+      <a:camera prst="orthographicFront"/>
+      <a:lightRig rig="threePt" dir="t"/>
+    </dgm:scene3d>
+    <dgm:sp3d/>
+    <dgm:txPr/>
+    <dgm:style>
+      <a:lnRef idx="2">
+        <a:scrgbClr r="0" g="0" b="0"/>
+      </a:lnRef>
+      <a:fillRef idx="1">
+        <a:scrgbClr r="0" g="0" b="0"/>
+      </a:fillRef>
+      <a:effectRef idx="0">
+        <a:scrgbClr r="0" g="0" b="0"/>
+      </a:effectRef>
+      <a:fontRef idx="minor">
+        <a:schemeClr val="lt1"/>
+      </a:fontRef>
+    </dgm:style>
+  </dgm:styleLbl>
+  <dgm:styleLbl name="node4">
+    <dgm:scene3d>
+      <a:camera prst="orthographicFront"/>
+      <a:lightRig rig="threePt" dir="t"/>
+    </dgm:scene3d>
+    <dgm:sp3d/>
+    <dgm:txPr/>
+    <dgm:style>
+      <a:lnRef idx="2">
+        <a:scrgbClr r="0" g="0" b="0"/>
+      </a:lnRef>
+      <a:fillRef idx="1">
+        <a:scrgbClr r="0" g="0" b="0"/>
+      </a:fillRef>
+      <a:effectRef idx="0">
+        <a:scrgbClr r="0" g="0" b="0"/>
+      </a:effectRef>
+      <a:fontRef idx="minor">
+        <a:schemeClr val="lt1"/>
+      </a:fontRef>
+    </dgm:style>
+  </dgm:styleLbl>
+  <dgm:styleLbl name="fgImgPlace1">
+    <dgm:scene3d>
+      <a:camera prst="orthographicFront"/>
+      <a:lightRig rig="threePt" dir="t"/>
+    </dgm:scene3d>
+    <dgm:sp3d/>
+    <dgm:txPr/>
+    <dgm:style>
+      <a:lnRef idx="2">
+        <a:scrgbClr r="0" g="0" b="0"/>
+      </a:lnRef>
+      <a:fillRef idx="1">
+        <a:scrgbClr r="0" g="0" b="0"/>
+      </a:fillRef>
+      <a:effectRef idx="0">
+        <a:scrgbClr r="0" g="0" b="0"/>
+      </a:effectRef>
+      <a:fontRef idx="minor"/>
+    </dgm:style>
+  </dgm:styleLbl>
+  <dgm:styleLbl name="alignImgPlace1">
+    <dgm:scene3d>
+      <a:camera prst="orthographicFront"/>
+      <a:lightRig rig="threePt" dir="t"/>
+    </dgm:scene3d>
+    <dgm:sp3d/>
+    <dgm:txPr/>
+    <dgm:style>
+      <a:lnRef idx="2">
+        <a:scrgbClr r="0" g="0" b="0"/>
+      </a:lnRef>
+      <a:fillRef idx="1">
+        <a:scrgbClr r="0" g="0" b="0"/>
+      </a:fillRef>
+      <a:effectRef idx="0">
+        <a:scrgbClr r="0" g="0" b="0"/>
+      </a:effectRef>
+      <a:fontRef idx="minor"/>
+    </dgm:style>
+  </dgm:styleLbl>
+  <dgm:styleLbl name="bgImgPlace1">
+    <dgm:scene3d>
+      <a:camera prst="orthographicFront"/>
+      <a:lightRig rig="threePt" dir="t"/>
+    </dgm:scene3d>
+    <dgm:sp3d/>
+    <dgm:txPr/>
+    <dgm:style>
+      <a:lnRef idx="2">
+        <a:scrgbClr r="0" g="0" b="0"/>
+      </a:lnRef>
+      <a:fillRef idx="1">
+        <a:scrgbClr r="0" g="0" b="0"/>
+      </a:fillRef>
+      <a:effectRef idx="0">
+        <a:scrgbClr r="0" g="0" b="0"/>
+      </a:effectRef>
+      <a:fontRef idx="minor"/>
+    </dgm:style>
+  </dgm:styleLbl>
+  <dgm:styleLbl name="sibTrans2D1">
+    <dgm:scene3d>
+      <a:camera prst="orthographicFront"/>
+      <a:lightRig rig="threePt" dir="t"/>
+    </dgm:scene3d>
+    <dgm:sp3d/>
+    <dgm:txPr/>
+    <dgm:style>
+      <a:lnRef idx="0">
+        <a:scrgbClr r="0" g="0" b="0"/>
+      </a:lnRef>
+      <a:fillRef idx="1">
+        <a:scrgbClr r="0" g="0" b="0"/>
+      </a:fillRef>
+      <a:effectRef idx="0">
+        <a:scrgbClr r="0" g="0" b="0"/>
+      </a:effectRef>
+      <a:fontRef idx="minor">
+        <a:schemeClr val="lt1"/>
+      </a:fontRef>
+    </dgm:style>
+  </dgm:styleLbl>
+  <dgm:styleLbl name="fgSibTrans2D1">
+    <dgm:scene3d>
+      <a:camera prst="orthographicFront"/>
+      <a:lightRig rig="threePt" dir="t"/>
+    </dgm:scene3d>
+    <dgm:sp3d/>
+    <dgm:txPr/>
+    <dgm:style>
+      <a:lnRef idx="0">
+        <a:scrgbClr r="0" g="0" b="0"/>
+      </a:lnRef>
+      <a:fillRef idx="1">
+        <a:scrgbClr r="0" g="0" b="0"/>
+      </a:fillRef>
+      <a:effectRef idx="0">
+        <a:scrgbClr r="0" g="0" b="0"/>
+      </a:effectRef>
+      <a:fontRef idx="minor">
+        <a:schemeClr val="lt1"/>
+      </a:fontRef>
+    </dgm:style>
+  </dgm:styleLbl>
+  <dgm:styleLbl name="bgSibTrans2D1">
+    <dgm:scene3d>
+      <a:camera prst="orthographicFront"/>
+      <a:lightRig rig="threePt" dir="t"/>
+    </dgm:scene3d>
+    <dgm:sp3d/>
+    <dgm:txPr/>
+    <dgm:style>
+      <a:lnRef idx="0">
+        <a:scrgbClr r="0" g="0" b="0"/>
+      </a:lnRef>
+      <a:fillRef idx="1">
+        <a:scrgbClr r="0" g="0" b="0"/>
+      </a:fillRef>
+      <a:effectRef idx="0">
+        <a:scrgbClr r="0" g="0" b="0"/>
+      </a:effectRef>
+      <a:fontRef idx="minor">
+        <a:schemeClr val="lt1"/>
+      </a:fontRef>
+    </dgm:style>
+  </dgm:styleLbl>
+  <dgm:styleLbl name="sibTrans1D1">
+    <dgm:scene3d>
+      <a:camera prst="orthographicFront"/>
+      <a:lightRig rig="threePt" dir="t"/>
+    </dgm:scene3d>
+    <dgm:sp3d/>
+    <dgm:txPr/>
+    <dgm:style>
+      <a:lnRef idx="1">
+        <a:scrgbClr r="0" g="0" b="0"/>
+      </a:lnRef>
+      <a:fillRef idx="0">
+        <a:scrgbClr r="0" g="0" b="0"/>
+      </a:fillRef>
+      <a:effectRef idx="0">
+        <a:scrgbClr r="0" g="0" b="0"/>
+      </a:effectRef>
+      <a:fontRef idx="minor"/>
+    </dgm:style>
+  </dgm:styleLbl>
+  <dgm:styleLbl name="callout">
+    <dgm:scene3d>
+      <a:camera prst="orthographicFront"/>
+      <a:lightRig rig="threePt" dir="t"/>
+    </dgm:scene3d>
+    <dgm:sp3d/>
+    <dgm:txPr/>
+    <dgm:style>
+      <a:lnRef idx="2">
+        <a:scrgbClr r="0" g="0" b="0"/>
+      </a:lnRef>
+      <a:fillRef idx="1">
+        <a:scrgbClr r="0" g="0" b="0"/>
+      </a:fillRef>
+      <a:effectRef idx="0">
+        <a:scrgbClr r="0" g="0" b="0"/>
+      </a:effectRef>
+      <a:fontRef idx="minor"/>
+    </dgm:style>
+  </dgm:styleLbl>
+  <dgm:styleLbl name="asst0">
+    <dgm:scene3d>
+      <a:camera prst="orthographicFront"/>
+      <a:lightRig rig="threePt" dir="t"/>
+    </dgm:scene3d>
+    <dgm:sp3d/>
+    <dgm:txPr/>
+    <dgm:style>
+      <a:lnRef idx="2">
+        <a:scrgbClr r="0" g="0" b="0"/>
+      </a:lnRef>
+      <a:fillRef idx="1">
+        <a:scrgbClr r="0" g="0" b="0"/>
+      </a:fillRef>
+      <a:effectRef idx="0">
+        <a:scrgbClr r="0" g="0" b="0"/>
+      </a:effectRef>
+      <a:fontRef idx="minor">
+        <a:schemeClr val="lt1"/>
+      </a:fontRef>
+    </dgm:style>
+  </dgm:styleLbl>
+  <dgm:styleLbl name="asst1">
+    <dgm:scene3d>
+      <a:camera prst="orthographicFront"/>
+      <a:lightRig rig="threePt" dir="t"/>
+    </dgm:scene3d>
+    <dgm:sp3d/>
+    <dgm:txPr/>
+    <dgm:style>
+      <a:lnRef idx="2">
+        <a:scrgbClr r="0" g="0" b="0"/>
+      </a:lnRef>
+      <a:fillRef idx="1">
+        <a:scrgbClr r="0" g="0" b="0"/>
+      </a:fillRef>
+      <a:effectRef idx="0">
+        <a:scrgbClr r="0" g="0" b="0"/>
+      </a:effectRef>
+      <a:fontRef idx="minor">
+        <a:schemeClr val="lt1"/>
+      </a:fontRef>
+    </dgm:style>
+  </dgm:styleLbl>
+  <dgm:styleLbl name="asst2">
+    <dgm:scene3d>
+      <a:camera prst="orthographicFront"/>
+      <a:lightRig rig="threePt" dir="t"/>
+    </dgm:scene3d>
+    <dgm:sp3d/>
+    <dgm:txPr/>
+    <dgm:style>
+      <a:lnRef idx="2">
+        <a:scrgbClr r="0" g="0" b="0"/>
+      </a:lnRef>
+      <a:fillRef idx="1">
+        <a:scrgbClr r="0" g="0" b="0"/>
+      </a:fillRef>
+      <a:effectRef idx="0">
+        <a:scrgbClr r="0" g="0" b="0"/>
+      </a:effectRef>
+      <a:fontRef idx="minor">
+        <a:schemeClr val="lt1"/>
+      </a:fontRef>
+    </dgm:style>
+  </dgm:styleLbl>
+  <dgm:styleLbl name="asst3">
+    <dgm:scene3d>
+      <a:camera prst="orthographicFront"/>
+      <a:lightRig rig="threePt" dir="t"/>
+    </dgm:scene3d>
+    <dgm:sp3d/>
+    <dgm:txPr/>
+    <dgm:style>
+      <a:lnRef idx="2">
+        <a:scrgbClr r="0" g="0" b="0"/>
+      </a:lnRef>
+      <a:fillRef idx="1">
+        <a:scrgbClr r="0" g="0" b="0"/>
+      </a:fillRef>
+      <a:effectRef idx="0">
+        <a:scrgbClr r="0" g="0" b="0"/>
+      </a:effectRef>
+      <a:fontRef idx="minor">
+        <a:schemeClr val="lt1"/>
+      </a:fontRef>
+    </dgm:style>
+  </dgm:styleLbl>
+  <dgm:styleLbl name="asst4">
+    <dgm:scene3d>
+      <a:camera prst="orthographicFront"/>
+      <a:lightRig rig="threePt" dir="t"/>
+    </dgm:scene3d>
+    <dgm:sp3d/>
+    <dgm:txPr/>
+    <dgm:style>
+      <a:lnRef idx="2">
+        <a:scrgbClr r="0" g="0" b="0"/>
+      </a:lnRef>
+      <a:fillRef idx="1">
+        <a:scrgbClr r="0" g="0" b="0"/>
+      </a:fillRef>
+      <a:effectRef idx="0">
+        <a:scrgbClr r="0" g="0" b="0"/>
+      </a:effectRef>
+      <a:fontRef idx="minor">
+        <a:schemeClr val="lt1"/>
+      </a:fontRef>
+    </dgm:style>
+  </dgm:styleLbl>
+  <dgm:styleLbl name="parChTrans2D1">
+    <dgm:scene3d>
+      <a:camera prst="orthographicFront"/>
+      <a:lightRig rig="threePt" dir="t"/>
+    </dgm:scene3d>
+    <dgm:sp3d/>
+    <dgm:txPr/>
+    <dgm:style>
+      <a:lnRef idx="2">
+        <a:scrgbClr r="0" g="0" b="0"/>
+      </a:lnRef>
+      <a:fillRef idx="1">
+        <a:scrgbClr r="0" g="0" b="0"/>
+      </a:fillRef>
+      <a:effectRef idx="0">
+        <a:scrgbClr r="0" g="0" b="0"/>
+      </a:effectRef>
+      <a:fontRef idx="minor">
+        <a:schemeClr val="lt1"/>
+      </a:fontRef>
+    </dgm:style>
+  </dgm:styleLbl>
+  <dgm:styleLbl name="parChTrans2D2">
+    <dgm:scene3d>
+      <a:camera prst="orthographicFront"/>
+      <a:lightRig rig="threePt" dir="t"/>
+    </dgm:scene3d>
+    <dgm:sp3d/>
+    <dgm:txPr/>
+    <dgm:style>
+      <a:lnRef idx="2">
+        <a:scrgbClr r="0" g="0" b="0"/>
+      </a:lnRef>
+      <a:fillRef idx="1">
+        <a:scrgbClr r="0" g="0" b="0"/>
+      </a:fillRef>
+      <a:effectRef idx="0">
+        <a:scrgbClr r="0" g="0" b="0"/>
+      </a:effectRef>
+      <a:fontRef idx="minor">
+        <a:schemeClr val="lt1"/>
+      </a:fontRef>
+    </dgm:style>
+  </dgm:styleLbl>
+  <dgm:styleLbl name="parChTrans2D3">
+    <dgm:scene3d>
+      <a:camera prst="orthographicFront"/>
+      <a:lightRig rig="threePt" dir="t"/>
+    </dgm:scene3d>
+    <dgm:sp3d/>
+    <dgm:txPr/>
+    <dgm:style>
+      <a:lnRef idx="2">
+        <a:scrgbClr r="0" g="0" b="0"/>
+      </a:lnRef>
+      <a:fillRef idx="1">
+        <a:scrgbClr r="0" g="0" b="0"/>
+      </a:fillRef>
+      <a:effectRef idx="0">
+        <a:scrgbClr r="0" g="0" b="0"/>
+      </a:effectRef>
+      <a:fontRef idx="minor">
+        <a:schemeClr val="lt1"/>
+      </a:fontRef>
+    </dgm:style>
+  </dgm:styleLbl>
+  <dgm:styleLbl name="parChTrans2D4">
+    <dgm:scene3d>
+      <a:camera prst="orthographicFront"/>
+      <a:lightRig rig="threePt" dir="t"/>
+    </dgm:scene3d>
+    <dgm:sp3d/>
+    <dgm:txPr/>
+    <dgm:style>
+      <a:lnRef idx="2">
+        <a:scrgbClr r="0" g="0" b="0"/>
+      </a:lnRef>
+      <a:fillRef idx="1">
+        <a:scrgbClr r="0" g="0" b="0"/>
+      </a:fillRef>
+      <a:effectRef idx="0">
+        <a:scrgbClr r="0" g="0" b="0"/>
+      </a:effectRef>
+      <a:fontRef idx="minor">
+        <a:schemeClr val="lt1"/>
+      </a:fontRef>
+    </dgm:style>
+  </dgm:styleLbl>
+  <dgm:styleLbl name="parChTrans1D1">
+    <dgm:scene3d>
+      <a:camera prst="orthographicFront"/>
+      <a:lightRig rig="threePt" dir="t"/>
+    </dgm:scene3d>
+    <dgm:sp3d/>
+    <dgm:txPr/>
+    <dgm:style>
+      <a:lnRef idx="2">
+        <a:scrgbClr r="0" g="0" b="0"/>
+      </a:lnRef>
+      <a:fillRef idx="0">
+        <a:scrgbClr r="0" g="0" b="0"/>
+      </a:fillRef>
+      <a:effectRef idx="0">
+        <a:scrgbClr r="0" g="0" b="0"/>
+      </a:effectRef>
+      <a:fontRef idx="minor"/>
+    </dgm:style>
+  </dgm:styleLbl>
+  <dgm:styleLbl name="parChTrans1D2">
+    <dgm:scene3d>
+      <a:camera prst="orthographicFront"/>
+      <a:lightRig rig="threePt" dir="t"/>
+    </dgm:scene3d>
+    <dgm:sp3d/>
+    <dgm:txPr/>
+    <dgm:style>
+      <a:lnRef idx="2">
+        <a:scrgbClr r="0" g="0" b="0"/>
+      </a:lnRef>
+      <a:fillRef idx="0">
+        <a:scrgbClr r="0" g="0" b="0"/>
+      </a:fillRef>
+      <a:effectRef idx="0">
+        <a:scrgbClr r="0" g="0" b="0"/>
+      </a:effectRef>
+      <a:fontRef idx="minor"/>
+    </dgm:style>
+  </dgm:styleLbl>
+  <dgm:styleLbl name="parChTrans1D3">
+    <dgm:scene3d>
+      <a:camera prst="orthographicFront"/>
+      <a:lightRig rig="threePt" dir="t"/>
+    </dgm:scene3d>
+    <dgm:sp3d/>
+    <dgm:txPr/>
+    <dgm:style>
+      <a:lnRef idx="2">
+        <a:scrgbClr r="0" g="0" b="0"/>
+      </a:lnRef>
+      <a:fillRef idx="0">
+        <a:scrgbClr r="0" g="0" b="0"/>
+      </a:fillRef>
+      <a:effectRef idx="0">
+        <a:scrgbClr r="0" g="0" b="0"/>
+      </a:effectRef>
+      <a:fontRef idx="minor"/>
+    </dgm:style>
+  </dgm:styleLbl>
+  <dgm:styleLbl name="parChTrans1D4">
+    <dgm:scene3d>
+      <a:camera prst="orthographicFront"/>
+      <a:lightRig rig="threePt" dir="t"/>
+    </dgm:scene3d>
+    <dgm:sp3d/>
+    <dgm:txPr/>
+    <dgm:style>
+      <a:lnRef idx="2">
+        <a:scrgbClr r="0" g="0" b="0"/>
+      </a:lnRef>
+      <a:fillRef idx="0">
+        <a:scrgbClr r="0" g="0" b="0"/>
+      </a:fillRef>
+      <a:effectRef idx="0">
+        <a:scrgbClr r="0" g="0" b="0"/>
+      </a:effectRef>
+      <a:fontRef idx="minor"/>
+    </dgm:style>
+  </dgm:styleLbl>
+  <dgm:styleLbl name="fgAcc1">
+    <dgm:scene3d>
+      <a:camera prst="orthographicFront"/>
+      <a:lightRig rig="threePt" dir="t"/>
+    </dgm:scene3d>
+    <dgm:sp3d/>
+    <dgm:txPr/>
+    <dgm:style>
+      <a:lnRef idx="2">
+        <a:scrgbClr r="0" g="0" b="0"/>
+      </a:lnRef>
+      <a:fillRef idx="1">
+        <a:scrgbClr r="0" g="0" b="0"/>
+      </a:fillRef>
+      <a:effectRef idx="0">
+        <a:scrgbClr r="0" g="0" b="0"/>
+      </a:effectRef>
+      <a:fontRef idx="minor"/>
+    </dgm:style>
+  </dgm:styleLbl>
+  <dgm:styleLbl name="conFgAcc1">
+    <dgm:scene3d>
+      <a:camera prst="orthographicFront"/>
+      <a:lightRig rig="threePt" dir="t"/>
+    </dgm:scene3d>
+    <dgm:sp3d/>
+    <dgm:txPr/>
+    <dgm:style>
+      <a:lnRef idx="2">
+        <a:scrgbClr r="0" g="0" b="0"/>
+      </a:lnRef>
+      <a:fillRef idx="1">
+        <a:scrgbClr r="0" g="0" b="0"/>
+      </a:fillRef>
+      <a:effectRef idx="0">
+        <a:scrgbClr r="0" g="0" b="0"/>
+      </a:effectRef>
+      <a:fontRef idx="minor"/>
+    </dgm:style>
+  </dgm:styleLbl>
+  <dgm:styleLbl name="alignAcc1">
+    <dgm:scene3d>
+      <a:camera prst="orthographicFront"/>
+      <a:lightRig rig="threePt" dir="t"/>
+    </dgm:scene3d>
+    <dgm:sp3d/>
+    <dgm:txPr/>
+    <dgm:style>
+      <a:lnRef idx="2">
+        <a:scrgbClr r="0" g="0" b="0"/>
+      </a:lnRef>
+      <a:fillRef idx="1">
+        <a:scrgbClr r="0" g="0" b="0"/>
+      </a:fillRef>
+      <a:effectRef idx="0">
+        <a:scrgbClr r="0" g="0" b="0"/>
+      </a:effectRef>
+      <a:fontRef idx="minor"/>
+    </dgm:style>
+  </dgm:styleLbl>
+  <dgm:styleLbl name="trAlignAcc1">
+    <dgm:scene3d>
+      <a:camera prst="orthographicFront"/>
+      <a:lightRig rig="threePt" dir="t"/>
+    </dgm:scene3d>
+    <dgm:sp3d/>
+    <dgm:txPr/>
+    <dgm:style>
+      <a:lnRef idx="1">
+        <a:scrgbClr r="0" g="0" b="0"/>
+      </a:lnRef>
+      <a:fillRef idx="1">
+        <a:scrgbClr r="0" g="0" b="0"/>
+      </a:fillRef>
+      <a:effectRef idx="0">
+        <a:scrgbClr r="0" g="0" b="0"/>
+      </a:effectRef>
+      <a:fontRef idx="minor"/>
+    </dgm:style>
+  </dgm:styleLbl>
+  <dgm:styleLbl name="bgAcc1">
+    <dgm:scene3d>
+      <a:camera prst="orthographicFront"/>
+      <a:lightRig rig="threePt" dir="t"/>
+    </dgm:scene3d>
+    <dgm:sp3d/>
+    <dgm:txPr/>
+    <dgm:style>
+      <a:lnRef idx="2">
+        <a:scrgbClr r="0" g="0" b="0"/>
+      </a:lnRef>
+      <a:fillRef idx="1">
+        <a:scrgbClr r="0" g="0" b="0"/>
+      </a:fillRef>
+      <a:effectRef idx="0">
+        <a:scrgbClr r="0" g="0" b="0"/>
+      </a:effectRef>
+      <a:fontRef idx="minor"/>
+    </dgm:style>
+  </dgm:styleLbl>
+  <dgm:styleLbl name="solidFgAcc1">
+    <dgm:scene3d>
+      <a:camera prst="orthographicFront"/>
+      <a:lightRig rig="threePt" dir="t"/>
+    </dgm:scene3d>
+    <dgm:sp3d/>
+    <dgm:txPr/>
+    <dgm:style>
+      <a:lnRef idx="2">
+        <a:scrgbClr r="0" g="0" b="0"/>
+      </a:lnRef>
+      <a:fillRef idx="1">
+        <a:scrgbClr r="0" g="0" b="0"/>
+      </a:fillRef>
+      <a:effectRef idx="0">
+        <a:scrgbClr r="0" g="0" b="0"/>
+      </a:effectRef>
+      <a:fontRef idx="minor"/>
+    </dgm:style>
+  </dgm:styleLbl>
+  <dgm:styleLbl name="solidAlignAcc1">
+    <dgm:scene3d>
+      <a:camera prst="orthographicFront"/>
+      <a:lightRig rig="threePt" dir="t"/>
+    </dgm:scene3d>
+    <dgm:sp3d/>
+    <dgm:txPr/>
+    <dgm:style>
+      <a:lnRef idx="2">
+        <a:scrgbClr r="0" g="0" b="0"/>
+      </a:lnRef>
+      <a:fillRef idx="1">
+        <a:scrgbClr r="0" g="0" b="0"/>
+      </a:fillRef>
+      <a:effectRef idx="0">
+        <a:scrgbClr r="0" g="0" b="0"/>
+      </a:effectRef>
+      <a:fontRef idx="minor"/>
+    </dgm:style>
+  </dgm:styleLbl>
+  <dgm:styleLbl name="solidBgAcc1">
+    <dgm:scene3d>
+      <a:camera prst="orthographicFront"/>
+      <a:lightRig rig="threePt" dir="t"/>
+    </dgm:scene3d>
+    <dgm:sp3d/>
+    <dgm:txPr/>
+    <dgm:style>
+      <a:lnRef idx="2">
+        <a:scrgbClr r="0" g="0" b="0"/>
+      </a:lnRef>
+      <a:fillRef idx="1">
+        <a:scrgbClr r="0" g="0" b="0"/>
+      </a:fillRef>
+      <a:effectRef idx="0">
+        <a:scrgbClr r="0" g="0" b="0"/>
+      </a:effectRef>
+      <a:fontRef idx="minor"/>
+    </dgm:style>
+  </dgm:styleLbl>
+  <dgm:styleLbl name="fgAccFollowNode1">
+    <dgm:scene3d>
+      <a:camera prst="orthographicFront"/>
+      <a:lightRig rig="threePt" dir="t"/>
+    </dgm:scene3d>
+    <dgm:sp3d/>
+    <dgm:txPr/>
+    <dgm:style>
+      <a:lnRef idx="2">
+        <a:scrgbClr r="0" g="0" b="0"/>
+      </a:lnRef>
+      <a:fillRef idx="1">
+        <a:scrgbClr r="0" g="0" b="0"/>
+      </a:fillRef>
+      <a:effectRef idx="0">
+        <a:scrgbClr r="0" g="0" b="0"/>
+      </a:effectRef>
+      <a:fontRef idx="minor"/>
+    </dgm:style>
+  </dgm:styleLbl>
+  <dgm:styleLbl name="alignAccFollowNode1">
+    <dgm:scene3d>
+      <a:camera prst="orthographicFront"/>
+      <a:lightRig rig="threePt" dir="t"/>
+    </dgm:scene3d>
+    <dgm:sp3d/>
+    <dgm:txPr/>
+    <dgm:style>
+      <a:lnRef idx="2">
+        <a:scrgbClr r="0" g="0" b="0"/>
+      </a:lnRef>
+      <a:fillRef idx="1">
+        <a:scrgbClr r="0" g="0" b="0"/>
+      </a:fillRef>
+      <a:effectRef idx="0">
+        <a:scrgbClr r="0" g="0" b="0"/>
+      </a:effectRef>
+      <a:fontRef idx="minor"/>
+    </dgm:style>
+  </dgm:styleLbl>
+  <dgm:styleLbl name="bgAccFollowNode1">
+    <dgm:scene3d>
+      <a:camera prst="orthographicFront"/>
+      <a:lightRig rig="threePt" dir="t"/>
+    </dgm:scene3d>
+    <dgm:sp3d/>
+    <dgm:txPr/>
+    <dgm:style>
+      <a:lnRef idx="2">
+        <a:scrgbClr r="0" g="0" b="0"/>
+      </a:lnRef>
+      <a:fillRef idx="1">
+        <a:scrgbClr r="0" g="0" b="0"/>
+      </a:fillRef>
+      <a:effectRef idx="0">
+        <a:scrgbClr r="0" g="0" b="0"/>
+      </a:effectRef>
+      <a:fontRef idx="minor"/>
+    </dgm:style>
+  </dgm:styleLbl>
+  <dgm:styleLbl name="fgAcc0">
+    <dgm:scene3d>
+      <a:camera prst="orthographicFront"/>
+      <a:lightRig rig="threePt" dir="t"/>
+    </dgm:scene3d>
+    <dgm:sp3d/>
+    <dgm:txPr/>
+    <dgm:style>
+      <a:lnRef idx="2">
+        <a:scrgbClr r="0" g="0" b="0"/>
+      </a:lnRef>
+      <a:fillRef idx="1">
+        <a:scrgbClr r="0" g="0" b="0"/>
+      </a:fillRef>
+      <a:effectRef idx="0">
+        <a:scrgbClr r="0" g="0" b="0"/>
+      </a:effectRef>
+      <a:fontRef idx="minor"/>
+    </dgm:style>
+  </dgm:styleLbl>
+  <dgm:styleLbl name="fgAcc2">
+    <dgm:scene3d>
+      <a:camera prst="orthographicFront"/>
+      <a:lightRig rig="threePt" dir="t"/>
+    </dgm:scene3d>
+    <dgm:sp3d/>
+    <dgm:txPr/>
+    <dgm:style>
+      <a:lnRef idx="2">
+        <a:scrgbClr r="0" g="0" b="0"/>
+      </a:lnRef>
+      <a:fillRef idx="1">
+        <a:scrgbClr r="0" g="0" b="0"/>
+      </a:fillRef>
+      <a:effectRef idx="0">
+        <a:scrgbClr r="0" g="0" b="0"/>
+      </a:effectRef>
+      <a:fontRef idx="minor"/>
+    </dgm:style>
+  </dgm:styleLbl>
+  <dgm:styleLbl name="fgAcc3">
+    <dgm:scene3d>
+      <a:camera prst="orthographicFront"/>
+      <a:lightRig rig="threePt" dir="t"/>
+    </dgm:scene3d>
+    <dgm:sp3d/>
+    <dgm:txPr/>
+    <dgm:style>
+      <a:lnRef idx="2">
+        <a:scrgbClr r="0" g="0" b="0"/>
+      </a:lnRef>
+      <a:fillRef idx="1">
+        <a:scrgbClr r="0" g="0" b="0"/>
+      </a:fillRef>
+      <a:effectRef idx="0">
+        <a:scrgbClr r="0" g="0" b="0"/>
+      </a:effectRef>
+      <a:fontRef idx="minor"/>
+    </dgm:style>
+  </dgm:styleLbl>
+  <dgm:styleLbl name="fgAcc4">
+    <dgm:scene3d>
+      <a:camera prst="orthographicFront"/>
+      <a:lightRig rig="threePt" dir="t"/>
+    </dgm:scene3d>
+    <dgm:sp3d/>
+    <dgm:txPr/>
+    <dgm:style>
+      <a:lnRef idx="2">
+        <a:scrgbClr r="0" g="0" b="0"/>
+      </a:lnRef>
+      <a:fillRef idx="1">
+        <a:scrgbClr r="0" g="0" b="0"/>
+      </a:fillRef>
+      <a:effectRef idx="0">
+        <a:scrgbClr r="0" g="0" b="0"/>
+      </a:effectRef>
+      <a:fontRef idx="minor"/>
+    </dgm:style>
+  </dgm:styleLbl>
+  <dgm:styleLbl name="bgShp">
+    <dgm:scene3d>
+      <a:camera prst="orthographicFront"/>
+      <a:lightRig rig="threePt" dir="t"/>
+    </dgm:scene3d>
+    <dgm:sp3d/>
+    <dgm:txPr/>
+    <dgm:style>
+      <a:lnRef idx="0">
+        <a:scrgbClr r="0" g="0" b="0"/>
+      </a:lnRef>
+      <a:fillRef idx="1">
+        <a:scrgbClr r="0" g="0" b="0"/>
+      </a:fillRef>
+      <a:effectRef idx="0">
+        <a:scrgbClr r="0" g="0" b="0"/>
+      </a:effectRef>
+      <a:fontRef idx="minor"/>
+    </dgm:style>
+  </dgm:styleLbl>
+  <dgm:styleLbl name="dkBgShp">
+    <dgm:scene3d>
+      <a:camera prst="orthographicFront"/>
+      <a:lightRig rig="threePt" dir="t"/>
+    </dgm:scene3d>
+    <dgm:sp3d/>
+    <dgm:txPr/>
+    <dgm:style>
+      <a:lnRef idx="0">
+        <a:scrgbClr r="0" g="0" b="0"/>
+      </a:lnRef>
+      <a:fillRef idx="1">
+        <a:scrgbClr r="0" g="0" b="0"/>
+      </a:fillRef>
+      <a:effectRef idx="0">
+        <a:scrgbClr r="0" g="0" b="0"/>
+      </a:effectRef>
+      <a:fontRef idx="minor"/>
+    </dgm:style>
+  </dgm:styleLbl>
+  <dgm:styleLbl name="trBgShp">
+    <dgm:scene3d>
+      <a:camera prst="orthographicFront"/>
+      <a:lightRig rig="threePt" dir="t"/>
+    </dgm:scene3d>
+    <dgm:sp3d/>
+    <dgm:txPr/>
+    <dgm:style>
+      <a:lnRef idx="0">
+        <a:scrgbClr r="0" g="0" b="0"/>
+      </a:lnRef>
+      <a:fillRef idx="1">
+        <a:scrgbClr r="0" g="0" b="0"/>
+      </a:fillRef>
+      <a:effectRef idx="0">
+        <a:scrgbClr r="0" g="0" b="0"/>
+      </a:effectRef>
+      <a:fontRef idx="minor"/>
+    </dgm:style>
+  </dgm:styleLbl>
+  <dgm:styleLbl name="fgShp">
+    <dgm:scene3d>
+      <a:camera prst="orthographicFront"/>
+      <a:lightRig rig="threePt" dir="t"/>
+    </dgm:scene3d>
+    <dgm:sp3d/>
+    <dgm:txPr/>
+    <dgm:style>
+      <a:lnRef idx="2">
+        <a:scrgbClr r="0" g="0" b="0"/>
+      </a:lnRef>
+      <a:fillRef idx="1">
+        <a:scrgbClr r="0" g="0" b="0"/>
+      </a:fillRef>
+      <a:effectRef idx="0">
+        <a:scrgbClr r="0" g="0" b="0"/>
+      </a:effectRef>
+      <a:fontRef idx="minor"/>
+    </dgm:style>
+  </dgm:styleLbl>
+  <dgm:styleLbl name="revTx">
+    <dgm:scene3d>
+      <a:camera prst="orthographicFront"/>
+      <a:lightRig rig="threePt" dir="t"/>
+    </dgm:scene3d>
+    <dgm:sp3d/>
+    <dgm:txPr/>
+    <dgm:style>
+      <a:lnRef idx="0">
+        <a:scrgbClr r="0" g="0" b="0"/>
+      </a:lnRef>
+      <a:fillRef idx="0">
+        <a:scrgbClr r="0" g="0" b="0"/>
+      </a:fillRef>
+      <a:effectRef idx="0">
+        <a:scrgbClr r="0" g="0" b="0"/>
+      </a:effectRef>
+      <a:fontRef idx="minor"/>
+    </dgm:style>
+  </dgm:styleLbl>
+</dgm:styleDef>
 </file>
 
 <file path=ppt/slideLayouts/slideLayout1.xml><?xml version="1.0" encoding="utf-8"?>
@@ -3737,6 +7027,1803 @@
 <file path=ppt/slides/slide2.xml><?xml version="1.0" encoding="utf-8"?>
 <p:sld xmlns:a="http://schemas.openxmlformats.org/drawingml/2006/main" xmlns:r="http://schemas.openxmlformats.org/officeDocument/2006/relationships" xmlns:p="http://schemas.openxmlformats.org/presentationml/2006/main">
   <p:cSld>
+    <p:bg>
+      <p:bgPr>
+        <a:solidFill>
+          <a:schemeClr val="bg1"/>
+        </a:solidFill>
+        <a:effectLst/>
+      </p:bgPr>
+    </p:bg>
+    <p:spTree>
+      <p:nvGrpSpPr>
+        <p:cNvPr id="1" name=""/>
+        <p:cNvGrpSpPr/>
+        <p:nvPr/>
+      </p:nvGrpSpPr>
+      <p:grpSpPr>
+        <a:xfrm>
+          <a:off x="0" y="0"/>
+          <a:ext cx="0" cy="0"/>
+          <a:chOff x="0" y="0"/>
+          <a:chExt cx="0" cy="0"/>
+        </a:xfrm>
+      </p:grpSpPr>
+      <p:sp>
+        <p:nvSpPr>
+          <p:cNvPr id="10" name="Rectangle 9">
+            <a:extLst>
+              <a:ext uri="{FF2B5EF4-FFF2-40B4-BE49-F238E27FC236}">
+                <a16:creationId xmlns:a16="http://schemas.microsoft.com/office/drawing/2014/main" id="{68575C10-8187-4AC4-AD72-C754EAFD2867}"/>
+              </a:ext>
+              <a:ext uri="{C183D7F6-B498-43B3-948B-1728B52AA6E4}">
+                <adec:decorative xmlns:adec="http://schemas.microsoft.com/office/drawing/2017/decorative" val="1"/>
+              </a:ext>
+            </a:extLst>
+          </p:cNvPr>
+          <p:cNvSpPr>
+            <a:spLocks noGrp="1" noRot="1" noChangeAspect="1" noMove="1" noResize="1" noEditPoints="1" noAdjustHandles="1" noChangeArrowheads="1" noChangeShapeType="1" noTextEdit="1"/>
+          </p:cNvSpPr>
+          <p:nvPr>
+            <p:extLst>
+              <p:ext uri="{386F3935-93C4-4BCD-93E2-E3B085C9AB24}">
+                <p16:designElem xmlns:p16="http://schemas.microsoft.com/office/powerpoint/2015/main" val="1"/>
+              </p:ext>
+            </p:extLst>
+          </p:nvPr>
+        </p:nvSpPr>
+        <p:spPr>
+          <a:xfrm>
+            <a:off x="-1" y="0"/>
+            <a:ext cx="4654295" cy="6858000"/>
+          </a:xfrm>
+          <a:prstGeom prst="rect">
+            <a:avLst/>
+          </a:prstGeom>
+          <a:solidFill>
+            <a:schemeClr val="tx1"/>
+          </a:solidFill>
+          <a:ln>
+            <a:noFill/>
+          </a:ln>
+        </p:spPr>
+        <p:style>
+          <a:lnRef idx="2">
+            <a:schemeClr val="accent1">
+              <a:shade val="50000"/>
+            </a:schemeClr>
+          </a:lnRef>
+          <a:fillRef idx="1">
+            <a:schemeClr val="accent1"/>
+          </a:fillRef>
+          <a:effectRef idx="0">
+            <a:schemeClr val="accent1"/>
+          </a:effectRef>
+          <a:fontRef idx="minor">
+            <a:schemeClr val="lt1"/>
+          </a:fontRef>
+        </p:style>
+        <p:txBody>
+          <a:bodyPr rtlCol="0" anchor="ctr"/>
+          <a:lstStyle/>
+          <a:p>
+            <a:pPr marL="0" marR="0" lvl="0" indent="0" algn="ctr" defTabSz="457200" rtl="0" eaLnBrk="1" fontAlgn="auto" latinLnBrk="0" hangingPunct="1">
+              <a:lnSpc>
+                <a:spcPct val="100000"/>
+              </a:lnSpc>
+              <a:spcBef>
+                <a:spcPts val="0"/>
+              </a:spcBef>
+              <a:spcAft>
+                <a:spcPts val="0"/>
+              </a:spcAft>
+              <a:buClrTx/>
+              <a:buSzTx/>
+              <a:buFontTx/>
+              <a:buNone/>
+              <a:tabLst/>
+              <a:defRPr/>
+            </a:pPr>
+            <a:endParaRPr kumimoji="0" lang="en-US" sz="1800" b="0" i="0" u="none" strike="noStrike" kern="1200" cap="none" spc="0" normalizeH="0" baseline="0" noProof="0">
+              <a:ln>
+                <a:noFill/>
+              </a:ln>
+              <a:solidFill>
+                <a:prstClr val="white"/>
+              </a:solidFill>
+              <a:effectLst/>
+              <a:uLnTx/>
+              <a:uFillTx/>
+              <a:latin typeface="Calibri" panose="020F0502020204030204"/>
+              <a:ea typeface="+mn-ea"/>
+              <a:cs typeface="+mn-cs"/>
+            </a:endParaRPr>
+          </a:p>
+        </p:txBody>
+      </p:sp>
+      <p:sp>
+        <p:nvSpPr>
+          <p:cNvPr id="2" name="Title 1">
+            <a:extLst>
+              <a:ext uri="{FF2B5EF4-FFF2-40B4-BE49-F238E27FC236}">
+                <a16:creationId xmlns:a16="http://schemas.microsoft.com/office/drawing/2014/main" id="{AE1D05C4-F419-4D09-A582-04C799C1A3DA}"/>
+              </a:ext>
+            </a:extLst>
+          </p:cNvPr>
+          <p:cNvSpPr>
+            <a:spLocks noGrp="1"/>
+          </p:cNvSpPr>
+          <p:nvPr>
+            <p:ph type="title"/>
+          </p:nvPr>
+        </p:nvSpPr>
+        <p:spPr>
+          <a:xfrm>
+            <a:off x="762000" y="559678"/>
+            <a:ext cx="3567915" cy="4952492"/>
+          </a:xfrm>
+        </p:spPr>
+        <p:txBody>
+          <a:bodyPr>
+            <a:normAutofit/>
+          </a:bodyPr>
+          <a:lstStyle/>
+          <a:p>
+            <a:r>
+              <a:rPr lang="en-US">
+                <a:solidFill>
+                  <a:schemeClr val="bg1"/>
+                </a:solidFill>
+              </a:rPr>
+              <a:t>Fun features </a:t>
+            </a:r>
+          </a:p>
+        </p:txBody>
+      </p:sp>
+      <p:cxnSp>
+        <p:nvCxnSpPr>
+          <p:cNvPr id="12" name="Straight Connector 11">
+            <a:extLst>
+              <a:ext uri="{FF2B5EF4-FFF2-40B4-BE49-F238E27FC236}">
+                <a16:creationId xmlns:a16="http://schemas.microsoft.com/office/drawing/2014/main" id="{74E776C9-ED67-41B7-B3A3-4DF76EF3ACEE}"/>
+              </a:ext>
+              <a:ext uri="{C183D7F6-B498-43B3-948B-1728B52AA6E4}">
+                <adec:decorative xmlns:adec="http://schemas.microsoft.com/office/drawing/2017/decorative" val="1"/>
+              </a:ext>
+            </a:extLst>
+          </p:cNvPr>
+          <p:cNvCxnSpPr>
+            <a:cxnSpLocks noGrp="1" noRot="1" noChangeAspect="1" noMove="1" noResize="1" noEditPoints="1" noAdjustHandles="1" noChangeArrowheads="1" noChangeShapeType="1"/>
+          </p:cNvCxnSpPr>
+          <p:nvPr>
+            <p:extLst>
+              <p:ext uri="{386F3935-93C4-4BCD-93E2-E3B085C9AB24}">
+                <p16:designElem xmlns:p16="http://schemas.microsoft.com/office/powerpoint/2015/main" val="1"/>
+              </p:ext>
+            </p:extLst>
+          </p:nvPr>
+        </p:nvCxnSpPr>
+        <p:spPr>
+          <a:xfrm>
+            <a:off x="0" y="6199730"/>
+            <a:ext cx="4297680" cy="0"/>
+          </a:xfrm>
+          <a:prstGeom prst="line">
+            <a:avLst/>
+          </a:prstGeom>
+          <a:ln w="25400">
+            <a:solidFill>
+              <a:schemeClr val="bg1"/>
+            </a:solidFill>
+          </a:ln>
+        </p:spPr>
+        <p:style>
+          <a:lnRef idx="1">
+            <a:schemeClr val="accent1"/>
+          </a:lnRef>
+          <a:fillRef idx="0">
+            <a:schemeClr val="accent1"/>
+          </a:fillRef>
+          <a:effectRef idx="0">
+            <a:schemeClr val="accent1"/>
+          </a:effectRef>
+          <a:fontRef idx="minor">
+            <a:schemeClr val="tx1"/>
+          </a:fontRef>
+        </p:style>
+      </p:cxnSp>
+      <p:graphicFrame>
+        <p:nvGraphicFramePr>
+          <p:cNvPr id="7" name="Content Placeholder 2">
+            <a:extLst>
+              <a:ext uri="{FF2B5EF4-FFF2-40B4-BE49-F238E27FC236}">
+                <a16:creationId xmlns:a16="http://schemas.microsoft.com/office/drawing/2014/main" id="{DEE74FF1-782F-46D3-A047-54622146C1ED}"/>
+              </a:ext>
+            </a:extLst>
+          </p:cNvPr>
+          <p:cNvGraphicFramePr>
+            <a:graphicFrameLocks noGrp="1"/>
+          </p:cNvGraphicFramePr>
+          <p:nvPr>
+            <p:ph idx="1"/>
+            <p:extLst>
+              <p:ext uri="{D42A27DB-BD31-4B8C-83A1-F6EECF244321}">
+                <p14:modId xmlns:p14="http://schemas.microsoft.com/office/powerpoint/2010/main" val="3180038451"/>
+              </p:ext>
+            </p:extLst>
+          </p:nvPr>
+        </p:nvGraphicFramePr>
+        <p:xfrm>
+          <a:off x="5181600" y="568325"/>
+          <a:ext cx="6248400" cy="5656263"/>
+        </p:xfrm>
+        <a:graphic>
+          <a:graphicData uri="http://schemas.openxmlformats.org/drawingml/2006/diagram">
+            <dgm:relIds xmlns:dgm="http://schemas.openxmlformats.org/drawingml/2006/diagram" xmlns:r="http://schemas.openxmlformats.org/officeDocument/2006/relationships" r:dm="rId2" r:lo="rId3" r:qs="rId4" r:cs="rId5"/>
+          </a:graphicData>
+        </a:graphic>
+      </p:graphicFrame>
+    </p:spTree>
+    <p:extLst>
+      <p:ext uri="{BB962C8B-B14F-4D97-AF65-F5344CB8AC3E}">
+        <p14:creationId xmlns:p14="http://schemas.microsoft.com/office/powerpoint/2010/main" val="2228213685"/>
+      </p:ext>
+    </p:extLst>
+  </p:cSld>
+  <p:clrMapOvr>
+    <a:masterClrMapping/>
+  </p:clrMapOvr>
+</p:sld>
+</file>
+
+<file path=ppt/slides/slide3.xml><?xml version="1.0" encoding="utf-8"?>
+<p:sld xmlns:a="http://schemas.openxmlformats.org/drawingml/2006/main" xmlns:r="http://schemas.openxmlformats.org/officeDocument/2006/relationships" xmlns:p="http://schemas.openxmlformats.org/presentationml/2006/main">
+  <p:cSld>
+    <p:bg>
+      <p:bgPr>
+        <a:solidFill>
+          <a:schemeClr val="bg1"/>
+        </a:solidFill>
+        <a:effectLst/>
+      </p:bgPr>
+    </p:bg>
+    <p:spTree>
+      <p:nvGrpSpPr>
+        <p:cNvPr id="1" name=""/>
+        <p:cNvGrpSpPr/>
+        <p:nvPr/>
+      </p:nvGrpSpPr>
+      <p:grpSpPr>
+        <a:xfrm>
+          <a:off x="0" y="0"/>
+          <a:ext cx="0" cy="0"/>
+          <a:chOff x="0" y="0"/>
+          <a:chExt cx="0" cy="0"/>
+        </a:xfrm>
+      </p:grpSpPr>
+      <p:sp useBgFill="1">
+        <p:nvSpPr>
+          <p:cNvPr id="8" name="Rectangle 7">
+            <a:extLst>
+              <a:ext uri="{FF2B5EF4-FFF2-40B4-BE49-F238E27FC236}">
+                <a16:creationId xmlns:a16="http://schemas.microsoft.com/office/drawing/2014/main" id="{907EF6B7-1338-4443-8C46-6A318D952DFD}"/>
+              </a:ext>
+              <a:ext uri="{C183D7F6-B498-43B3-948B-1728B52AA6E4}">
+                <adec:decorative xmlns:adec="http://schemas.microsoft.com/office/drawing/2017/decorative" val="1"/>
+              </a:ext>
+            </a:extLst>
+          </p:cNvPr>
+          <p:cNvSpPr>
+            <a:spLocks noGrp="1" noRot="1" noChangeAspect="1" noMove="1" noResize="1" noEditPoints="1" noAdjustHandles="1" noChangeArrowheads="1" noChangeShapeType="1" noTextEdit="1"/>
+          </p:cNvSpPr>
+          <p:nvPr>
+            <p:extLst>
+              <p:ext uri="{386F3935-93C4-4BCD-93E2-E3B085C9AB24}">
+                <p16:designElem xmlns:p16="http://schemas.microsoft.com/office/powerpoint/2015/main" val="1"/>
+              </p:ext>
+            </p:extLst>
+          </p:nvPr>
+        </p:nvSpPr>
+        <p:spPr>
+          <a:xfrm>
+            <a:off x="3048" y="0"/>
+            <a:ext cx="12188952" cy="6858000"/>
+          </a:xfrm>
+          <a:prstGeom prst="rect">
+            <a:avLst/>
+          </a:prstGeom>
+          <a:ln>
+            <a:noFill/>
+          </a:ln>
+        </p:spPr>
+        <p:style>
+          <a:lnRef idx="2">
+            <a:schemeClr val="accent1">
+              <a:shade val="50000"/>
+            </a:schemeClr>
+          </a:lnRef>
+          <a:fillRef idx="1">
+            <a:schemeClr val="accent1"/>
+          </a:fillRef>
+          <a:effectRef idx="0">
+            <a:schemeClr val="accent1"/>
+          </a:effectRef>
+          <a:fontRef idx="minor">
+            <a:schemeClr val="lt1"/>
+          </a:fontRef>
+        </p:style>
+        <p:txBody>
+          <a:bodyPr rtlCol="0" anchor="ctr"/>
+          <a:lstStyle/>
+          <a:p>
+            <a:pPr algn="ctr"/>
+            <a:endParaRPr lang="en-US"/>
+          </a:p>
+        </p:txBody>
+      </p:sp>
+      <p:sp>
+        <p:nvSpPr>
+          <p:cNvPr id="20" name="Freeform: Shape 9">
+            <a:extLst>
+              <a:ext uri="{FF2B5EF4-FFF2-40B4-BE49-F238E27FC236}">
+                <a16:creationId xmlns:a16="http://schemas.microsoft.com/office/drawing/2014/main" id="{DAAE4CDD-124C-4DCF-9584-B6033B545DD5}"/>
+              </a:ext>
+              <a:ext uri="{C183D7F6-B498-43B3-948B-1728B52AA6E4}">
+                <adec:decorative xmlns:adec="http://schemas.microsoft.com/office/drawing/2017/decorative" val="1"/>
+              </a:ext>
+            </a:extLst>
+          </p:cNvPr>
+          <p:cNvSpPr>
+            <a:spLocks noGrp="1" noRot="1" noChangeAspect="1" noMove="1" noResize="1" noEditPoints="1" noAdjustHandles="1" noChangeArrowheads="1" noChangeShapeType="1" noTextEdit="1"/>
+          </p:cNvSpPr>
+          <p:nvPr>
+            <p:extLst>
+              <p:ext uri="{386F3935-93C4-4BCD-93E2-E3B085C9AB24}">
+                <p16:designElem xmlns:p16="http://schemas.microsoft.com/office/powerpoint/2015/main" val="1"/>
+              </p:ext>
+            </p:extLst>
+          </p:nvPr>
+        </p:nvSpPr>
+        <p:spPr>
+          <a:xfrm>
+            <a:off x="1" y="0"/>
+            <a:ext cx="4167271" cy="6858000"/>
+          </a:xfrm>
+          <a:custGeom>
+            <a:avLst/>
+            <a:gdLst>
+              <a:gd name="connsiteX0" fmla="*/ 0 w 4167271"/>
+              <a:gd name="connsiteY0" fmla="*/ 0 h 6858000"/>
+              <a:gd name="connsiteX1" fmla="*/ 2259550 w 4167271"/>
+              <a:gd name="connsiteY1" fmla="*/ 0 h 6858000"/>
+              <a:gd name="connsiteX2" fmla="*/ 2387803 w 4167271"/>
+              <a:gd name="connsiteY2" fmla="*/ 82222 h 6858000"/>
+              <a:gd name="connsiteX3" fmla="*/ 4167271 w 4167271"/>
+              <a:gd name="connsiteY3" fmla="*/ 3429000 h 6858000"/>
+              <a:gd name="connsiteX4" fmla="*/ 2387803 w 4167271"/>
+              <a:gd name="connsiteY4" fmla="*/ 6775779 h 6858000"/>
+              <a:gd name="connsiteX5" fmla="*/ 2259550 w 4167271"/>
+              <a:gd name="connsiteY5" fmla="*/ 6858000 h 6858000"/>
+              <a:gd name="connsiteX6" fmla="*/ 0 w 4167271"/>
+              <a:gd name="connsiteY6" fmla="*/ 6858000 h 6858000"/>
+            </a:gdLst>
+            <a:ahLst/>
+            <a:cxnLst>
+              <a:cxn ang="0">
+                <a:pos x="connsiteX0" y="connsiteY0"/>
+              </a:cxn>
+              <a:cxn ang="0">
+                <a:pos x="connsiteX1" y="connsiteY1"/>
+              </a:cxn>
+              <a:cxn ang="0">
+                <a:pos x="connsiteX2" y="connsiteY2"/>
+              </a:cxn>
+              <a:cxn ang="0">
+                <a:pos x="connsiteX3" y="connsiteY3"/>
+              </a:cxn>
+              <a:cxn ang="0">
+                <a:pos x="connsiteX4" y="connsiteY4"/>
+              </a:cxn>
+              <a:cxn ang="0">
+                <a:pos x="connsiteX5" y="connsiteY5"/>
+              </a:cxn>
+              <a:cxn ang="0">
+                <a:pos x="connsiteX6" y="connsiteY6"/>
+              </a:cxn>
+            </a:cxnLst>
+            <a:rect l="l" t="t" r="r" b="b"/>
+            <a:pathLst>
+              <a:path w="4167271" h="6858000">
+                <a:moveTo>
+                  <a:pt x="0" y="0"/>
+                </a:moveTo>
+                <a:lnTo>
+                  <a:pt x="2259550" y="0"/>
+                </a:lnTo>
+                <a:lnTo>
+                  <a:pt x="2387803" y="82222"/>
+                </a:lnTo>
+                <a:cubicBezTo>
+                  <a:pt x="3461407" y="807534"/>
+                  <a:pt x="4167271" y="2035835"/>
+                  <a:pt x="4167271" y="3429000"/>
+                </a:cubicBezTo>
+                <a:cubicBezTo>
+                  <a:pt x="4167271" y="4822165"/>
+                  <a:pt x="3461407" y="6050467"/>
+                  <a:pt x="2387803" y="6775779"/>
+                </a:cubicBezTo>
+                <a:lnTo>
+                  <a:pt x="2259550" y="6858000"/>
+                </a:lnTo>
+                <a:lnTo>
+                  <a:pt x="0" y="6858000"/>
+                </a:lnTo>
+                <a:close/>
+              </a:path>
+            </a:pathLst>
+          </a:custGeom>
+          <a:solidFill>
+            <a:schemeClr val="accent2"/>
+          </a:solidFill>
+          <a:ln>
+            <a:noFill/>
+          </a:ln>
+        </p:spPr>
+        <p:style>
+          <a:lnRef idx="2">
+            <a:schemeClr val="accent1">
+              <a:shade val="50000"/>
+            </a:schemeClr>
+          </a:lnRef>
+          <a:fillRef idx="1">
+            <a:schemeClr val="accent1"/>
+          </a:fillRef>
+          <a:effectRef idx="0">
+            <a:schemeClr val="accent1"/>
+          </a:effectRef>
+          <a:fontRef idx="minor">
+            <a:schemeClr val="lt1"/>
+          </a:fontRef>
+        </p:style>
+        <p:txBody>
+          <a:bodyPr rtlCol="0" anchor="ctr"/>
+          <a:lstStyle/>
+          <a:p>
+            <a:pPr algn="ctr"/>
+            <a:endParaRPr lang="en-US"/>
+          </a:p>
+        </p:txBody>
+      </p:sp>
+      <p:sp>
+        <p:nvSpPr>
+          <p:cNvPr id="2" name="Title 1">
+            <a:extLst>
+              <a:ext uri="{FF2B5EF4-FFF2-40B4-BE49-F238E27FC236}">
+                <a16:creationId xmlns:a16="http://schemas.microsoft.com/office/drawing/2014/main" id="{FAAEA80D-DFC5-4BB0-8EC1-F36D5027BD22}"/>
+              </a:ext>
+            </a:extLst>
+          </p:cNvPr>
+          <p:cNvSpPr>
+            <a:spLocks noGrp="1"/>
+          </p:cNvSpPr>
+          <p:nvPr>
+            <p:ph type="title"/>
+          </p:nvPr>
+        </p:nvSpPr>
+        <p:spPr>
+          <a:xfrm>
+            <a:off x="686834" y="1153572"/>
+            <a:ext cx="3200400" cy="4461163"/>
+          </a:xfrm>
+        </p:spPr>
+        <p:txBody>
+          <a:bodyPr>
+            <a:normAutofit/>
+          </a:bodyPr>
+          <a:lstStyle/>
+          <a:p>
+            <a:r>
+              <a:rPr lang="en-US">
+                <a:solidFill>
+                  <a:srgbClr val="FFFFFF"/>
+                </a:solidFill>
+              </a:rPr>
+              <a:t>Issues</a:t>
+            </a:r>
+          </a:p>
+        </p:txBody>
+      </p:sp>
+      <p:sp>
+        <p:nvSpPr>
+          <p:cNvPr id="21" name="Arc 11">
+            <a:extLst>
+              <a:ext uri="{FF2B5EF4-FFF2-40B4-BE49-F238E27FC236}">
+                <a16:creationId xmlns:a16="http://schemas.microsoft.com/office/drawing/2014/main" id="{081E4A58-353D-44AE-B2FC-2A74E2E400F7}"/>
+              </a:ext>
+              <a:ext uri="{C183D7F6-B498-43B3-948B-1728B52AA6E4}">
+                <adec:decorative xmlns:adec="http://schemas.microsoft.com/office/drawing/2017/decorative" val="1"/>
+              </a:ext>
+            </a:extLst>
+          </p:cNvPr>
+          <p:cNvSpPr>
+            <a:spLocks noGrp="1" noRot="1" noChangeAspect="1" noMove="1" noResize="1" noEditPoints="1" noAdjustHandles="1" noChangeArrowheads="1" noChangeShapeType="1" noTextEdit="1"/>
+          </p:cNvSpPr>
+          <p:nvPr>
+            <p:extLst>
+              <p:ext uri="{386F3935-93C4-4BCD-93E2-E3B085C9AB24}">
+                <p16:designElem xmlns:p16="http://schemas.microsoft.com/office/powerpoint/2015/main" val="1"/>
+              </p:ext>
+            </p:extLst>
+          </p:nvPr>
+        </p:nvSpPr>
+        <p:spPr>
+          <a:xfrm flipV="1">
+            <a:off x="7550402" y="2455479"/>
+            <a:ext cx="4083433" cy="4083433"/>
+          </a:xfrm>
+          <a:prstGeom prst="arc">
+            <a:avLst/>
+          </a:prstGeom>
+          <a:ln w="127000" cap="rnd">
+            <a:solidFill>
+              <a:schemeClr val="accent4"/>
+            </a:solidFill>
+            <a:prstDash val="dash"/>
+          </a:ln>
+        </p:spPr>
+        <p:style>
+          <a:lnRef idx="1">
+            <a:schemeClr val="accent1"/>
+          </a:lnRef>
+          <a:fillRef idx="0">
+            <a:schemeClr val="accent1"/>
+          </a:fillRef>
+          <a:effectRef idx="0">
+            <a:schemeClr val="accent1"/>
+          </a:effectRef>
+          <a:fontRef idx="minor">
+            <a:schemeClr val="tx1"/>
+          </a:fontRef>
+        </p:style>
+        <p:txBody>
+          <a:bodyPr rtlCol="0" anchor="ctr"/>
+          <a:lstStyle/>
+          <a:p>
+            <a:pPr algn="ctr"/>
+            <a:endParaRPr lang="en-US" dirty="0"/>
+          </a:p>
+        </p:txBody>
+      </p:sp>
+      <p:sp>
+        <p:nvSpPr>
+          <p:cNvPr id="22" name="Content Placeholder 2">
+            <a:extLst>
+              <a:ext uri="{FF2B5EF4-FFF2-40B4-BE49-F238E27FC236}">
+                <a16:creationId xmlns:a16="http://schemas.microsoft.com/office/drawing/2014/main" id="{5B4B8676-6950-404C-A0E4-A91D8CBA8DA6}"/>
+              </a:ext>
+            </a:extLst>
+          </p:cNvPr>
+          <p:cNvSpPr>
+            <a:spLocks noGrp="1"/>
+          </p:cNvSpPr>
+          <p:nvPr>
+            <p:ph idx="1"/>
+          </p:nvPr>
+        </p:nvSpPr>
+        <p:spPr>
+          <a:xfrm>
+            <a:off x="4447308" y="591344"/>
+            <a:ext cx="6906491" cy="5585619"/>
+          </a:xfrm>
+        </p:spPr>
+        <p:txBody>
+          <a:bodyPr anchor="ctr">
+            <a:normAutofit/>
+          </a:bodyPr>
+          <a:lstStyle/>
+          <a:p>
+            <a:r>
+              <a:rPr lang="en-US"/>
+              <a:t>As you can see here: </a:t>
+            </a:r>
+            <a:r>
+              <a:rPr lang="en-US">
+                <a:hlinkClick r:id="rId2"/>
+              </a:rPr>
+              <a:t>https://github.com/matthewfcarlson/CS590-A2/tree/9f2f0664bf8c66fae7190a5ab55b5cb3402db749</a:t>
+            </a:r>
+            <a:r>
+              <a:rPr lang="en-US"/>
+              <a:t> I tried to use </a:t>
+            </a:r>
+            <a:r>
+              <a:rPr lang="en-US" err="1"/>
+              <a:t>FreeRTOS</a:t>
+            </a:r>
+            <a:r>
+              <a:rPr lang="en-US"/>
+              <a:t> but ran into issues with libraries not being re-entrant (the display logic in particular).</a:t>
+            </a:r>
+          </a:p>
+          <a:p>
+            <a:r>
+              <a:rPr lang="en-US"/>
+              <a:t>I’ll investigate making the schedule non-pre-emptive? So far it looks tricky</a:t>
+            </a:r>
+          </a:p>
+          <a:p>
+            <a:r>
+              <a:rPr lang="en-US"/>
+              <a:t>I had to reformat this code so it doesn’t use </a:t>
+            </a:r>
+            <a:r>
+              <a:rPr lang="en-US" err="1"/>
+              <a:t>FreeRTOS</a:t>
+            </a:r>
+            <a:endParaRPr lang="en-US"/>
+          </a:p>
+          <a:p>
+            <a:r>
+              <a:rPr lang="en-US"/>
+              <a:t>I implemented a cooperative mini RTOS inside </a:t>
+            </a:r>
+            <a:r>
+              <a:rPr lang="en-US" err="1"/>
+              <a:t>FreeRTOS</a:t>
+            </a:r>
+            <a:endParaRPr lang="en-US"/>
+          </a:p>
+          <a:p>
+            <a:endParaRPr lang="en-US"/>
+          </a:p>
+        </p:txBody>
+      </p:sp>
+    </p:spTree>
+    <p:extLst>
+      <p:ext uri="{BB962C8B-B14F-4D97-AF65-F5344CB8AC3E}">
+        <p14:creationId xmlns:p14="http://schemas.microsoft.com/office/powerpoint/2010/main" val="1298325850"/>
+      </p:ext>
+    </p:extLst>
+  </p:cSld>
+  <p:clrMapOvr>
+    <a:masterClrMapping/>
+  </p:clrMapOvr>
+</p:sld>
+</file>
+
+<file path=ppt/slides/slide4.xml><?xml version="1.0" encoding="utf-8"?>
+<p:sld xmlns:a="http://schemas.openxmlformats.org/drawingml/2006/main" xmlns:r="http://schemas.openxmlformats.org/officeDocument/2006/relationships" xmlns:p="http://schemas.openxmlformats.org/presentationml/2006/main">
+  <p:cSld>
+    <p:bg>
+      <p:bgPr>
+        <a:solidFill>
+          <a:schemeClr val="bg1"/>
+        </a:solidFill>
+        <a:effectLst/>
+      </p:bgPr>
+    </p:bg>
+    <p:spTree>
+      <p:nvGrpSpPr>
+        <p:cNvPr id="1" name=""/>
+        <p:cNvGrpSpPr/>
+        <p:nvPr/>
+      </p:nvGrpSpPr>
+      <p:grpSpPr>
+        <a:xfrm>
+          <a:off x="0" y="0"/>
+          <a:ext cx="0" cy="0"/>
+          <a:chOff x="0" y="0"/>
+          <a:chExt cx="0" cy="0"/>
+        </a:xfrm>
+      </p:grpSpPr>
+      <p:sp useBgFill="1">
+        <p:nvSpPr>
+          <p:cNvPr id="17" name="Rectangle 16">
+            <a:extLst>
+              <a:ext uri="{FF2B5EF4-FFF2-40B4-BE49-F238E27FC236}">
+                <a16:creationId xmlns:a16="http://schemas.microsoft.com/office/drawing/2014/main" id="{700E0F77-E936-4985-B7B1-B9823486AC33}"/>
+              </a:ext>
+              <a:ext uri="{C183D7F6-B498-43B3-948B-1728B52AA6E4}">
+                <adec:decorative xmlns:adec="http://schemas.microsoft.com/office/drawing/2017/decorative" val="1"/>
+              </a:ext>
+            </a:extLst>
+          </p:cNvPr>
+          <p:cNvSpPr>
+            <a:spLocks noGrp="1" noRot="1" noChangeAspect="1" noMove="1" noResize="1" noEditPoints="1" noAdjustHandles="1" noChangeArrowheads="1" noChangeShapeType="1" noTextEdit="1"/>
+          </p:cNvSpPr>
+          <p:nvPr>
+            <p:extLst>
+              <p:ext uri="{386F3935-93C4-4BCD-93E2-E3B085C9AB24}">
+                <p16:designElem xmlns:p16="http://schemas.microsoft.com/office/powerpoint/2015/main" val="1"/>
+              </p:ext>
+            </p:extLst>
+          </p:nvPr>
+        </p:nvSpPr>
+        <p:spPr>
+          <a:xfrm>
+            <a:off x="0" y="0"/>
+            <a:ext cx="12191999" cy="6857365"/>
+          </a:xfrm>
+          <a:prstGeom prst="rect">
+            <a:avLst/>
+          </a:prstGeom>
+          <a:ln>
+            <a:noFill/>
+          </a:ln>
+        </p:spPr>
+        <p:style>
+          <a:lnRef idx="2">
+            <a:schemeClr val="accent1">
+              <a:shade val="50000"/>
+            </a:schemeClr>
+          </a:lnRef>
+          <a:fillRef idx="1">
+            <a:schemeClr val="accent1"/>
+          </a:fillRef>
+          <a:effectRef idx="0">
+            <a:schemeClr val="accent1"/>
+          </a:effectRef>
+          <a:fontRef idx="minor">
+            <a:schemeClr val="lt1"/>
+          </a:fontRef>
+        </p:style>
+        <p:txBody>
+          <a:bodyPr rtlCol="0" anchor="ctr"/>
+          <a:lstStyle/>
+          <a:p>
+            <a:pPr algn="ctr"/>
+            <a:endParaRPr lang="en-US"/>
+          </a:p>
+        </p:txBody>
+      </p:sp>
+      <p:sp>
+        <p:nvSpPr>
+          <p:cNvPr id="2" name="Title 1">
+            <a:extLst>
+              <a:ext uri="{FF2B5EF4-FFF2-40B4-BE49-F238E27FC236}">
+                <a16:creationId xmlns:a16="http://schemas.microsoft.com/office/drawing/2014/main" id="{A7F79213-BAE9-45E7-8605-045E6127D5EE}"/>
+              </a:ext>
+            </a:extLst>
+          </p:cNvPr>
+          <p:cNvSpPr>
+            <a:spLocks noGrp="1"/>
+          </p:cNvSpPr>
+          <p:nvPr>
+            <p:ph type="title"/>
+          </p:nvPr>
+        </p:nvSpPr>
+        <p:spPr>
+          <a:xfrm>
+            <a:off x="517889" y="4883544"/>
+            <a:ext cx="3876086" cy="1556907"/>
+          </a:xfrm>
+        </p:spPr>
+        <p:txBody>
+          <a:bodyPr anchor="ctr">
+            <a:normAutofit/>
+          </a:bodyPr>
+          <a:lstStyle/>
+          <a:p>
+            <a:r>
+              <a:rPr lang="en-US" sz="3200"/>
+              <a:t>The design</a:t>
+            </a:r>
+          </a:p>
+        </p:txBody>
+      </p:sp>
+      <p:sp>
+        <p:nvSpPr>
+          <p:cNvPr id="19" name="Rectangle 18">
+            <a:extLst>
+              <a:ext uri="{FF2B5EF4-FFF2-40B4-BE49-F238E27FC236}">
+                <a16:creationId xmlns:a16="http://schemas.microsoft.com/office/drawing/2014/main" id="{95C8260E-968F-44E8-A823-ABB431311926}"/>
+              </a:ext>
+              <a:ext uri="{C183D7F6-B498-43B3-948B-1728B52AA6E4}">
+                <adec:decorative xmlns:adec="http://schemas.microsoft.com/office/drawing/2017/decorative" val="1"/>
+              </a:ext>
+            </a:extLst>
+          </p:cNvPr>
+          <p:cNvSpPr>
+            <a:spLocks noGrp="1" noRot="1" noChangeAspect="1" noMove="1" noResize="1" noEditPoints="1" noAdjustHandles="1" noChangeArrowheads="1" noChangeShapeType="1" noTextEdit="1"/>
+          </p:cNvSpPr>
+          <p:nvPr>
+            <p:extLst>
+              <p:ext uri="{386F3935-93C4-4BCD-93E2-E3B085C9AB24}">
+                <p16:designElem xmlns:p16="http://schemas.microsoft.com/office/powerpoint/2015/main" val="1"/>
+              </p:ext>
+            </p:extLst>
+          </p:nvPr>
+        </p:nvSpPr>
+        <p:spPr>
+          <a:xfrm>
+            <a:off x="0" y="0"/>
+            <a:ext cx="12192000" cy="865848"/>
+          </a:xfrm>
+          <a:prstGeom prst="rect">
+            <a:avLst/>
+          </a:prstGeom>
+          <a:solidFill>
+            <a:schemeClr val="accent4"/>
+          </a:solidFill>
+          <a:ln>
+            <a:noFill/>
+          </a:ln>
+        </p:spPr>
+        <p:style>
+          <a:lnRef idx="2">
+            <a:schemeClr val="accent1">
+              <a:shade val="50000"/>
+            </a:schemeClr>
+          </a:lnRef>
+          <a:fillRef idx="1">
+            <a:schemeClr val="accent1"/>
+          </a:fillRef>
+          <a:effectRef idx="0">
+            <a:schemeClr val="accent1"/>
+          </a:effectRef>
+          <a:fontRef idx="minor">
+            <a:schemeClr val="lt1"/>
+          </a:fontRef>
+        </p:style>
+        <p:txBody>
+          <a:bodyPr rtlCol="0" anchor="ctr"/>
+          <a:lstStyle/>
+          <a:p>
+            <a:pPr algn="ctr"/>
+            <a:endParaRPr lang="en-US"/>
+          </a:p>
+        </p:txBody>
+      </p:sp>
+      <p:sp>
+        <p:nvSpPr>
+          <p:cNvPr id="21" name="Rectangle 20">
+            <a:extLst>
+              <a:ext uri="{FF2B5EF4-FFF2-40B4-BE49-F238E27FC236}">
+                <a16:creationId xmlns:a16="http://schemas.microsoft.com/office/drawing/2014/main" id="{2C1BBA94-3F40-40AA-8BB9-E69E25E537C1}"/>
+              </a:ext>
+              <a:ext uri="{C183D7F6-B498-43B3-948B-1728B52AA6E4}">
+                <adec:decorative xmlns:adec="http://schemas.microsoft.com/office/drawing/2017/decorative" val="1"/>
+              </a:ext>
+            </a:extLst>
+          </p:cNvPr>
+          <p:cNvSpPr>
+            <a:spLocks noGrp="1" noRot="1" noChangeAspect="1" noMove="1" noResize="1" noEditPoints="1" noAdjustHandles="1" noChangeArrowheads="1" noChangeShapeType="1" noTextEdit="1"/>
+          </p:cNvSpPr>
+          <p:nvPr>
+            <p:extLst>
+              <p:ext uri="{386F3935-93C4-4BCD-93E2-E3B085C9AB24}">
+                <p16:designElem xmlns:p16="http://schemas.microsoft.com/office/powerpoint/2015/main" val="1"/>
+              </p:ext>
+            </p:extLst>
+          </p:nvPr>
+        </p:nvSpPr>
+        <p:spPr>
+          <a:xfrm>
+            <a:off x="517889" y="0"/>
+            <a:ext cx="11231745" cy="4588184"/>
+          </a:xfrm>
+          <a:prstGeom prst="rect">
+            <a:avLst/>
+          </a:prstGeom>
+          <a:solidFill>
+            <a:schemeClr val="bg1"/>
+          </a:solidFill>
+          <a:ln>
+            <a:noFill/>
+          </a:ln>
+          <a:effectLst>
+            <a:outerShdw blurRad="139700" dist="127000" dir="5400000" algn="t" rotWithShape="0">
+              <a:prstClr val="black">
+                <a:alpha val="15000"/>
+              </a:prstClr>
+            </a:outerShdw>
+          </a:effectLst>
+        </p:spPr>
+        <p:style>
+          <a:lnRef idx="2">
+            <a:schemeClr val="accent1">
+              <a:shade val="50000"/>
+            </a:schemeClr>
+          </a:lnRef>
+          <a:fillRef idx="1">
+            <a:schemeClr val="accent1"/>
+          </a:fillRef>
+          <a:effectRef idx="0">
+            <a:schemeClr val="accent1"/>
+          </a:effectRef>
+          <a:fontRef idx="minor">
+            <a:schemeClr val="lt1"/>
+          </a:fontRef>
+        </p:style>
+        <p:txBody>
+          <a:bodyPr rtlCol="0" anchor="ctr"/>
+          <a:lstStyle/>
+          <a:p>
+            <a:pPr algn="ctr"/>
+            <a:endParaRPr lang="en-US"/>
+          </a:p>
+        </p:txBody>
+      </p:sp>
+      <p:sp>
+        <p:nvSpPr>
+          <p:cNvPr id="23" name="Rectangle 22">
+            <a:extLst>
+              <a:ext uri="{FF2B5EF4-FFF2-40B4-BE49-F238E27FC236}">
+                <a16:creationId xmlns:a16="http://schemas.microsoft.com/office/drawing/2014/main" id="{FE43805F-24A6-46A4-B19B-54F28347355C}"/>
+              </a:ext>
+              <a:ext uri="{C183D7F6-B498-43B3-948B-1728B52AA6E4}">
+                <adec:decorative xmlns:adec="http://schemas.microsoft.com/office/drawing/2017/decorative" val="1"/>
+              </a:ext>
+            </a:extLst>
+          </p:cNvPr>
+          <p:cNvSpPr>
+            <a:spLocks noGrp="1" noRot="1" noChangeAspect="1" noMove="1" noResize="1" noEditPoints="1" noAdjustHandles="1" noChangeArrowheads="1" noChangeShapeType="1" noTextEdit="1"/>
+          </p:cNvSpPr>
+          <p:nvPr>
+            <p:extLst>
+              <p:ext uri="{386F3935-93C4-4BCD-93E2-E3B085C9AB24}">
+                <p16:designElem xmlns:p16="http://schemas.microsoft.com/office/powerpoint/2015/main" val="1"/>
+              </p:ext>
+            </p:extLst>
+          </p:nvPr>
+        </p:nvSpPr>
+        <p:spPr>
+          <a:xfrm rot="5400000" flipH="1">
+            <a:off x="4001107" y="5661132"/>
+            <a:ext cx="1463040" cy="45719"/>
+          </a:xfrm>
+          <a:prstGeom prst="rect">
+            <a:avLst/>
+          </a:prstGeom>
+          <a:solidFill>
+            <a:schemeClr val="accent4"/>
+          </a:solidFill>
+          <a:ln>
+            <a:noFill/>
+          </a:ln>
+        </p:spPr>
+        <p:style>
+          <a:lnRef idx="2">
+            <a:schemeClr val="accent1">
+              <a:shade val="50000"/>
+            </a:schemeClr>
+          </a:lnRef>
+          <a:fillRef idx="1">
+            <a:schemeClr val="accent1"/>
+          </a:fillRef>
+          <a:effectRef idx="0">
+            <a:schemeClr val="accent1"/>
+          </a:effectRef>
+          <a:fontRef idx="minor">
+            <a:schemeClr val="lt1"/>
+          </a:fontRef>
+        </p:style>
+        <p:txBody>
+          <a:bodyPr rtlCol="0" anchor="ctr"/>
+          <a:lstStyle/>
+          <a:p>
+            <a:pPr algn="ctr"/>
+            <a:endParaRPr lang="en-US"/>
+          </a:p>
+        </p:txBody>
+      </p:sp>
+      <p:sp>
+        <p:nvSpPr>
+          <p:cNvPr id="3" name="Content Placeholder 2">
+            <a:extLst>
+              <a:ext uri="{FF2B5EF4-FFF2-40B4-BE49-F238E27FC236}">
+                <a16:creationId xmlns:a16="http://schemas.microsoft.com/office/drawing/2014/main" id="{C4D942E2-E552-4A52-9E65-A5EF6F9484B3}"/>
+              </a:ext>
+            </a:extLst>
+          </p:cNvPr>
+          <p:cNvSpPr>
+            <a:spLocks noGrp="1"/>
+          </p:cNvSpPr>
+          <p:nvPr>
+            <p:ph idx="1"/>
+          </p:nvPr>
+        </p:nvSpPr>
+        <p:spPr>
+          <a:xfrm>
+            <a:off x="5162719" y="4883544"/>
+            <a:ext cx="6586915" cy="1556907"/>
+          </a:xfrm>
+        </p:spPr>
+        <p:txBody>
+          <a:bodyPr anchor="ctr">
+            <a:normAutofit/>
+          </a:bodyPr>
+          <a:lstStyle/>
+          <a:p>
+            <a:endParaRPr lang="en-US" sz="1800"/>
+          </a:p>
+        </p:txBody>
+      </p:sp>
+      <p:grpSp>
+        <p:nvGrpSpPr>
+          <p:cNvPr id="12" name="Group 11">
+            <a:extLst>
+              <a:ext uri="{FF2B5EF4-FFF2-40B4-BE49-F238E27FC236}">
+                <a16:creationId xmlns:a16="http://schemas.microsoft.com/office/drawing/2014/main" id="{4B9CFFB5-DABE-421C-BAB5-6EBC94B20787}"/>
+              </a:ext>
+            </a:extLst>
+          </p:cNvPr>
+          <p:cNvGrpSpPr/>
+          <p:nvPr/>
+        </p:nvGrpSpPr>
+        <p:grpSpPr>
+          <a:xfrm>
+            <a:off x="1442720" y="91756"/>
+            <a:ext cx="9402614" cy="4412766"/>
+            <a:chOff x="1895302" y="2040075"/>
+            <a:chExt cx="8487294" cy="3983196"/>
+          </a:xfrm>
+        </p:grpSpPr>
+        <p:sp>
+          <p:nvSpPr>
+            <p:cNvPr id="4" name="Rectangle 3">
+              <a:extLst>
+                <a:ext uri="{FF2B5EF4-FFF2-40B4-BE49-F238E27FC236}">
+                  <a16:creationId xmlns:a16="http://schemas.microsoft.com/office/drawing/2014/main" id="{EF1FD4C6-BB22-487B-9EC5-C0814FA8CCDC}"/>
+                </a:ext>
+              </a:extLst>
+            </p:cNvPr>
+            <p:cNvSpPr/>
+            <p:nvPr/>
+          </p:nvSpPr>
+          <p:spPr>
+            <a:xfrm>
+              <a:off x="1895302" y="2111433"/>
+              <a:ext cx="8487294" cy="3840480"/>
+            </a:xfrm>
+            <a:prstGeom prst="rect">
+              <a:avLst/>
+            </a:prstGeom>
+          </p:spPr>
+          <p:style>
+            <a:lnRef idx="2">
+              <a:schemeClr val="dk1">
+                <a:shade val="50000"/>
+              </a:schemeClr>
+            </a:lnRef>
+            <a:fillRef idx="1">
+              <a:schemeClr val="dk1"/>
+            </a:fillRef>
+            <a:effectRef idx="0">
+              <a:schemeClr val="dk1"/>
+            </a:effectRef>
+            <a:fontRef idx="minor">
+              <a:schemeClr val="lt1"/>
+            </a:fontRef>
+          </p:style>
+          <p:txBody>
+            <a:bodyPr rtlCol="0" anchor="ctr"/>
+            <a:lstStyle/>
+            <a:p>
+              <a:pPr algn="ctr"/>
+              <a:endParaRPr lang="en-US"/>
+            </a:p>
+          </p:txBody>
+        </p:sp>
+        <p:sp>
+          <p:nvSpPr>
+            <p:cNvPr id="5" name="TextBox 4">
+              <a:extLst>
+                <a:ext uri="{FF2B5EF4-FFF2-40B4-BE49-F238E27FC236}">
+                  <a16:creationId xmlns:a16="http://schemas.microsoft.com/office/drawing/2014/main" id="{F413DD9C-990F-4B61-BACA-8C090A4BE9E9}"/>
+                </a:ext>
+              </a:extLst>
+            </p:cNvPr>
+            <p:cNvSpPr txBox="1"/>
+            <p:nvPr/>
+          </p:nvSpPr>
+          <p:spPr>
+            <a:xfrm>
+              <a:off x="6096000" y="2391508"/>
+              <a:ext cx="4286596" cy="3631763"/>
+            </a:xfrm>
+            <a:prstGeom prst="rect">
+              <a:avLst/>
+            </a:prstGeom>
+            <a:noFill/>
+          </p:spPr>
+          <p:txBody>
+            <a:bodyPr wrap="square" rtlCol="0">
+              <a:normAutofit lnSpcReduction="10000"/>
+            </a:bodyPr>
+            <a:lstStyle/>
+            <a:p>
+              <a:pPr algn="ctr">
+                <a:spcAft>
+                  <a:spcPts val="600"/>
+                </a:spcAft>
+              </a:pPr>
+              <a:r>
+                <a:rPr lang="en-US" sz="13800" b="1" dirty="0">
+                  <a:solidFill>
+                    <a:schemeClr val="bg1"/>
+                  </a:solidFill>
+                  <a:latin typeface="OCR A Extended" panose="02010509020102010303" pitchFamily="50" charset="0"/>
+                </a:rPr>
+                <a:t>25</a:t>
+              </a:r>
+              <a:br>
+                <a:rPr lang="en-US" sz="13800" b="1" dirty="0">
+                  <a:solidFill>
+                    <a:schemeClr val="bg1"/>
+                  </a:solidFill>
+                  <a:latin typeface="OCR A Extended" panose="02010509020102010303" pitchFamily="50" charset="0"/>
+                </a:rPr>
+              </a:br>
+              <a:r>
+                <a:rPr lang="en-US" sz="13800" b="1" dirty="0">
+                  <a:solidFill>
+                    <a:schemeClr val="bg1"/>
+                  </a:solidFill>
+                  <a:latin typeface="OCR A Extended" panose="02010509020102010303" pitchFamily="50" charset="0"/>
+                </a:rPr>
+                <a:t>53</a:t>
+              </a:r>
+            </a:p>
+          </p:txBody>
+        </p:sp>
+        <p:sp>
+          <p:nvSpPr>
+            <p:cNvPr id="6" name="TextBox 5">
+              <a:extLst>
+                <a:ext uri="{FF2B5EF4-FFF2-40B4-BE49-F238E27FC236}">
+                  <a16:creationId xmlns:a16="http://schemas.microsoft.com/office/drawing/2014/main" id="{B2DCED15-4880-47C8-ABC5-2F4778E521FE}"/>
+                </a:ext>
+              </a:extLst>
+            </p:cNvPr>
+            <p:cNvSpPr txBox="1"/>
+            <p:nvPr/>
+          </p:nvSpPr>
+          <p:spPr>
+            <a:xfrm>
+              <a:off x="6010102" y="2040075"/>
+              <a:ext cx="4286596" cy="707886"/>
+            </a:xfrm>
+            <a:prstGeom prst="rect">
+              <a:avLst/>
+            </a:prstGeom>
+            <a:noFill/>
+          </p:spPr>
+          <p:txBody>
+            <a:bodyPr wrap="square" rtlCol="0">
+              <a:normAutofit/>
+            </a:bodyPr>
+            <a:lstStyle/>
+            <a:p>
+              <a:pPr algn="r">
+                <a:lnSpc>
+                  <a:spcPct val="90000"/>
+                </a:lnSpc>
+                <a:spcAft>
+                  <a:spcPts val="600"/>
+                </a:spcAft>
+              </a:pPr>
+              <a:r>
+                <a:rPr lang="en-US" sz="4300">
+                  <a:solidFill>
+                    <a:schemeClr val="bg1"/>
+                  </a:solidFill>
+                  <a:latin typeface="OCR A Extended" panose="02010509020102010303" pitchFamily="50" charset="0"/>
+                </a:rPr>
+                <a:t>97%</a:t>
+              </a:r>
+            </a:p>
+          </p:txBody>
+        </p:sp>
+        <p:sp>
+          <p:nvSpPr>
+            <p:cNvPr id="7" name="Rectangle 6">
+              <a:extLst>
+                <a:ext uri="{FF2B5EF4-FFF2-40B4-BE49-F238E27FC236}">
+                  <a16:creationId xmlns:a16="http://schemas.microsoft.com/office/drawing/2014/main" id="{CB78A2DF-0BD4-4090-9FE6-89738074051E}"/>
+                </a:ext>
+              </a:extLst>
+            </p:cNvPr>
+            <p:cNvSpPr/>
+            <p:nvPr/>
+          </p:nvSpPr>
+          <p:spPr>
+            <a:xfrm>
+              <a:off x="2553286" y="2789595"/>
+              <a:ext cx="787791" cy="1477108"/>
+            </a:xfrm>
+            <a:prstGeom prst="rect">
+              <a:avLst/>
+            </a:prstGeom>
+            <a:solidFill>
+              <a:schemeClr val="tx1"/>
+            </a:solidFill>
+            <a:ln w="76200">
+              <a:solidFill>
+                <a:schemeClr val="bg1"/>
+              </a:solidFill>
+            </a:ln>
+          </p:spPr>
+          <p:style>
+            <a:lnRef idx="2">
+              <a:schemeClr val="accent6"/>
+            </a:lnRef>
+            <a:fillRef idx="1">
+              <a:schemeClr val="lt1"/>
+            </a:fillRef>
+            <a:effectRef idx="0">
+              <a:schemeClr val="accent6"/>
+            </a:effectRef>
+            <a:fontRef idx="minor">
+              <a:schemeClr val="dk1"/>
+            </a:fontRef>
+          </p:style>
+          <p:txBody>
+            <a:bodyPr rtlCol="0" anchor="ctr"/>
+            <a:lstStyle/>
+            <a:p>
+              <a:pPr algn="ctr"/>
+              <a:endParaRPr lang="en-US"/>
+            </a:p>
+          </p:txBody>
+        </p:sp>
+        <p:sp>
+          <p:nvSpPr>
+            <p:cNvPr id="8" name="Rectangle 7">
+              <a:extLst>
+                <a:ext uri="{FF2B5EF4-FFF2-40B4-BE49-F238E27FC236}">
+                  <a16:creationId xmlns:a16="http://schemas.microsoft.com/office/drawing/2014/main" id="{A49BC54E-59AA-4D03-986C-0930429B714C}"/>
+                </a:ext>
+              </a:extLst>
+            </p:cNvPr>
+            <p:cNvSpPr/>
+            <p:nvPr/>
+          </p:nvSpPr>
+          <p:spPr>
+            <a:xfrm>
+              <a:off x="4148797" y="2789595"/>
+              <a:ext cx="787791" cy="1477108"/>
+            </a:xfrm>
+            <a:prstGeom prst="rect">
+              <a:avLst/>
+            </a:prstGeom>
+            <a:solidFill>
+              <a:schemeClr val="tx1"/>
+            </a:solidFill>
+            <a:ln w="76200">
+              <a:solidFill>
+                <a:schemeClr val="bg1"/>
+              </a:solidFill>
+            </a:ln>
+          </p:spPr>
+          <p:style>
+            <a:lnRef idx="2">
+              <a:schemeClr val="accent6"/>
+            </a:lnRef>
+            <a:fillRef idx="1">
+              <a:schemeClr val="lt1"/>
+            </a:fillRef>
+            <a:effectRef idx="0">
+              <a:schemeClr val="accent6"/>
+            </a:effectRef>
+            <a:fontRef idx="minor">
+              <a:schemeClr val="dk1"/>
+            </a:fontRef>
+          </p:style>
+          <p:txBody>
+            <a:bodyPr rtlCol="0" anchor="ctr"/>
+            <a:lstStyle/>
+            <a:p>
+              <a:pPr algn="ctr"/>
+              <a:endParaRPr lang="en-US"/>
+            </a:p>
+          </p:txBody>
+        </p:sp>
+        <p:sp>
+          <p:nvSpPr>
+            <p:cNvPr id="9" name="Arc 8">
+              <a:extLst>
+                <a:ext uri="{FF2B5EF4-FFF2-40B4-BE49-F238E27FC236}">
+                  <a16:creationId xmlns:a16="http://schemas.microsoft.com/office/drawing/2014/main" id="{7BAE755B-6733-4B88-8EFB-7805027926E3}"/>
+                </a:ext>
+              </a:extLst>
+            </p:cNvPr>
+            <p:cNvSpPr/>
+            <p:nvPr/>
+          </p:nvSpPr>
+          <p:spPr>
+            <a:xfrm flipV="1">
+              <a:off x="2205750" y="4424288"/>
+              <a:ext cx="2919046" cy="492369"/>
+            </a:xfrm>
+            <a:prstGeom prst="arc">
+              <a:avLst>
+                <a:gd name="adj1" fmla="val 10896060"/>
+                <a:gd name="adj2" fmla="val 0"/>
+              </a:avLst>
+            </a:prstGeom>
+            <a:noFill/>
+            <a:ln w="76200">
+              <a:solidFill>
+                <a:schemeClr val="bg1"/>
+              </a:solidFill>
+            </a:ln>
+          </p:spPr>
+          <p:style>
+            <a:lnRef idx="1">
+              <a:schemeClr val="accent1"/>
+            </a:lnRef>
+            <a:fillRef idx="0">
+              <a:schemeClr val="accent1"/>
+            </a:fillRef>
+            <a:effectRef idx="0">
+              <a:schemeClr val="accent1"/>
+            </a:effectRef>
+            <a:fontRef idx="minor">
+              <a:schemeClr val="tx1"/>
+            </a:fontRef>
+          </p:style>
+          <p:txBody>
+            <a:bodyPr rtlCol="0" anchor="ctr"/>
+            <a:lstStyle/>
+            <a:p>
+              <a:pPr algn="ctr"/>
+              <a:endParaRPr lang="en-US"/>
+            </a:p>
+          </p:txBody>
+        </p:sp>
+        <p:sp>
+          <p:nvSpPr>
+            <p:cNvPr id="10" name="Rectangle 9">
+              <a:extLst>
+                <a:ext uri="{FF2B5EF4-FFF2-40B4-BE49-F238E27FC236}">
+                  <a16:creationId xmlns:a16="http://schemas.microsoft.com/office/drawing/2014/main" id="{0ED274B8-342C-49D1-8C93-1EDFEFFA89FC}"/>
+                </a:ext>
+              </a:extLst>
+            </p:cNvPr>
+            <p:cNvSpPr/>
+            <p:nvPr/>
+          </p:nvSpPr>
+          <p:spPr>
+            <a:xfrm>
+              <a:off x="2947181" y="3343312"/>
+              <a:ext cx="220392" cy="413236"/>
+            </a:xfrm>
+            <a:prstGeom prst="rect">
+              <a:avLst/>
+            </a:prstGeom>
+            <a:solidFill>
+              <a:schemeClr val="bg1"/>
+            </a:solidFill>
+            <a:ln w="76200">
+              <a:solidFill>
+                <a:schemeClr val="bg1"/>
+              </a:solidFill>
+            </a:ln>
+          </p:spPr>
+          <p:style>
+            <a:lnRef idx="2">
+              <a:schemeClr val="accent6"/>
+            </a:lnRef>
+            <a:fillRef idx="1">
+              <a:schemeClr val="lt1"/>
+            </a:fillRef>
+            <a:effectRef idx="0">
+              <a:schemeClr val="accent6"/>
+            </a:effectRef>
+            <a:fontRef idx="minor">
+              <a:schemeClr val="dk1"/>
+            </a:fontRef>
+          </p:style>
+          <p:txBody>
+            <a:bodyPr rtlCol="0" anchor="ctr"/>
+            <a:lstStyle/>
+            <a:p>
+              <a:pPr algn="ctr"/>
+              <a:endParaRPr lang="en-US"/>
+            </a:p>
+          </p:txBody>
+        </p:sp>
+        <p:sp>
+          <p:nvSpPr>
+            <p:cNvPr id="11" name="Rectangle 10">
+              <a:extLst>
+                <a:ext uri="{FF2B5EF4-FFF2-40B4-BE49-F238E27FC236}">
+                  <a16:creationId xmlns:a16="http://schemas.microsoft.com/office/drawing/2014/main" id="{E8F9EDD5-199D-418B-A7BF-081F2A82A21A}"/>
+                </a:ext>
+              </a:extLst>
+            </p:cNvPr>
+            <p:cNvSpPr/>
+            <p:nvPr/>
+          </p:nvSpPr>
+          <p:spPr>
+            <a:xfrm>
+              <a:off x="4326985" y="3337772"/>
+              <a:ext cx="220392" cy="413236"/>
+            </a:xfrm>
+            <a:prstGeom prst="rect">
+              <a:avLst/>
+            </a:prstGeom>
+            <a:solidFill>
+              <a:schemeClr val="bg1"/>
+            </a:solidFill>
+            <a:ln w="76200">
+              <a:solidFill>
+                <a:schemeClr val="bg1"/>
+              </a:solidFill>
+            </a:ln>
+          </p:spPr>
+          <p:style>
+            <a:lnRef idx="2">
+              <a:schemeClr val="accent6"/>
+            </a:lnRef>
+            <a:fillRef idx="1">
+              <a:schemeClr val="lt1"/>
+            </a:fillRef>
+            <a:effectRef idx="0">
+              <a:schemeClr val="accent6"/>
+            </a:effectRef>
+            <a:fontRef idx="minor">
+              <a:schemeClr val="dk1"/>
+            </a:fontRef>
+          </p:style>
+          <p:txBody>
+            <a:bodyPr rtlCol="0" anchor="ctr"/>
+            <a:lstStyle/>
+            <a:p>
+              <a:pPr algn="ctr"/>
+              <a:endParaRPr lang="en-US"/>
+            </a:p>
+          </p:txBody>
+        </p:sp>
+      </p:grpSp>
+    </p:spTree>
+    <p:extLst>
+      <p:ext uri="{BB962C8B-B14F-4D97-AF65-F5344CB8AC3E}">
+        <p14:creationId xmlns:p14="http://schemas.microsoft.com/office/powerpoint/2010/main" val="1857059864"/>
+      </p:ext>
+    </p:extLst>
+  </p:cSld>
+  <p:clrMapOvr>
+    <a:masterClrMapping/>
+  </p:clrMapOvr>
+</p:sld>
+</file>
+
+<file path=ppt/slides/slide5.xml><?xml version="1.0" encoding="utf-8"?>
+<p:sld xmlns:a="http://schemas.openxmlformats.org/drawingml/2006/main" xmlns:r="http://schemas.openxmlformats.org/officeDocument/2006/relationships" xmlns:p="http://schemas.openxmlformats.org/presentationml/2006/main">
+  <p:cSld>
+    <p:bg>
+      <p:bgPr>
+        <a:solidFill>
+          <a:schemeClr val="bg1"/>
+        </a:solidFill>
+        <a:effectLst/>
+      </p:bgPr>
+    </p:bg>
+    <p:spTree>
+      <p:nvGrpSpPr>
+        <p:cNvPr id="1" name=""/>
+        <p:cNvGrpSpPr/>
+        <p:nvPr/>
+      </p:nvGrpSpPr>
+      <p:grpSpPr>
+        <a:xfrm>
+          <a:off x="0" y="0"/>
+          <a:ext cx="0" cy="0"/>
+          <a:chOff x="0" y="0"/>
+          <a:chExt cx="0" cy="0"/>
+        </a:xfrm>
+      </p:grpSpPr>
+      <p:sp>
+        <p:nvSpPr>
+          <p:cNvPr id="8" name="Rectangle 7">
+            <a:extLst>
+              <a:ext uri="{FF2B5EF4-FFF2-40B4-BE49-F238E27FC236}">
+                <a16:creationId xmlns:a16="http://schemas.microsoft.com/office/drawing/2014/main" id="{E8A8EAB8-D2FF-444D-B34B-7D32F106AD0E}"/>
+              </a:ext>
+              <a:ext uri="{C183D7F6-B498-43B3-948B-1728B52AA6E4}">
+                <adec:decorative xmlns:adec="http://schemas.microsoft.com/office/drawing/2017/decorative" val="1"/>
+              </a:ext>
+            </a:extLst>
+          </p:cNvPr>
+          <p:cNvSpPr>
+            <a:spLocks noGrp="1" noRot="1" noChangeAspect="1" noMove="1" noResize="1" noEditPoints="1" noAdjustHandles="1" noChangeArrowheads="1" noChangeShapeType="1" noTextEdit="1"/>
+          </p:cNvSpPr>
+          <p:nvPr>
+            <p:extLst>
+              <p:ext uri="{386F3935-93C4-4BCD-93E2-E3B085C9AB24}">
+                <p16:designElem xmlns:p16="http://schemas.microsoft.com/office/powerpoint/2015/main" val="1"/>
+              </p:ext>
+            </p:extLst>
+          </p:nvPr>
+        </p:nvSpPr>
+        <p:spPr>
+          <a:xfrm>
+            <a:off x="0" y="0"/>
+            <a:ext cx="12192000" cy="6858000"/>
+          </a:xfrm>
+          <a:prstGeom prst="rect">
+            <a:avLst/>
+          </a:prstGeom>
+          <a:solidFill>
+            <a:schemeClr val="tx1">
+              <a:lumMod val="95000"/>
+              <a:lumOff val="5000"/>
+            </a:schemeClr>
+          </a:solidFill>
+          <a:ln>
+            <a:noFill/>
+          </a:ln>
+        </p:spPr>
+        <p:style>
+          <a:lnRef idx="2">
+            <a:schemeClr val="accent1">
+              <a:shade val="50000"/>
+            </a:schemeClr>
+          </a:lnRef>
+          <a:fillRef idx="1">
+            <a:schemeClr val="accent1"/>
+          </a:fillRef>
+          <a:effectRef idx="0">
+            <a:schemeClr val="accent1"/>
+          </a:effectRef>
+          <a:fontRef idx="minor">
+            <a:schemeClr val="lt1"/>
+          </a:fontRef>
+        </p:style>
+        <p:txBody>
+          <a:bodyPr rtlCol="0" anchor="ctr"/>
+          <a:lstStyle/>
+          <a:p>
+            <a:pPr algn="ctr"/>
+            <a:endParaRPr lang="en-US" dirty="0">
+              <a:solidFill>
+                <a:schemeClr val="bg1"/>
+              </a:solidFill>
+            </a:endParaRPr>
+          </a:p>
+        </p:txBody>
+      </p:sp>
+      <p:sp>
+        <p:nvSpPr>
+          <p:cNvPr id="2" name="Title 1">
+            <a:extLst>
+              <a:ext uri="{FF2B5EF4-FFF2-40B4-BE49-F238E27FC236}">
+                <a16:creationId xmlns:a16="http://schemas.microsoft.com/office/drawing/2014/main" id="{AA3F8DB6-675F-4464-9202-581678E0B5A5}"/>
+              </a:ext>
+            </a:extLst>
+          </p:cNvPr>
+          <p:cNvSpPr>
+            <a:spLocks noGrp="1"/>
+          </p:cNvSpPr>
+          <p:nvPr>
+            <p:ph type="title"/>
+          </p:nvPr>
+        </p:nvSpPr>
+        <p:spPr>
+          <a:xfrm>
+            <a:off x="1014141" y="1450655"/>
+            <a:ext cx="3932030" cy="3956690"/>
+          </a:xfrm>
+        </p:spPr>
+        <p:txBody>
+          <a:bodyPr anchor="ctr">
+            <a:normAutofit/>
+          </a:bodyPr>
+          <a:lstStyle/>
+          <a:p>
+            <a:r>
+              <a:rPr lang="en-US" sz="8000">
+                <a:solidFill>
+                  <a:schemeClr val="bg1"/>
+                </a:solidFill>
+              </a:rPr>
+              <a:t>The Design	</a:t>
+            </a:r>
+          </a:p>
+        </p:txBody>
+      </p:sp>
+      <p:cxnSp>
+        <p:nvCxnSpPr>
+          <p:cNvPr id="10" name="Straight Connector 9">
+            <a:extLst>
+              <a:ext uri="{FF2B5EF4-FFF2-40B4-BE49-F238E27FC236}">
+                <a16:creationId xmlns:a16="http://schemas.microsoft.com/office/drawing/2014/main" id="{067633D1-6EE6-4118-B9F0-B363477BEE7A}"/>
+              </a:ext>
+              <a:ext uri="{C183D7F6-B498-43B3-948B-1728B52AA6E4}">
+                <adec:decorative xmlns:adec="http://schemas.microsoft.com/office/drawing/2017/decorative" val="1"/>
+              </a:ext>
+            </a:extLst>
+          </p:cNvPr>
+          <p:cNvCxnSpPr>
+            <a:cxnSpLocks noGrp="1" noRot="1" noChangeAspect="1" noMove="1" noResize="1" noEditPoints="1" noAdjustHandles="1" noChangeArrowheads="1" noChangeShapeType="1"/>
+          </p:cNvCxnSpPr>
+          <p:nvPr>
+            <p:extLst>
+              <p:ext uri="{386F3935-93C4-4BCD-93E2-E3B085C9AB24}">
+                <p16:designElem xmlns:p16="http://schemas.microsoft.com/office/powerpoint/2015/main" val="1"/>
+              </p:ext>
+            </p:extLst>
+          </p:nvPr>
+        </p:nvCxnSpPr>
+        <p:spPr>
+          <a:xfrm flipH="1">
+            <a:off x="1014141" y="1450655"/>
+            <a:ext cx="3932030" cy="0"/>
+          </a:xfrm>
+          <a:prstGeom prst="line">
+            <a:avLst/>
+          </a:prstGeom>
+          <a:ln w="12700">
+            <a:solidFill>
+              <a:schemeClr val="accent2"/>
+            </a:solidFill>
+          </a:ln>
+        </p:spPr>
+        <p:style>
+          <a:lnRef idx="1">
+            <a:schemeClr val="accent1"/>
+          </a:lnRef>
+          <a:fillRef idx="0">
+            <a:schemeClr val="accent1"/>
+          </a:fillRef>
+          <a:effectRef idx="0">
+            <a:schemeClr val="accent1"/>
+          </a:effectRef>
+          <a:fontRef idx="minor">
+            <a:schemeClr val="tx1"/>
+          </a:fontRef>
+        </p:style>
+      </p:cxnSp>
+      <p:cxnSp>
+        <p:nvCxnSpPr>
+          <p:cNvPr id="12" name="Straight Connector 11">
+            <a:extLst>
+              <a:ext uri="{FF2B5EF4-FFF2-40B4-BE49-F238E27FC236}">
+                <a16:creationId xmlns:a16="http://schemas.microsoft.com/office/drawing/2014/main" id="{4AD7FFC6-42A9-49CB-B5E9-B3F6B038331B}"/>
+              </a:ext>
+              <a:ext uri="{C183D7F6-B498-43B3-948B-1728B52AA6E4}">
+                <adec:decorative xmlns:adec="http://schemas.microsoft.com/office/drawing/2017/decorative" val="1"/>
+              </a:ext>
+            </a:extLst>
+          </p:cNvPr>
+          <p:cNvCxnSpPr>
+            <a:cxnSpLocks noGrp="1" noRot="1" noChangeAspect="1" noMove="1" noResize="1" noEditPoints="1" noAdjustHandles="1" noChangeArrowheads="1" noChangeShapeType="1"/>
+          </p:cNvCxnSpPr>
+          <p:nvPr>
+            <p:extLst>
+              <p:ext uri="{386F3935-93C4-4BCD-93E2-E3B085C9AB24}">
+                <p16:designElem xmlns:p16="http://schemas.microsoft.com/office/powerpoint/2015/main" val="1"/>
+              </p:ext>
+            </p:extLst>
+          </p:nvPr>
+        </p:nvCxnSpPr>
+        <p:spPr>
+          <a:xfrm flipH="1">
+            <a:off x="1014141" y="5408571"/>
+            <a:ext cx="3932030" cy="0"/>
+          </a:xfrm>
+          <a:prstGeom prst="line">
+            <a:avLst/>
+          </a:prstGeom>
+          <a:ln w="12700">
+            <a:solidFill>
+              <a:schemeClr val="accent2"/>
+            </a:solidFill>
+          </a:ln>
+        </p:spPr>
+        <p:style>
+          <a:lnRef idx="1">
+            <a:schemeClr val="accent1"/>
+          </a:lnRef>
+          <a:fillRef idx="0">
+            <a:schemeClr val="accent1"/>
+          </a:fillRef>
+          <a:effectRef idx="0">
+            <a:schemeClr val="accent1"/>
+          </a:effectRef>
+          <a:fontRef idx="minor">
+            <a:schemeClr val="tx1"/>
+          </a:fontRef>
+        </p:style>
+      </p:cxnSp>
+      <p:sp>
+        <p:nvSpPr>
+          <p:cNvPr id="34" name="Content Placeholder 2">
+            <a:extLst>
+              <a:ext uri="{FF2B5EF4-FFF2-40B4-BE49-F238E27FC236}">
+                <a16:creationId xmlns:a16="http://schemas.microsoft.com/office/drawing/2014/main" id="{48E3BD52-63EF-43B3-B929-387E3896AAC5}"/>
+              </a:ext>
+            </a:extLst>
+          </p:cNvPr>
+          <p:cNvSpPr>
+            <a:spLocks noGrp="1"/>
+          </p:cNvSpPr>
+          <p:nvPr>
+            <p:ph idx="1"/>
+          </p:nvPr>
+        </p:nvSpPr>
+        <p:spPr>
+          <a:xfrm>
+            <a:off x="6096000" y="1108061"/>
+            <a:ext cx="5008901" cy="4571972"/>
+          </a:xfrm>
+        </p:spPr>
+        <p:txBody>
+          <a:bodyPr anchor="ctr">
+            <a:normAutofit/>
+          </a:bodyPr>
+          <a:lstStyle/>
+          <a:p>
+            <a:r>
+              <a:rPr lang="en-US" sz="2000">
+                <a:solidFill>
+                  <a:schemeClr val="bg1"/>
+                </a:solidFill>
+              </a:rPr>
+              <a:t>Face would be happy when you did your steps</a:t>
+            </a:r>
+          </a:p>
+          <a:p>
+            <a:r>
+              <a:rPr lang="en-US" sz="2000">
+                <a:solidFill>
+                  <a:schemeClr val="bg1"/>
+                </a:solidFill>
+              </a:rPr>
+              <a:t>Gradually it would get bored</a:t>
+            </a:r>
+          </a:p>
+          <a:p>
+            <a:r>
+              <a:rPr lang="en-US" sz="2000">
+                <a:solidFill>
+                  <a:schemeClr val="bg1"/>
+                </a:solidFill>
+              </a:rPr>
+              <a:t>It would eventually fall asleep and go into low power mode</a:t>
+            </a:r>
+          </a:p>
+          <a:p>
+            <a:r>
+              <a:rPr lang="en-US" sz="2000">
+                <a:solidFill>
+                  <a:schemeClr val="bg1"/>
+                </a:solidFill>
+              </a:rPr>
+              <a:t>It would get angry when you didn’t walk enough that day</a:t>
+            </a:r>
+          </a:p>
+          <a:p>
+            <a:r>
+              <a:rPr lang="en-US" sz="2000">
+                <a:solidFill>
+                  <a:schemeClr val="bg1"/>
+                </a:solidFill>
+              </a:rPr>
+              <a:t>It would communicate with nextdns.io and turn on blocking for youtube, facebook, steam, etc.</a:t>
+            </a:r>
+          </a:p>
+        </p:txBody>
+      </p:sp>
+    </p:spTree>
+    <p:extLst>
+      <p:ext uri="{BB962C8B-B14F-4D97-AF65-F5344CB8AC3E}">
+        <p14:creationId xmlns:p14="http://schemas.microsoft.com/office/powerpoint/2010/main" val="2274511652"/>
+      </p:ext>
+    </p:extLst>
+  </p:cSld>
+  <p:clrMapOvr>
+    <a:masterClrMapping/>
+  </p:clrMapOvr>
+</p:sld>
+</file>
+
+<file path=ppt/slides/slide6.xml><?xml version="1.0" encoding="utf-8"?>
+<p:sld xmlns:a="http://schemas.openxmlformats.org/drawingml/2006/main" xmlns:r="http://schemas.openxmlformats.org/officeDocument/2006/relationships" xmlns:p="http://schemas.openxmlformats.org/presentationml/2006/main">
+  <p:cSld>
     <p:spTree>
       <p:nvGrpSpPr>
         <p:cNvPr id="1" name=""/>
@@ -3756,7 +8843,7 @@
           <p:cNvPr id="2" name="Title 1">
             <a:extLst>
               <a:ext uri="{FF2B5EF4-FFF2-40B4-BE49-F238E27FC236}">
-                <a16:creationId xmlns:a16="http://schemas.microsoft.com/office/drawing/2014/main" id="{AE1D05C4-F419-4D09-A582-04C799C1A3DA}"/>
+                <a16:creationId xmlns:a16="http://schemas.microsoft.com/office/drawing/2014/main" id="{BCC45A73-0C13-4548-B87B-BFF891157761}"/>
               </a:ext>
             </a:extLst>
           </p:cNvPr>
@@ -3772,7 +8859,103 @@
           <a:bodyPr/>
           <a:lstStyle/>
           <a:p>
-            <a:endParaRPr lang="en-US"/>
+            <a:r>
+              <a:rPr lang="en-US" dirty="0"/>
+              <a:t>The result</a:t>
+            </a:r>
+          </a:p>
+        </p:txBody>
+      </p:sp>
+      <p:pic>
+        <p:nvPicPr>
+          <p:cNvPr id="5" name="Content Placeholder 4" descr="A close up of a device&#10;&#10;Description automatically generated">
+            <a:extLst>
+              <a:ext uri="{FF2B5EF4-FFF2-40B4-BE49-F238E27FC236}">
+                <a16:creationId xmlns:a16="http://schemas.microsoft.com/office/drawing/2014/main" id="{C3345DA1-F9FE-4163-90F6-CA393050CB87}"/>
+              </a:ext>
+            </a:extLst>
+          </p:cNvPr>
+          <p:cNvPicPr>
+            <a:picLocks noGrp="1" noChangeAspect="1"/>
+          </p:cNvPicPr>
+          <p:nvPr>
+            <p:ph idx="1"/>
+          </p:nvPr>
+        </p:nvPicPr>
+        <p:blipFill rotWithShape="1">
+          <a:blip r:embed="rId2">
+            <a:extLst>
+              <a:ext uri="{28A0092B-C50C-407E-A947-70E740481C1C}">
+                <a14:useLocalDpi xmlns:a14="http://schemas.microsoft.com/office/drawing/2010/main" val="0"/>
+              </a:ext>
+            </a:extLst>
+          </a:blip>
+          <a:srcRect l="23503" r="25919"/>
+          <a:stretch/>
+        </p:blipFill>
+        <p:spPr>
+          <a:xfrm rot="5400000">
+            <a:off x="4117172" y="650711"/>
+            <a:ext cx="6050968" cy="5479797"/>
+          </a:xfrm>
+        </p:spPr>
+      </p:pic>
+    </p:spTree>
+    <p:extLst>
+      <p:ext uri="{BB962C8B-B14F-4D97-AF65-F5344CB8AC3E}">
+        <p14:creationId xmlns:p14="http://schemas.microsoft.com/office/powerpoint/2010/main" val="2032786859"/>
+      </p:ext>
+    </p:extLst>
+  </p:cSld>
+  <p:clrMapOvr>
+    <a:masterClrMapping/>
+  </p:clrMapOvr>
+</p:sld>
+</file>
+
+<file path=ppt/slides/slide7.xml><?xml version="1.0" encoding="utf-8"?>
+<p:sld xmlns:a="http://schemas.openxmlformats.org/drawingml/2006/main" xmlns:r="http://schemas.openxmlformats.org/officeDocument/2006/relationships" xmlns:p="http://schemas.openxmlformats.org/presentationml/2006/main">
+  <p:cSld>
+    <p:spTree>
+      <p:nvGrpSpPr>
+        <p:cNvPr id="1" name=""/>
+        <p:cNvGrpSpPr/>
+        <p:nvPr/>
+      </p:nvGrpSpPr>
+      <p:grpSpPr>
+        <a:xfrm>
+          <a:off x="0" y="0"/>
+          <a:ext cx="0" cy="0"/>
+          <a:chOff x="0" y="0"/>
+          <a:chExt cx="0" cy="0"/>
+        </a:xfrm>
+      </p:grpSpPr>
+      <p:sp>
+        <p:nvSpPr>
+          <p:cNvPr id="2" name="Title 1">
+            <a:extLst>
+              <a:ext uri="{FF2B5EF4-FFF2-40B4-BE49-F238E27FC236}">
+                <a16:creationId xmlns:a16="http://schemas.microsoft.com/office/drawing/2014/main" id="{7752AAB8-0FD1-4B8D-AF7C-1AFF5BA89627}"/>
+              </a:ext>
+            </a:extLst>
+          </p:cNvPr>
+          <p:cNvSpPr>
+            <a:spLocks noGrp="1"/>
+          </p:cNvSpPr>
+          <p:nvPr>
+            <p:ph type="title"/>
+          </p:nvPr>
+        </p:nvSpPr>
+        <p:spPr/>
+        <p:txBody>
+          <a:bodyPr/>
+          <a:lstStyle/>
+          <a:p>
+            <a:r>
+              <a:rPr lang="en-US"/>
+              <a:t>Source Code</a:t>
+            </a:r>
+            <a:endParaRPr lang="en-US" dirty="0"/>
           </a:p>
         </p:txBody>
       </p:sp>
@@ -3781,7 +8964,7 @@
           <p:cNvPr id="3" name="Content Placeholder 2">
             <a:extLst>
               <a:ext uri="{FF2B5EF4-FFF2-40B4-BE49-F238E27FC236}">
-                <a16:creationId xmlns:a16="http://schemas.microsoft.com/office/drawing/2014/main" id="{D1545C54-A146-4389-BE50-C810816D7B52}"/>
+                <a16:creationId xmlns:a16="http://schemas.microsoft.com/office/drawing/2014/main" id="{EFB64CAF-F944-4602-80CD-687A939AA122}"/>
               </a:ext>
             </a:extLst>
           </p:cNvPr>
@@ -3797,14 +8980,20 @@
           <a:bodyPr/>
           <a:lstStyle/>
           <a:p>
-            <a:endParaRPr lang="en-US"/>
+            <a:r>
+              <a:rPr lang="en-US" dirty="0">
+                <a:hlinkClick r:id="rId2"/>
+              </a:rPr>
+              <a:t>https://github.com/matthewfcarlson/CS590-A2</a:t>
+            </a:r>
+            <a:endParaRPr lang="en-US" dirty="0"/>
           </a:p>
         </p:txBody>
       </p:sp>
     </p:spTree>
     <p:extLst>
       <p:ext uri="{BB962C8B-B14F-4D97-AF65-F5344CB8AC3E}">
-        <p14:creationId xmlns:p14="http://schemas.microsoft.com/office/powerpoint/2010/main" val="2228213685"/>
+        <p14:creationId xmlns:p14="http://schemas.microsoft.com/office/powerpoint/2010/main" val="3032575404"/>
       </p:ext>
     </p:extLst>
   </p:cSld>

--- a/A2.pptx
+++ b/A2.pptx
@@ -110,6 +110,11 @@
       </a:defRPr>
     </a:lvl9pPr>
   </p:defaultTextStyle>
+  <p:extLst>
+    <p:ext uri="{EFAFB233-063F-42B5-8137-9DF3F51BA10A}">
+      <p15:sldGuideLst xmlns:p15="http://schemas.microsoft.com/office/powerpoint/2012/main"/>
+    </p:ext>
+  </p:extLst>
 </p:presentation>
 </file>
 
@@ -3545,7 +3550,7 @@
           <a:p>
             <a:fld id="{BF5C848E-57FD-49BB-8E07-BE59998DB6F7}" type="datetimeFigureOut">
               <a:rPr lang="en-US" smtClean="0"/>
-              <a:t>5/11/2020</a:t>
+              <a:t>5/13/2020</a:t>
             </a:fld>
             <a:endParaRPr lang="en-US"/>
           </a:p>
@@ -3743,7 +3748,7 @@
           <a:p>
             <a:fld id="{BF5C848E-57FD-49BB-8E07-BE59998DB6F7}" type="datetimeFigureOut">
               <a:rPr lang="en-US" smtClean="0"/>
-              <a:t>5/11/2020</a:t>
+              <a:t>5/13/2020</a:t>
             </a:fld>
             <a:endParaRPr lang="en-US"/>
           </a:p>
@@ -3951,7 +3956,7 @@
           <a:p>
             <a:fld id="{BF5C848E-57FD-49BB-8E07-BE59998DB6F7}" type="datetimeFigureOut">
               <a:rPr lang="en-US" smtClean="0"/>
-              <a:t>5/11/2020</a:t>
+              <a:t>5/13/2020</a:t>
             </a:fld>
             <a:endParaRPr lang="en-US"/>
           </a:p>
@@ -4149,7 +4154,7 @@
           <a:p>
             <a:fld id="{BF5C848E-57FD-49BB-8E07-BE59998DB6F7}" type="datetimeFigureOut">
               <a:rPr lang="en-US" smtClean="0"/>
-              <a:t>5/11/2020</a:t>
+              <a:t>5/13/2020</a:t>
             </a:fld>
             <a:endParaRPr lang="en-US"/>
           </a:p>
@@ -4424,7 +4429,7 @@
           <a:p>
             <a:fld id="{BF5C848E-57FD-49BB-8E07-BE59998DB6F7}" type="datetimeFigureOut">
               <a:rPr lang="en-US" smtClean="0"/>
-              <a:t>5/11/2020</a:t>
+              <a:t>5/13/2020</a:t>
             </a:fld>
             <a:endParaRPr lang="en-US"/>
           </a:p>
@@ -4689,7 +4694,7 @@
           <a:p>
             <a:fld id="{BF5C848E-57FD-49BB-8E07-BE59998DB6F7}" type="datetimeFigureOut">
               <a:rPr lang="en-US" smtClean="0"/>
-              <a:t>5/11/2020</a:t>
+              <a:t>5/13/2020</a:t>
             </a:fld>
             <a:endParaRPr lang="en-US"/>
           </a:p>
@@ -5101,7 +5106,7 @@
           <a:p>
             <a:fld id="{BF5C848E-57FD-49BB-8E07-BE59998DB6F7}" type="datetimeFigureOut">
               <a:rPr lang="en-US" smtClean="0"/>
-              <a:t>5/11/2020</a:t>
+              <a:t>5/13/2020</a:t>
             </a:fld>
             <a:endParaRPr lang="en-US"/>
           </a:p>
@@ -5242,7 +5247,7 @@
           <a:p>
             <a:fld id="{BF5C848E-57FD-49BB-8E07-BE59998DB6F7}" type="datetimeFigureOut">
               <a:rPr lang="en-US" smtClean="0"/>
-              <a:t>5/11/2020</a:t>
+              <a:t>5/13/2020</a:t>
             </a:fld>
             <a:endParaRPr lang="en-US"/>
           </a:p>
@@ -5355,7 +5360,7 @@
           <a:p>
             <a:fld id="{BF5C848E-57FD-49BB-8E07-BE59998DB6F7}" type="datetimeFigureOut">
               <a:rPr lang="en-US" smtClean="0"/>
-              <a:t>5/11/2020</a:t>
+              <a:t>5/13/2020</a:t>
             </a:fld>
             <a:endParaRPr lang="en-US"/>
           </a:p>
@@ -5666,7 +5671,7 @@
           <a:p>
             <a:fld id="{BF5C848E-57FD-49BB-8E07-BE59998DB6F7}" type="datetimeFigureOut">
               <a:rPr lang="en-US" smtClean="0"/>
-              <a:t>5/11/2020</a:t>
+              <a:t>5/13/2020</a:t>
             </a:fld>
             <a:endParaRPr lang="en-US"/>
           </a:p>
@@ -5954,7 +5959,7 @@
           <a:p>
             <a:fld id="{BF5C848E-57FD-49BB-8E07-BE59998DB6F7}" type="datetimeFigureOut">
               <a:rPr lang="en-US" smtClean="0"/>
-              <a:t>5/11/2020</a:t>
+              <a:t>5/13/2020</a:t>
             </a:fld>
             <a:endParaRPr lang="en-US"/>
           </a:p>
@@ -6195,7 +6200,7 @@
           <a:p>
             <a:fld id="{BF5C848E-57FD-49BB-8E07-BE59998DB6F7}" type="datetimeFigureOut">
               <a:rPr lang="en-US" smtClean="0"/>
-              <a:t>5/11/2020</a:t>
+              <a:t>5/13/2020</a:t>
             </a:fld>
             <a:endParaRPr lang="en-US"/>
           </a:p>
@@ -8988,6 +8993,38 @@
             </a:r>
             <a:endParaRPr lang="en-US" dirty="0"/>
           </a:p>
+          <a:p>
+            <a:endParaRPr lang="en-US" dirty="0"/>
+          </a:p>
+          <a:p>
+            <a:r>
+              <a:rPr lang="en-US" dirty="0"/>
+              <a:t>Added new functionality to Adafruit library (</a:t>
+            </a:r>
+            <a:r>
+              <a:rPr lang="en-US" dirty="0">
+                <a:hlinkClick r:id="rId3"/>
+              </a:rPr>
+              <a:t>https://github.com/adafruit/Adafruit_LIS3DH/issues/29</a:t>
+            </a:r>
+            <a:r>
+              <a:rPr lang="en-US" dirty="0"/>
+              <a:t> – </a:t>
+            </a:r>
+            <a:r>
+              <a:rPr lang="en-US" dirty="0" err="1"/>
+              <a:t>fifo</a:t>
+            </a:r>
+            <a:r>
+              <a:rPr lang="en-US" dirty="0"/>
+              <a:t>, PR </a:t>
+            </a:r>
+            <a:r>
+              <a:rPr lang="en-US"/>
+              <a:t>is coming soon)</a:t>
+            </a:r>
+            <a:endParaRPr lang="en-US" dirty="0"/>
+          </a:p>
         </p:txBody>
       </p:sp>
     </p:spTree>
